--- a/PreRegistrationAnalysis/Pre-Registration and Pre-Analysis Plans.pptx
+++ b/PreRegistrationAnalysis/Pre-Registration and Pre-Analysis Plans.pptx
@@ -46,7 +46,6 @@
     <p:sldId id="290" r:id="rId39"/>
     <p:sldId id="291" r:id="rId40"/>
     <p:sldId id="292" r:id="rId41"/>
-    <p:sldId id="293" r:id="rId42"/>
   </p:sldIdLst>
   <p:sldSz cx="13004800" cy="9753600"/>
   <p:notesSz cx="7077075" cy="9363075"/>
@@ -283,7 +282,7 @@
           </a:bodyPr>
           <a:p>
             <a:pPr algn="r"/>
-            <a:fld id="{A8F79155-F781-47CD-B0EF-A98F1871B016}" type="slidenum">
+            <a:fld id="{29A77808-E585-45D4-BFDA-BC9DA3A6FCB1}" type="slidenum">
               <a:rPr b="0" lang="en-US" sz="1400" spc="-1" strike="noStrike">
                 <a:latin typeface="Times New Roman"/>
               </a:rPr>
@@ -320,7 +319,7 @@
       </p:grpSpPr>
       <p:sp>
         <p:nvSpPr>
-          <p:cNvPr id="225" name="TextShape 1"/>
+          <p:cNvPr id="222" name="TextShape 1"/>
           <p:cNvSpPr txBox="1"/>
           <p:nvPr/>
         </p:nvSpPr>
@@ -347,7 +346,7 @@
                 <a:spcPct val="100000"/>
               </a:lnSpc>
             </a:pPr>
-            <a:fld id="{CCD3CD29-D62B-4115-AD5A-FE908756EF97}" type="slidenum">
+            <a:fld id="{6969D839-AE3B-470F-B6D6-5068B4E2B7FC}" type="slidenum">
               <a:rPr b="0" lang="en-US" sz="1200" spc="-1" strike="noStrike">
                 <a:solidFill>
                   <a:srgbClr val="000000"/>
@@ -355,7 +354,7 @@
                 <a:latin typeface="Arial"/>
                 <a:ea typeface="Helvetica Light"/>
               </a:rPr>
-              <a:t>37</a:t>
+              <a:t>36</a:t>
             </a:fld>
             <a:endParaRPr b="0" lang="en-US" sz="1200" spc="-1" strike="noStrike">
               <a:latin typeface="Times New Roman"/>
@@ -365,7 +364,7 @@
       </p:sp>
       <p:sp>
         <p:nvSpPr>
-          <p:cNvPr id="226" name="PlaceHolder 2"/>
+          <p:cNvPr id="223" name="PlaceHolder 2"/>
           <p:cNvSpPr>
             <a:spLocks noGrp="1"/>
           </p:cNvSpPr>
@@ -385,7 +384,7 @@
       </p:sp>
       <p:sp>
         <p:nvSpPr>
-          <p:cNvPr id="227" name="PlaceHolder 3"/>
+          <p:cNvPr id="224" name="PlaceHolder 3"/>
           <p:cNvSpPr>
             <a:spLocks noGrp="1"/>
           </p:cNvSpPr>
@@ -464,7 +463,7 @@
       </p:grpSpPr>
       <p:sp>
         <p:nvSpPr>
-          <p:cNvPr id="228" name="TextShape 1"/>
+          <p:cNvPr id="225" name="TextShape 1"/>
           <p:cNvSpPr txBox="1"/>
           <p:nvPr/>
         </p:nvSpPr>
@@ -491,7 +490,7 @@
                 <a:spcPct val="100000"/>
               </a:lnSpc>
             </a:pPr>
-            <a:fld id="{DBAA625A-FA68-491F-8955-4237C9A835B1}" type="slidenum">
+            <a:fld id="{71584778-F17C-4B38-9699-C48686DCBE26}" type="slidenum">
               <a:rPr b="0" lang="en-US" sz="1200" spc="-1" strike="noStrike">
                 <a:solidFill>
                   <a:srgbClr val="000000"/>
@@ -499,7 +498,7 @@
                 <a:latin typeface="Arial"/>
                 <a:ea typeface="Helvetica Light"/>
               </a:rPr>
-              <a:t>37</a:t>
+              <a:t>36</a:t>
             </a:fld>
             <a:endParaRPr b="0" lang="en-US" sz="1200" spc="-1" strike="noStrike">
               <a:latin typeface="Times New Roman"/>
@@ -509,7 +508,7 @@
       </p:sp>
       <p:sp>
         <p:nvSpPr>
-          <p:cNvPr id="229" name="PlaceHolder 2"/>
+          <p:cNvPr id="226" name="PlaceHolder 2"/>
           <p:cNvSpPr>
             <a:spLocks noGrp="1"/>
           </p:cNvSpPr>
@@ -529,7 +528,7 @@
       </p:sp>
       <p:sp>
         <p:nvSpPr>
-          <p:cNvPr id="230" name="PlaceHolder 3"/>
+          <p:cNvPr id="227" name="PlaceHolder 3"/>
           <p:cNvSpPr>
             <a:spLocks noGrp="1"/>
           </p:cNvSpPr>
@@ -608,7 +607,7 @@
       </p:grpSpPr>
       <p:sp>
         <p:nvSpPr>
-          <p:cNvPr id="231" name="TextShape 1"/>
+          <p:cNvPr id="228" name="TextShape 1"/>
           <p:cNvSpPr txBox="1"/>
           <p:nvPr/>
         </p:nvSpPr>
@@ -635,7 +634,7 @@
                 <a:spcPct val="100000"/>
               </a:lnSpc>
             </a:pPr>
-            <a:fld id="{2919B720-6C07-4555-BBCE-331E1D88412E}" type="slidenum">
+            <a:fld id="{DB7AA62F-5489-4575-8773-1F8BC77283B5}" type="slidenum">
               <a:rPr b="0" lang="en-US" sz="1200" spc="-1" strike="noStrike">
                 <a:solidFill>
                   <a:srgbClr val="000000"/>
@@ -643,7 +642,7 @@
                 <a:latin typeface="Arial"/>
                 <a:ea typeface="Helvetica Light"/>
               </a:rPr>
-              <a:t>37</a:t>
+              <a:t>36</a:t>
             </a:fld>
             <a:endParaRPr b="0" lang="en-US" sz="1200" spc="-1" strike="noStrike">
               <a:latin typeface="Times New Roman"/>
@@ -653,7 +652,7 @@
       </p:sp>
       <p:sp>
         <p:nvSpPr>
-          <p:cNvPr id="232" name="PlaceHolder 2"/>
+          <p:cNvPr id="229" name="PlaceHolder 2"/>
           <p:cNvSpPr>
             <a:spLocks noGrp="1"/>
           </p:cNvSpPr>
@@ -673,7 +672,7 @@
       </p:sp>
       <p:sp>
         <p:nvSpPr>
-          <p:cNvPr id="233" name="PlaceHolder 3"/>
+          <p:cNvPr id="230" name="PlaceHolder 3"/>
           <p:cNvSpPr>
             <a:spLocks noGrp="1"/>
           </p:cNvSpPr>
@@ -752,7 +751,7 @@
       </p:grpSpPr>
       <p:sp>
         <p:nvSpPr>
-          <p:cNvPr id="234" name="TextShape 1"/>
+          <p:cNvPr id="231" name="TextShape 1"/>
           <p:cNvSpPr txBox="1"/>
           <p:nvPr/>
         </p:nvSpPr>
@@ -779,7 +778,7 @@
                 <a:spcPct val="100000"/>
               </a:lnSpc>
             </a:pPr>
-            <a:fld id="{BB50E97D-6988-4D49-A5FC-3C0A9D5E4974}" type="slidenum">
+            <a:fld id="{1071D76D-199D-4DD8-B726-82763D1ED2CE}" type="slidenum">
               <a:rPr b="0" lang="en-US" sz="1200" spc="-1" strike="noStrike">
                 <a:solidFill>
                   <a:srgbClr val="000000"/>
@@ -787,7 +786,7 @@
                 <a:latin typeface="Arial"/>
                 <a:ea typeface="Helvetica Light"/>
               </a:rPr>
-              <a:t>37</a:t>
+              <a:t>36</a:t>
             </a:fld>
             <a:endParaRPr b="0" lang="en-US" sz="1200" spc="-1" strike="noStrike">
               <a:latin typeface="Times New Roman"/>
@@ -797,7 +796,7 @@
       </p:sp>
       <p:sp>
         <p:nvSpPr>
-          <p:cNvPr id="235" name="PlaceHolder 2"/>
+          <p:cNvPr id="232" name="PlaceHolder 2"/>
           <p:cNvSpPr>
             <a:spLocks noGrp="1"/>
           </p:cNvSpPr>
@@ -817,7 +816,7 @@
       </p:sp>
       <p:sp>
         <p:nvSpPr>
-          <p:cNvPr id="236" name="PlaceHolder 3"/>
+          <p:cNvPr id="233" name="PlaceHolder 3"/>
           <p:cNvSpPr>
             <a:spLocks noGrp="1"/>
           </p:cNvSpPr>
@@ -896,7 +895,7 @@
       </p:grpSpPr>
       <p:sp>
         <p:nvSpPr>
-          <p:cNvPr id="237" name="TextShape 1"/>
+          <p:cNvPr id="234" name="TextShape 1"/>
           <p:cNvSpPr txBox="1"/>
           <p:nvPr/>
         </p:nvSpPr>
@@ -923,7 +922,7 @@
                 <a:spcPct val="100000"/>
               </a:lnSpc>
             </a:pPr>
-            <a:fld id="{8A2236B7-AB05-46A1-9FBF-C72CB9CC685C}" type="slidenum">
+            <a:fld id="{EAF2E87F-8A4B-4545-9448-D14F172A914A}" type="slidenum">
               <a:rPr b="0" lang="en-US" sz="1200" spc="-1" strike="noStrike">
                 <a:solidFill>
                   <a:srgbClr val="000000"/>
@@ -931,7 +930,7 @@
                 <a:latin typeface="Arial"/>
                 <a:ea typeface="Helvetica Light"/>
               </a:rPr>
-              <a:t>37</a:t>
+              <a:t>36</a:t>
             </a:fld>
             <a:endParaRPr b="0" lang="en-US" sz="1200" spc="-1" strike="noStrike">
               <a:latin typeface="Times New Roman"/>
@@ -941,7 +940,7 @@
       </p:sp>
       <p:sp>
         <p:nvSpPr>
-          <p:cNvPr id="238" name="PlaceHolder 2"/>
+          <p:cNvPr id="235" name="PlaceHolder 2"/>
           <p:cNvSpPr>
             <a:spLocks noGrp="1"/>
           </p:cNvSpPr>
@@ -961,7 +960,7 @@
       </p:sp>
       <p:sp>
         <p:nvSpPr>
-          <p:cNvPr id="239" name="PlaceHolder 3"/>
+          <p:cNvPr id="236" name="PlaceHolder 3"/>
           <p:cNvSpPr>
             <a:spLocks noGrp="1"/>
           </p:cNvSpPr>
@@ -1040,7 +1039,7 @@
       </p:grpSpPr>
       <p:sp>
         <p:nvSpPr>
-          <p:cNvPr id="240" name="TextShape 1"/>
+          <p:cNvPr id="237" name="TextShape 1"/>
           <p:cNvSpPr txBox="1"/>
           <p:nvPr/>
         </p:nvSpPr>
@@ -1067,7 +1066,7 @@
                 <a:spcPct val="100000"/>
               </a:lnSpc>
             </a:pPr>
-            <a:fld id="{E111B712-F7BA-4258-957D-A692A1BEC859}" type="slidenum">
+            <a:fld id="{41E047D3-2767-4E95-95AA-405294D05984}" type="slidenum">
               <a:rPr b="0" lang="en-US" sz="1200" spc="-1" strike="noStrike">
                 <a:solidFill>
                   <a:srgbClr val="000000"/>
@@ -1075,7 +1074,7 @@
                 <a:latin typeface="Arial"/>
                 <a:ea typeface="Helvetica Light"/>
               </a:rPr>
-              <a:t>&lt;number&gt;</a:t>
+              <a:t>36</a:t>
             </a:fld>
             <a:endParaRPr b="0" lang="en-US" sz="1200" spc="-1" strike="noStrike">
               <a:latin typeface="Times New Roman"/>
@@ -1085,7 +1084,7 @@
       </p:sp>
       <p:sp>
         <p:nvSpPr>
-          <p:cNvPr id="241" name="PlaceHolder 2"/>
+          <p:cNvPr id="238" name="PlaceHolder 2"/>
           <p:cNvSpPr>
             <a:spLocks noGrp="1"/>
           </p:cNvSpPr>
@@ -1105,7 +1104,7 @@
       </p:sp>
       <p:sp>
         <p:nvSpPr>
-          <p:cNvPr id="242" name="PlaceHolder 3"/>
+          <p:cNvPr id="239" name="PlaceHolder 3"/>
           <p:cNvSpPr>
             <a:spLocks noGrp="1"/>
           </p:cNvSpPr>
@@ -1184,7 +1183,7 @@
       </p:grpSpPr>
       <p:sp>
         <p:nvSpPr>
-          <p:cNvPr id="243" name="TextShape 1"/>
+          <p:cNvPr id="240" name="TextShape 1"/>
           <p:cNvSpPr txBox="1"/>
           <p:nvPr/>
         </p:nvSpPr>
@@ -1211,7 +1210,7 @@
                 <a:spcPct val="100000"/>
               </a:lnSpc>
             </a:pPr>
-            <a:fld id="{B722FEEE-3AE2-4E1F-9313-AF77E4D11A7C}" type="slidenum">
+            <a:fld id="{4449112F-FFB4-4AAE-B39F-26D148BA1DD7}" type="slidenum">
               <a:rPr b="0" lang="en-US" sz="1200" spc="-1" strike="noStrike">
                 <a:solidFill>
                   <a:srgbClr val="000000"/>
@@ -1219,7 +1218,7 @@
                 <a:latin typeface="Arial"/>
                 <a:ea typeface="Helvetica Light"/>
               </a:rPr>
-              <a:t>&lt;number&gt;</a:t>
+              <a:t>36</a:t>
             </a:fld>
             <a:endParaRPr b="0" lang="en-US" sz="1200" spc="-1" strike="noStrike">
               <a:latin typeface="Times New Roman"/>
@@ -1229,7 +1228,7 @@
       </p:sp>
       <p:sp>
         <p:nvSpPr>
-          <p:cNvPr id="244" name="PlaceHolder 2"/>
+          <p:cNvPr id="241" name="PlaceHolder 2"/>
           <p:cNvSpPr>
             <a:spLocks noGrp="1"/>
           </p:cNvSpPr>
@@ -1249,7 +1248,7 @@
       </p:sp>
       <p:sp>
         <p:nvSpPr>
-          <p:cNvPr id="245" name="PlaceHolder 3"/>
+          <p:cNvPr id="242" name="PlaceHolder 3"/>
           <p:cNvSpPr>
             <a:spLocks noGrp="1"/>
           </p:cNvSpPr>
@@ -1328,7 +1327,7 @@
       </p:grpSpPr>
       <p:sp>
         <p:nvSpPr>
-          <p:cNvPr id="246" name="TextShape 1"/>
+          <p:cNvPr id="243" name="TextShape 1"/>
           <p:cNvSpPr txBox="1"/>
           <p:nvPr/>
         </p:nvSpPr>
@@ -1355,7 +1354,7 @@
                 <a:spcPct val="100000"/>
               </a:lnSpc>
             </a:pPr>
-            <a:fld id="{BEA96A61-597D-41C3-BCC5-971B5D15DD4B}" type="slidenum">
+            <a:fld id="{32C8CF81-C6A1-4B7D-A298-9F9F882EF446}" type="slidenum">
               <a:rPr b="0" lang="en-US" sz="1200" spc="-1" strike="noStrike">
                 <a:solidFill>
                   <a:srgbClr val="000000"/>
@@ -1363,7 +1362,7 @@
                 <a:latin typeface="Arial"/>
                 <a:ea typeface="Helvetica Light"/>
               </a:rPr>
-              <a:t>&lt;number&gt;</a:t>
+              <a:t>36</a:t>
             </a:fld>
             <a:endParaRPr b="0" lang="en-US" sz="1200" spc="-1" strike="noStrike">
               <a:latin typeface="Times New Roman"/>
@@ -1373,7 +1372,7 @@
       </p:sp>
       <p:sp>
         <p:nvSpPr>
-          <p:cNvPr id="247" name="PlaceHolder 2"/>
+          <p:cNvPr id="244" name="PlaceHolder 2"/>
           <p:cNvSpPr>
             <a:spLocks noGrp="1"/>
           </p:cNvSpPr>
@@ -1393,7 +1392,7 @@
       </p:sp>
       <p:sp>
         <p:nvSpPr>
-          <p:cNvPr id="248" name="PlaceHolder 3"/>
+          <p:cNvPr id="245" name="PlaceHolder 3"/>
           <p:cNvSpPr>
             <a:spLocks noGrp="1"/>
           </p:cNvSpPr>
@@ -1482,7 +1481,7 @@
       </p:grpSpPr>
       <p:sp>
         <p:nvSpPr>
-          <p:cNvPr id="249" name="TextShape 1"/>
+          <p:cNvPr id="246" name="TextShape 1"/>
           <p:cNvSpPr txBox="1"/>
           <p:nvPr/>
         </p:nvSpPr>
@@ -1509,7 +1508,7 @@
                 <a:spcPct val="100000"/>
               </a:lnSpc>
             </a:pPr>
-            <a:fld id="{F944EE59-93EE-4CBF-B7E4-0983168B544F}" type="slidenum">
+            <a:fld id="{9BA483D7-067D-4DCA-857A-820606F043B7}" type="slidenum">
               <a:rPr b="0" lang="en-US" sz="1200" spc="-1" strike="noStrike">
                 <a:solidFill>
                   <a:srgbClr val="000000"/>
@@ -1517,7 +1516,7 @@
                 <a:latin typeface="Arial"/>
                 <a:ea typeface="Helvetica Light"/>
               </a:rPr>
-              <a:t>&lt;number&gt;</a:t>
+              <a:t>36</a:t>
             </a:fld>
             <a:endParaRPr b="0" lang="en-US" sz="1200" spc="-1" strike="noStrike">
               <a:latin typeface="Times New Roman"/>
@@ -1527,7 +1526,7 @@
       </p:sp>
       <p:sp>
         <p:nvSpPr>
-          <p:cNvPr id="250" name="PlaceHolder 2"/>
+          <p:cNvPr id="247" name="PlaceHolder 2"/>
           <p:cNvSpPr>
             <a:spLocks noGrp="1"/>
           </p:cNvSpPr>
@@ -1547,7 +1546,7 @@
       </p:sp>
       <p:sp>
         <p:nvSpPr>
-          <p:cNvPr id="251" name="PlaceHolder 3"/>
+          <p:cNvPr id="248" name="PlaceHolder 3"/>
           <p:cNvSpPr>
             <a:spLocks noGrp="1"/>
           </p:cNvSpPr>
@@ -1668,7 +1667,7 @@
       </p:grpSpPr>
       <p:sp>
         <p:nvSpPr>
-          <p:cNvPr id="201" name="TextShape 1"/>
+          <p:cNvPr id="198" name="TextShape 1"/>
           <p:cNvSpPr txBox="1"/>
           <p:nvPr/>
         </p:nvSpPr>
@@ -1695,7 +1694,7 @@
                 <a:spcPct val="100000"/>
               </a:lnSpc>
             </a:pPr>
-            <a:fld id="{D8CFD533-A0E1-4AA9-BA19-FC0571CDDA2F}" type="slidenum">
+            <a:fld id="{DFC84FE4-0A8C-4EEB-A131-A01215C35313}" type="slidenum">
               <a:rPr b="0" lang="en-US" sz="1200" spc="-1" strike="noStrike">
                 <a:solidFill>
                   <a:srgbClr val="000000"/>
@@ -1703,7 +1702,7 @@
                 <a:latin typeface="Arial"/>
                 <a:ea typeface="Helvetica Light"/>
               </a:rPr>
-              <a:t>37</a:t>
+              <a:t>36</a:t>
             </a:fld>
             <a:endParaRPr b="0" lang="en-US" sz="1200" spc="-1" strike="noStrike">
               <a:latin typeface="Times New Roman"/>
@@ -1713,7 +1712,7 @@
       </p:sp>
       <p:sp>
         <p:nvSpPr>
-          <p:cNvPr id="202" name="PlaceHolder 2"/>
+          <p:cNvPr id="199" name="PlaceHolder 2"/>
           <p:cNvSpPr>
             <a:spLocks noGrp="1"/>
           </p:cNvSpPr>
@@ -1733,7 +1732,7 @@
       </p:sp>
       <p:sp>
         <p:nvSpPr>
-          <p:cNvPr id="203" name="PlaceHolder 3"/>
+          <p:cNvPr id="200" name="PlaceHolder 3"/>
           <p:cNvSpPr>
             <a:spLocks noGrp="1"/>
           </p:cNvSpPr>
@@ -1812,7 +1811,7 @@
       </p:grpSpPr>
       <p:sp>
         <p:nvSpPr>
-          <p:cNvPr id="252" name="TextShape 1"/>
+          <p:cNvPr id="249" name="TextShape 1"/>
           <p:cNvSpPr txBox="1"/>
           <p:nvPr/>
         </p:nvSpPr>
@@ -1839,7 +1838,7 @@
                 <a:spcPct val="100000"/>
               </a:lnSpc>
             </a:pPr>
-            <a:fld id="{AB1A6445-95F7-4ADA-9D5C-AD8FF850E474}" type="slidenum">
+            <a:fld id="{8F301F09-EE36-4F52-AE93-6119E061B60C}" type="slidenum">
               <a:rPr b="0" lang="en-US" sz="1200" spc="-1" strike="noStrike">
                 <a:solidFill>
                   <a:srgbClr val="000000"/>
@@ -1857,7 +1856,7 @@
       </p:sp>
       <p:sp>
         <p:nvSpPr>
-          <p:cNvPr id="253" name="PlaceHolder 2"/>
+          <p:cNvPr id="250" name="PlaceHolder 2"/>
           <p:cNvSpPr>
             <a:spLocks noGrp="1"/>
           </p:cNvSpPr>
@@ -1877,7 +1876,7 @@
       </p:sp>
       <p:sp>
         <p:nvSpPr>
-          <p:cNvPr id="254" name="PlaceHolder 3"/>
+          <p:cNvPr id="251" name="PlaceHolder 3"/>
           <p:cNvSpPr>
             <a:spLocks noGrp="1"/>
           </p:cNvSpPr>
@@ -2014,7 +2013,7 @@
       </p:grpSpPr>
       <p:sp>
         <p:nvSpPr>
-          <p:cNvPr id="255" name="TextShape 1"/>
+          <p:cNvPr id="252" name="TextShape 1"/>
           <p:cNvSpPr txBox="1"/>
           <p:nvPr/>
         </p:nvSpPr>
@@ -2041,7 +2040,7 @@
                 <a:spcPct val="100000"/>
               </a:lnSpc>
             </a:pPr>
-            <a:fld id="{C2E2DD21-241A-404A-945C-B8176CD0D92B}" type="slidenum">
+            <a:fld id="{53C9D742-F39A-4782-B1B0-52937CF8B730}" type="slidenum">
               <a:rPr b="0" lang="en-US" sz="1200" spc="-1" strike="noStrike">
                 <a:solidFill>
                   <a:srgbClr val="000000"/>
@@ -2059,7 +2058,7 @@
       </p:sp>
       <p:sp>
         <p:nvSpPr>
-          <p:cNvPr id="256" name="PlaceHolder 2"/>
+          <p:cNvPr id="253" name="PlaceHolder 2"/>
           <p:cNvSpPr>
             <a:spLocks noGrp="1"/>
           </p:cNvSpPr>
@@ -2079,7 +2078,7 @@
       </p:sp>
       <p:sp>
         <p:nvSpPr>
-          <p:cNvPr id="257" name="PlaceHolder 3"/>
+          <p:cNvPr id="254" name="PlaceHolder 3"/>
           <p:cNvSpPr>
             <a:spLocks noGrp="1"/>
           </p:cNvSpPr>
@@ -2172,7 +2171,7 @@
       </p:grpSpPr>
       <p:sp>
         <p:nvSpPr>
-          <p:cNvPr id="258" name="TextShape 1"/>
+          <p:cNvPr id="255" name="TextShape 1"/>
           <p:cNvSpPr txBox="1"/>
           <p:nvPr/>
         </p:nvSpPr>
@@ -2199,7 +2198,7 @@
                 <a:spcPct val="100000"/>
               </a:lnSpc>
             </a:pPr>
-            <a:fld id="{71003739-35A9-4B45-95B1-7C06DFA7D041}" type="slidenum">
+            <a:fld id="{E73341E3-B769-4E26-8C58-537152258A5B}" type="slidenum">
               <a:rPr b="0" lang="en-US" sz="1200" spc="-1" strike="noStrike">
                 <a:solidFill>
                   <a:srgbClr val="000000"/>
@@ -2217,7 +2216,7 @@
       </p:sp>
       <p:sp>
         <p:nvSpPr>
-          <p:cNvPr id="259" name="PlaceHolder 2"/>
+          <p:cNvPr id="256" name="PlaceHolder 2"/>
           <p:cNvSpPr>
             <a:spLocks noGrp="1"/>
           </p:cNvSpPr>
@@ -2237,7 +2236,7 @@
       </p:sp>
       <p:sp>
         <p:nvSpPr>
-          <p:cNvPr id="260" name="PlaceHolder 3"/>
+          <p:cNvPr id="257" name="PlaceHolder 3"/>
           <p:cNvSpPr>
             <a:spLocks noGrp="1"/>
           </p:cNvSpPr>
@@ -2330,7 +2329,7 @@
       </p:grpSpPr>
       <p:sp>
         <p:nvSpPr>
-          <p:cNvPr id="261" name="TextShape 1"/>
+          <p:cNvPr id="258" name="TextShape 1"/>
           <p:cNvSpPr txBox="1"/>
           <p:nvPr/>
         </p:nvSpPr>
@@ -2357,7 +2356,7 @@
                 <a:spcPct val="100000"/>
               </a:lnSpc>
             </a:pPr>
-            <a:fld id="{E85D0DEF-796F-4C8B-AB2E-565635B260CC}" type="slidenum">
+            <a:fld id="{9DD0056B-B04B-4B4E-8B8D-CB5ADD9BEF95}" type="slidenum">
               <a:rPr b="0" lang="en-US" sz="1200" spc="-1" strike="noStrike">
                 <a:solidFill>
                   <a:srgbClr val="000000"/>
@@ -2375,7 +2374,7 @@
       </p:sp>
       <p:sp>
         <p:nvSpPr>
-          <p:cNvPr id="262" name="PlaceHolder 2"/>
+          <p:cNvPr id="259" name="PlaceHolder 2"/>
           <p:cNvSpPr>
             <a:spLocks noGrp="1"/>
           </p:cNvSpPr>
@@ -2395,7 +2394,7 @@
       </p:sp>
       <p:sp>
         <p:nvSpPr>
-          <p:cNvPr id="263" name="PlaceHolder 3"/>
+          <p:cNvPr id="260" name="PlaceHolder 3"/>
           <p:cNvSpPr>
             <a:spLocks noGrp="1"/>
           </p:cNvSpPr>
@@ -2508,7 +2507,7 @@
       </p:grpSpPr>
       <p:sp>
         <p:nvSpPr>
-          <p:cNvPr id="264" name="TextShape 1"/>
+          <p:cNvPr id="261" name="TextShape 1"/>
           <p:cNvSpPr txBox="1"/>
           <p:nvPr/>
         </p:nvSpPr>
@@ -2535,7 +2534,7 @@
                 <a:spcPct val="100000"/>
               </a:lnSpc>
             </a:pPr>
-            <a:fld id="{ADF59725-530F-4360-8E5C-027A020E9897}" type="slidenum">
+            <a:fld id="{3FA9C54D-6B19-46D9-9FE9-E49FE8224283}" type="slidenum">
               <a:rPr b="0" lang="en-US" sz="1200" spc="-1" strike="noStrike">
                 <a:solidFill>
                   <a:srgbClr val="000000"/>
@@ -2553,7 +2552,7 @@
       </p:sp>
       <p:sp>
         <p:nvSpPr>
-          <p:cNvPr id="265" name="PlaceHolder 2"/>
+          <p:cNvPr id="262" name="PlaceHolder 2"/>
           <p:cNvSpPr>
             <a:spLocks noGrp="1"/>
           </p:cNvSpPr>
@@ -2573,7 +2572,7 @@
       </p:sp>
       <p:sp>
         <p:nvSpPr>
-          <p:cNvPr id="266" name="PlaceHolder 3"/>
+          <p:cNvPr id="263" name="PlaceHolder 3"/>
           <p:cNvSpPr>
             <a:spLocks noGrp="1"/>
           </p:cNvSpPr>
@@ -2607,16 +2606,24 @@
               <a:t>** </a:t>
             </a:r>
             <a:r>
-              <a:rPr b="0" lang="en-US" sz="1100" spc="-1" strike="noStrike">
-                <a:solidFill>
-                  <a:srgbClr val="000000"/>
-                </a:solidFill>
-                <a:latin typeface="Georgia"/>
-                <a:ea typeface="Georgia"/>
-              </a:rPr>
-              <a:t>While pre-registration cannot be used in all cases, it can be used in many settings beyond field experiments (or lab experiments).</a:t>
-            </a:r>
-            <a:endParaRPr b="0" lang="en-US" sz="1100" spc="-1" strike="noStrike">
+              <a:rPr b="0" lang="en-US" sz="2000" spc="-1" strike="noStrike">
+                <a:latin typeface="Arial"/>
+              </a:rPr>
+              <a:t>The only economics study of which we are aware that has used a pre-analysis plan on non-experimental data was undertaken in Neumark (2001). Based on conversations with David Levine, Alan Krueger appears to have suggested to Levine, who was the editor of the </a:t>
+            </a:r>
+            <a:r>
+              <a:rPr b="0" i="1" lang="en-US" sz="2000" spc="-1" strike="noStrike">
+                <a:latin typeface="Arial"/>
+              </a:rPr>
+              <a:t>Industrial Relations</a:t>
+            </a:r>
+            <a:r>
+              <a:rPr b="0" lang="en-US" sz="2000" spc="-1" strike="noStrike">
+                <a:latin typeface="Arial"/>
+              </a:rPr>
+              <a:t> journal at the time, that multiple researchers could analyze the employment effects of an upcoming change in the federal minimum wage with pre-specified research designs, in a bid to eliminate “author effects,” and that this could create a productive “adversarial collaboration” between authors with starkly different prior views on the likely impacts of the policy change (Levine 2001). (The concept of adversarial collaboration—two sets of researchers with opposing theories coming together and agreeing on a way to test hypotheses before observing the data—is often associated with Daniel Kahneman, see, for example Bateman et al. 2005).</a:t>
+            </a:r>
+            <a:endParaRPr b="0" lang="en-US" sz="2000" spc="-1" strike="noStrike">
               <a:latin typeface="Arial"/>
             </a:endParaRPr>
           </a:p>
@@ -2626,7 +2633,13 @@
                 <a:spcPct val="100000"/>
               </a:lnSpc>
             </a:pPr>
-            <a:endParaRPr b="0" lang="en-US" sz="1100" spc="-1" strike="noStrike">
+            <a:r>
+              <a:rPr b="0" lang="en-US" sz="2000" spc="-1" strike="noStrike">
+                <a:latin typeface="Arial"/>
+              </a:rPr>
+              <a:t>The minimum wage increased in October 1996 and September 1997. Although Krueger ultimately decided not to participate, Neumark submitted a pre-specified research design consisting of the exact estimating equations, variable definitions, and subgroups that would be used to analyze the effect of the minimum wage on the unemployment of younger workers using October, November, and December Current Population Survey (CPS) data from 1995 through 1998. This detailed plan was submitted to journal editors and reviewers prior to the end of May 1997; the October 1996 data started to become available at the end of May 1997, and Neumark assures readers he had not looked at any published data at the state level prior to submitting his analysis plan.</a:t>
+            </a:r>
+            <a:endParaRPr b="0" lang="en-US" sz="2000" spc="-1" strike="noStrike">
               <a:latin typeface="Arial"/>
             </a:endParaRPr>
           </a:p>
@@ -2637,16 +2650,12 @@
               </a:lnSpc>
             </a:pPr>
             <a:r>
-              <a:rPr b="0" lang="en-US" sz="1100" spc="-1" strike="noStrike">
-                <a:solidFill>
-                  <a:srgbClr val="000000"/>
-                </a:solidFill>
-                <a:latin typeface="Arial"/>
-                <a:ea typeface="Georgia"/>
-              </a:rPr>
-              <a:t>-- Mention the case of the electrification project in Kenya, and how we specified our priors on take-up, which lets us credibly claim that we were “surprised” by the findings (i.e., much lower demand for electricity connections among rural households than we had expected).</a:t>
-            </a:r>
-            <a:endParaRPr b="0" lang="en-US" sz="1100" spc="-1" strike="noStrike">
+              <a:rPr b="0" lang="en-US" sz="2000" spc="-1" strike="noStrike">
+                <a:latin typeface="Arial"/>
+              </a:rPr>
+              <a:t>The verifiable “time stamp” of the federal government’s release of data indeed makes this approach possible, but the situation also benefits from the depth and intensity of the minimum wage debate prior to this study. Neumark had an extensive extant literature to draw upon when choosing specific regression functional forms and subgroup analyses. He tests two definitions of the minimum wage, the ratio of the minimum wage to the average wage (common in Neumark’s previous work) as well as the fraction of workers who benefit from the newly raised minimum wage (used in David Card’s earlier work, Card 1992a and Card 1992b), and tests both models with and without controls for the employment rate of higher-skilled prime age adults (as recommended by Deere, Murphy, and Welch 1995).  The results mostly fail to reject the null hypothesis of no effect of the minimum wage increase: only 18 of the 80 specifications result in statistically significant decreases in employment (at the 90% confidence level), with estimated elasticities ranging from -0.14 to -0.3 for the significant estimates and others closer to zero. </a:t>
+            </a:r>
+            <a:endParaRPr b="0" lang="en-US" sz="2000" spc="-1" strike="noStrike">
               <a:latin typeface="Arial"/>
             </a:endParaRPr>
           </a:p>
@@ -2656,7 +2665,55 @@
                 <a:spcPct val="100000"/>
               </a:lnSpc>
             </a:pPr>
-            <a:endParaRPr b="0" lang="en-US" sz="1100" spc="-1" strike="noStrike">
+            <a:r>
+              <a:rPr b="0" lang="en-US" sz="2000" spc="-1" strike="noStrike">
+                <a:latin typeface="Arial"/>
+              </a:rPr>
+              <a:t>A more recent study bases its analysis on Neumark’s exact pre-specified tests estimate the effect of minimum wages in Canada and found larger unemployment effects, but they had access to the data before estimating their models and did not have an agreement with the journal, so the value of this “pre-specification” is less clear (Campolieti, Gunderson, and Riddell 2006). In political science, a pre-specified observational analysis measured the effect of the immigration stances of Republican representatives on their 2010 election outcomes (Monogan 2013).</a:t>
+            </a:r>
+            <a:endParaRPr b="0" lang="en-US" sz="2000" spc="-1" strike="noStrike">
+              <a:latin typeface="Arial"/>
+            </a:endParaRPr>
+          </a:p>
+          <a:p>
+            <a:pPr marL="216000" indent="-216000">
+              <a:lnSpc>
+                <a:spcPct val="100000"/>
+              </a:lnSpc>
+            </a:pPr>
+            <a:r>
+              <a:rPr b="0" lang="en-US" sz="2000" spc="-1" strike="noStrike">
+                <a:latin typeface="Arial"/>
+              </a:rPr>
+              <a:t>It is difficult to see how a researcher could reach Neumark’s level of pre-specified detail with a research question with which they were not already intimately familiar. It seems more likely that in a case where the researcher was less knowledgeable they might either pre-specify with an inadequate level of detail, or choose an inappropriate specification; this risk makes it important that researchers should not be punished for deviating from their pre-analysis plan in cases where the plan omits important details or contains errors, as argued in Casey et al (2012). </a:t>
+            </a:r>
+            <a:endParaRPr b="0" lang="en-US" sz="2000" spc="-1" strike="noStrike">
+              <a:latin typeface="Arial"/>
+            </a:endParaRPr>
+          </a:p>
+          <a:p>
+            <a:pPr marL="216000" indent="-216000">
+              <a:lnSpc>
+                <a:spcPct val="100000"/>
+              </a:lnSpc>
+            </a:pPr>
+            <a:r>
+              <a:rPr b="0" lang="en-US" sz="2000" spc="-1" strike="noStrike">
+                <a:latin typeface="Arial"/>
+              </a:rPr>
+              <a:t>It seems likely to us that the majority of observational empirical work in economics will continue largely as is for the forseeable future. However, for important, intensely debated, and well-defined questions, it would be desirable in our view for more observational research to be conducted in a pre-specified fashion, following the example in Neumark (2001). Although pre-specification will not always be possible, the fact that large amounts of government data are released to the public on regular schedules, and that many policy changes are known to occur well in advance (such as in the case of the anticipated federal minimum wage changes discussed above), will make it possible for the verifiable pre-specification of research analysis to be carried out in many settings.</a:t>
+            </a:r>
+            <a:endParaRPr b="0" lang="en-US" sz="2000" spc="-1" strike="noStrike">
+              <a:latin typeface="Arial"/>
+            </a:endParaRPr>
+          </a:p>
+          <a:p>
+            <a:pPr marL="216000" indent="-216000">
+              <a:lnSpc>
+                <a:spcPct val="100000"/>
+              </a:lnSpc>
+            </a:pPr>
+            <a:endParaRPr b="0" lang="en-US" sz="2000" spc="-1" strike="noStrike">
               <a:latin typeface="Arial"/>
             </a:endParaRPr>
           </a:p>
@@ -2686,7 +2743,7 @@
       </p:grpSpPr>
       <p:sp>
         <p:nvSpPr>
-          <p:cNvPr id="267" name="TextShape 1"/>
+          <p:cNvPr id="264" name="TextShape 1"/>
           <p:cNvSpPr txBox="1"/>
           <p:nvPr/>
         </p:nvSpPr>
@@ -2713,7 +2770,7 @@
                 <a:spcPct val="100000"/>
               </a:lnSpc>
             </a:pPr>
-            <a:fld id="{FC9BBD62-29F3-4F12-8172-2D801F0DF672}" type="slidenum">
+            <a:fld id="{ECF1862D-4E39-44E8-9D8C-3C1F350BAFB1}" type="slidenum">
               <a:rPr b="0" lang="en-US" sz="1200" spc="-1" strike="noStrike">
                 <a:solidFill>
                   <a:srgbClr val="000000"/>
@@ -2731,7 +2788,7 @@
       </p:sp>
       <p:sp>
         <p:nvSpPr>
-          <p:cNvPr id="268" name="PlaceHolder 2"/>
+          <p:cNvPr id="265" name="PlaceHolder 2"/>
           <p:cNvSpPr>
             <a:spLocks noGrp="1"/>
           </p:cNvSpPr>
@@ -2751,7 +2808,7 @@
       </p:sp>
       <p:sp>
         <p:nvSpPr>
-          <p:cNvPr id="269" name="PlaceHolder 3"/>
+          <p:cNvPr id="266" name="PlaceHolder 3"/>
           <p:cNvSpPr>
             <a:spLocks noGrp="1"/>
           </p:cNvSpPr>
@@ -2782,27 +2839,9 @@
               <a:rPr b="0" lang="en-US" sz="1100" spc="-1" strike="noStrike">
                 <a:latin typeface="Arial"/>
               </a:rPr>
-              <a:t>** </a:t>
-            </a:r>
-            <a:r>
-              <a:rPr b="0" lang="en-US" sz="2000" spc="-1" strike="noStrike">
-                <a:latin typeface="Arial"/>
-              </a:rPr>
-              <a:t>The only economics study of which we are aware that has used a pre-analysis plan on non-experimental data was undertaken in Neumark (2001). Based on conversations with David Levine, Alan Krueger appears to have suggested to Levine, who was the editor of the </a:t>
-            </a:r>
-            <a:r>
-              <a:rPr b="0" i="1" lang="en-US" sz="2000" spc="-1" strike="noStrike">
-                <a:latin typeface="Arial"/>
-              </a:rPr>
-              <a:t>Industrial Relations</a:t>
-            </a:r>
-            <a:r>
-              <a:rPr b="0" lang="en-US" sz="2000" spc="-1" strike="noStrike">
-                <a:latin typeface="Arial"/>
-              </a:rPr>
-              <a:t> journal at the time, that multiple researchers could analyze the employment effects of an upcoming change in the federal minimum wage with pre-specified research designs, in a bid to eliminate “author effects,” and that this could create a productive “adversarial collaboration” between authors with starkly different prior views on the likely impacts of the policy change (Levine 2001). (The concept of adversarial collaboration—two sets of researchers with opposing theories coming together and agreeing on a way to test hypotheses before observing the data—is often associated with Daniel Kahneman, see, for example Bateman et al. 2005).</a:t>
-            </a:r>
-            <a:endParaRPr b="0" lang="en-US" sz="2000" spc="-1" strike="noStrike">
+              <a:t>** Mention that since this time, over 100 empirical studies of employment impacts of the minimum have been carried out, and recent meta-analysis (which I do not know well, admittedly) suggests that the average effect on employment is between -0.1 and -0.2. In other words, for every 10% increase in the minimum wage, employment falls by 1-2%, a small effect.</a:t>
+            </a:r>
+            <a:endParaRPr b="0" lang="en-US" sz="1100" spc="-1" strike="noStrike">
               <a:latin typeface="Arial"/>
             </a:endParaRPr>
           </a:p>
@@ -2813,12 +2852,12 @@
               </a:lnSpc>
             </a:pPr>
             <a:r>
-              <a:rPr b="0" lang="en-US" sz="2000" spc="-1" strike="noStrike">
-                <a:latin typeface="Arial"/>
-              </a:rPr>
-              <a:t>The minimum wage increased in October 1996 and September 1997. Although Krueger ultimately decided not to participate, Neumark submitted a pre-specified research design consisting of the exact estimating equations, variable definitions, and subgroups that would be used to analyze the effect of the minimum wage on the unemployment of younger workers using October, November, and December Current Population Survey (CPS) data from 1995 through 1998. This detailed plan was submitted to journal editors and reviewers prior to the end of May 1997; the October 1996 data started to become available at the end of May 1997, and Neumark assures readers he had not looked at any published data at the state level prior to submitting his analysis plan.</a:t>
-            </a:r>
-            <a:endParaRPr b="0" lang="en-US" sz="2000" spc="-1" strike="noStrike">
+              <a:rPr b="0" lang="en-US" sz="1100" spc="-1" strike="noStrike">
+                <a:latin typeface="Arial"/>
+              </a:rPr>
+              <a:t>-- How much of this variation in estimates is due to author effects and specification search effects, how much is due to publication bias, and how much is simply due to inherent heterogeneity in treatment effect impacts in different settings (by time and place)?</a:t>
+            </a:r>
+            <a:endParaRPr b="0" lang="en-US" sz="1100" spc="-1" strike="noStrike">
               <a:latin typeface="Arial"/>
             </a:endParaRPr>
           </a:p>
@@ -2829,12 +2868,12 @@
               </a:lnSpc>
             </a:pPr>
             <a:r>
-              <a:rPr b="0" lang="en-US" sz="2000" spc="-1" strike="noStrike">
-                <a:latin typeface="Arial"/>
-              </a:rPr>
-              <a:t>The verifiable “time stamp” of the federal government’s release of data indeed makes this approach possible, but the situation also benefits from the depth and intensity of the minimum wage debate prior to this study. Neumark had an extensive extant literature to draw upon when choosing specific regression functional forms and subgroup analyses. He tests two definitions of the minimum wage, the ratio of the minimum wage to the average wage (common in Neumark’s previous work) as well as the fraction of workers who benefit from the newly raised minimum wage (used in David Card’s earlier work, Card 1992a and Card 1992b), and tests both models with and without controls for the employment rate of higher-skilled prime age adults (as recommended by Deere, Murphy, and Welch 1995).  The results mostly fail to reject the null hypothesis of no effect of the minimum wage increase: only 18 of the 80 specifications result in statistically significant decreases in employment (at the 90% confidence level), with estimated elasticities ranging from -0.14 to -0.3 for the significant estimates and others closer to zero. </a:t>
-            </a:r>
-            <a:endParaRPr b="0" lang="en-US" sz="2000" spc="-1" strike="noStrike">
+              <a:rPr b="0" lang="en-US" sz="1100" spc="-1" strike="noStrike">
+                <a:latin typeface="Arial"/>
+              </a:rPr>
+              <a:t>-- </a:t>
+            </a:r>
+            <a:endParaRPr b="0" lang="en-US" sz="1100" spc="-1" strike="noStrike">
               <a:latin typeface="Arial"/>
             </a:endParaRPr>
           </a:p>
@@ -2844,13 +2883,7 @@
                 <a:spcPct val="100000"/>
               </a:lnSpc>
             </a:pPr>
-            <a:r>
-              <a:rPr b="0" lang="en-US" sz="2000" spc="-1" strike="noStrike">
-                <a:latin typeface="Arial"/>
-              </a:rPr>
-              <a:t>A more recent study bases its analysis on Neumark’s exact pre-specified tests estimate the effect of minimum wages in Canada and found larger unemployment effects, but they had access to the data before estimating their models and did not have an agreement with the journal, so the value of this “pre-specification” is less clear (Campolieti, Gunderson, and Riddell 2006). In political science, a pre-specified observational analysis measured the effect of the immigration stances of Republican representatives on their 2010 election outcomes (Monogan 2013).</a:t>
-            </a:r>
-            <a:endParaRPr b="0" lang="en-US" sz="2000" spc="-1" strike="noStrike">
+            <a:endParaRPr b="0" lang="en-US" sz="1100" spc="-1" strike="noStrike">
               <a:latin typeface="Arial"/>
             </a:endParaRPr>
           </a:p>
@@ -2860,39 +2893,7 @@
                 <a:spcPct val="100000"/>
               </a:lnSpc>
             </a:pPr>
-            <a:r>
-              <a:rPr b="0" lang="en-US" sz="2000" spc="-1" strike="noStrike">
-                <a:latin typeface="Arial"/>
-              </a:rPr>
-              <a:t>It is difficult to see how a researcher could reach Neumark’s level of pre-specified detail with a research question with which they were not already intimately familiar. It seems more likely that in a case where the researcher was less knowledgeable they might either pre-specify with an inadequate level of detail, or choose an inappropriate specification; this risk makes it important that researchers should not be punished for deviating from their pre-analysis plan in cases where the plan omits important details or contains errors, as argued in Casey et al (2012). </a:t>
-            </a:r>
-            <a:endParaRPr b="0" lang="en-US" sz="2000" spc="-1" strike="noStrike">
-              <a:latin typeface="Arial"/>
-            </a:endParaRPr>
-          </a:p>
-          <a:p>
-            <a:pPr marL="216000" indent="-216000">
-              <a:lnSpc>
-                <a:spcPct val="100000"/>
-              </a:lnSpc>
-            </a:pPr>
-            <a:r>
-              <a:rPr b="0" lang="en-US" sz="2000" spc="-1" strike="noStrike">
-                <a:latin typeface="Arial"/>
-              </a:rPr>
-              <a:t>It seems likely to us that the majority of observational empirical work in economics will continue largely as is for the forseeable future. However, for important, intensely debated, and well-defined questions, it would be desirable in our view for more observational research to be conducted in a pre-specified fashion, following the example in Neumark (2001). Although pre-specification will not always be possible, the fact that large amounts of government data are released to the public on regular schedules, and that many policy changes are known to occur well in advance (such as in the case of the anticipated federal minimum wage changes discussed above), will make it possible for the verifiable pre-specification of research analysis to be carried out in many settings.</a:t>
-            </a:r>
-            <a:endParaRPr b="0" lang="en-US" sz="2000" spc="-1" strike="noStrike">
-              <a:latin typeface="Arial"/>
-            </a:endParaRPr>
-          </a:p>
-          <a:p>
-            <a:pPr marL="216000" indent="-216000">
-              <a:lnSpc>
-                <a:spcPct val="100000"/>
-              </a:lnSpc>
-            </a:pPr>
-            <a:endParaRPr b="0" lang="en-US" sz="2000" spc="-1" strike="noStrike">
+            <a:endParaRPr b="0" lang="en-US" sz="1100" spc="-1" strike="noStrike">
               <a:latin typeface="Arial"/>
             </a:endParaRPr>
           </a:p>
@@ -2922,7 +2923,7 @@
       </p:grpSpPr>
       <p:sp>
         <p:nvSpPr>
-          <p:cNvPr id="270" name="TextShape 1"/>
+          <p:cNvPr id="267" name="TextShape 1"/>
           <p:cNvSpPr txBox="1"/>
           <p:nvPr/>
         </p:nvSpPr>
@@ -2949,7 +2950,7 @@
                 <a:spcPct val="100000"/>
               </a:lnSpc>
             </a:pPr>
-            <a:fld id="{C7DA7F16-A02D-4B96-B867-2EB74A9D8CDB}" type="slidenum">
+            <a:fld id="{F80AD403-1039-4AAC-B69A-EA97E23BD3B6}" type="slidenum">
               <a:rPr b="0" lang="en-US" sz="1200" spc="-1" strike="noStrike">
                 <a:solidFill>
                   <a:srgbClr val="000000"/>
@@ -2967,7 +2968,7 @@
       </p:sp>
       <p:sp>
         <p:nvSpPr>
-          <p:cNvPr id="271" name="PlaceHolder 2"/>
+          <p:cNvPr id="268" name="PlaceHolder 2"/>
           <p:cNvSpPr>
             <a:spLocks noGrp="1"/>
           </p:cNvSpPr>
@@ -2987,7 +2988,7 @@
       </p:sp>
       <p:sp>
         <p:nvSpPr>
-          <p:cNvPr id="272" name="PlaceHolder 3"/>
+          <p:cNvPr id="269" name="PlaceHolder 3"/>
           <p:cNvSpPr>
             <a:spLocks noGrp="1"/>
           </p:cNvSpPr>
@@ -3018,7 +3019,7 @@
               <a:rPr b="0" lang="en-US" sz="1100" spc="-1" strike="noStrike">
                 <a:latin typeface="Arial"/>
               </a:rPr>
-              <a:t>** Mention that since this time, over 100 empirical studies of employment impacts of the minimum have been carried out, and recent meta-analysis (which I do not know well, admittedly) suggests that the average effect on employment is between -0.1 and -0.2. In other words, for every 10% increase in the minimum wage, employment falls by 1-2%, a small effect.</a:t>
+              <a:t>**</a:t>
             </a:r>
             <a:endParaRPr b="0" lang="en-US" sz="1100" spc="-1" strike="noStrike">
               <a:latin typeface="Arial"/>
@@ -3034,7 +3035,7 @@
               <a:rPr b="0" lang="en-US" sz="1100" spc="-1" strike="noStrike">
                 <a:latin typeface="Arial"/>
               </a:rPr>
-              <a:t>-- How much of this variation in estimates is due to author effects and specification search effects, how much is due to publication bias, and how much is simply due to inherent heterogeneity in treatment effect impacts in different settings (by time and place)?</a:t>
+              <a:t>-- Here the journal editor serves as the registry (of sorts), he can vouch for the original article submission.</a:t>
             </a:r>
             <a:endParaRPr b="0" lang="en-US" sz="1100" spc="-1" strike="noStrike">
               <a:latin typeface="Arial"/>
@@ -3052,16 +3053,6 @@
               </a:rPr>
               <a:t>-- </a:t>
             </a:r>
-            <a:endParaRPr b="0" lang="en-US" sz="1100" spc="-1" strike="noStrike">
-              <a:latin typeface="Arial"/>
-            </a:endParaRPr>
-          </a:p>
-          <a:p>
-            <a:pPr marL="216000" indent="-216000">
-              <a:lnSpc>
-                <a:spcPct val="100000"/>
-              </a:lnSpc>
-            </a:pPr>
             <a:endParaRPr b="0" lang="en-US" sz="1100" spc="-1" strike="noStrike">
               <a:latin typeface="Arial"/>
             </a:endParaRPr>
@@ -3102,7 +3093,7 @@
       </p:grpSpPr>
       <p:sp>
         <p:nvSpPr>
-          <p:cNvPr id="273" name="TextShape 1"/>
+          <p:cNvPr id="270" name="TextShape 1"/>
           <p:cNvSpPr txBox="1"/>
           <p:nvPr/>
         </p:nvSpPr>
@@ -3129,7 +3120,7 @@
                 <a:spcPct val="100000"/>
               </a:lnSpc>
             </a:pPr>
-            <a:fld id="{B71D5A0C-C673-43ED-AE54-A3A0F882F61C}" type="slidenum">
+            <a:fld id="{757FEC17-6B74-4A14-9AC3-79EFEDACEBC0}" type="slidenum">
               <a:rPr b="0" lang="en-US" sz="1200" spc="-1" strike="noStrike">
                 <a:solidFill>
                   <a:srgbClr val="000000"/>
@@ -3147,7 +3138,7 @@
       </p:sp>
       <p:sp>
         <p:nvSpPr>
-          <p:cNvPr id="274" name="PlaceHolder 2"/>
+          <p:cNvPr id="271" name="PlaceHolder 2"/>
           <p:cNvSpPr>
             <a:spLocks noGrp="1"/>
           </p:cNvSpPr>
@@ -3167,7 +3158,7 @@
       </p:sp>
       <p:sp>
         <p:nvSpPr>
-          <p:cNvPr id="275" name="PlaceHolder 3"/>
+          <p:cNvPr id="272" name="PlaceHolder 3"/>
           <p:cNvSpPr>
             <a:spLocks noGrp="1"/>
           </p:cNvSpPr>
@@ -3214,23 +3205,7 @@
               <a:rPr b="0" lang="en-US" sz="1100" spc="-1" strike="noStrike">
                 <a:latin typeface="Arial"/>
               </a:rPr>
-              <a:t>-- Here the journal editor serves as the registry (of sorts), he can vouch for the original article submission.</a:t>
-            </a:r>
-            <a:endParaRPr b="0" lang="en-US" sz="1100" spc="-1" strike="noStrike">
-              <a:latin typeface="Arial"/>
-            </a:endParaRPr>
-          </a:p>
-          <a:p>
-            <a:pPr marL="216000" indent="-216000">
-              <a:lnSpc>
-                <a:spcPct val="100000"/>
-              </a:lnSpc>
-            </a:pPr>
-            <a:r>
-              <a:rPr b="0" lang="en-US" sz="1100" spc="-1" strike="noStrike">
-                <a:latin typeface="Arial"/>
-              </a:rPr>
-              <a:t>-- </a:t>
+              <a:t>-- Here the journal editor (David Levine) serves as the registry (of sorts), he can vouch for the original article submission.</a:t>
             </a:r>
             <a:endParaRPr b="0" lang="en-US" sz="1100" spc="-1" strike="noStrike">
               <a:latin typeface="Arial"/>
@@ -3272,7 +3247,7 @@
       </p:grpSpPr>
       <p:sp>
         <p:nvSpPr>
-          <p:cNvPr id="276" name="TextShape 1"/>
+          <p:cNvPr id="273" name="TextShape 1"/>
           <p:cNvSpPr txBox="1"/>
           <p:nvPr/>
         </p:nvSpPr>
@@ -3299,7 +3274,7 @@
                 <a:spcPct val="100000"/>
               </a:lnSpc>
             </a:pPr>
-            <a:fld id="{8605B7E9-49EF-410B-8853-D1F6F2864DC2}" type="slidenum">
+            <a:fld id="{DE6FB6BC-7924-43C9-BF7D-37EB390EAA97}" type="slidenum">
               <a:rPr b="0" lang="en-US" sz="1200" spc="-1" strike="noStrike">
                 <a:solidFill>
                   <a:srgbClr val="000000"/>
@@ -3317,7 +3292,7 @@
       </p:sp>
       <p:sp>
         <p:nvSpPr>
-          <p:cNvPr id="277" name="PlaceHolder 2"/>
+          <p:cNvPr id="274" name="PlaceHolder 2"/>
           <p:cNvSpPr>
             <a:spLocks noGrp="1"/>
           </p:cNvSpPr>
@@ -3337,7 +3312,7 @@
       </p:sp>
       <p:sp>
         <p:nvSpPr>
-          <p:cNvPr id="278" name="PlaceHolder 3"/>
+          <p:cNvPr id="275" name="PlaceHolder 3"/>
           <p:cNvSpPr>
             <a:spLocks noGrp="1"/>
           </p:cNvSpPr>
@@ -3384,8 +3359,50 @@
               <a:rPr b="0" lang="en-US" sz="1100" spc="-1" strike="noStrike">
                 <a:latin typeface="Arial"/>
               </a:rPr>
-              <a:t>-- Here the journal editor (David Levine) serves as the registry (of sorts), he can vouch for the original article submission.</a:t>
-            </a:r>
+              <a:t>-- Here the journal editor serves as the registry (of sorts), he can vouch for the original article submission.</a:t>
+            </a:r>
+            <a:endParaRPr b="0" lang="en-US" sz="1100" spc="-1" strike="noStrike">
+              <a:latin typeface="Arial"/>
+            </a:endParaRPr>
+          </a:p>
+          <a:p>
+            <a:pPr marL="216000" indent="-216000">
+              <a:lnSpc>
+                <a:spcPct val="100000"/>
+              </a:lnSpc>
+            </a:pPr>
+            <a:r>
+              <a:rPr b="0" lang="en-US" sz="1100" spc="-1" strike="noStrike">
+                <a:latin typeface="Arial"/>
+              </a:rPr>
+              <a:t>-- This was all carried out 20 years ago in Economics. Why hasn’t it been done since? The logistics do not seem unsurmountable.</a:t>
+            </a:r>
+            <a:endParaRPr b="0" lang="en-US" sz="1100" spc="-1" strike="noStrike">
+              <a:latin typeface="Arial"/>
+            </a:endParaRPr>
+          </a:p>
+          <a:p>
+            <a:pPr marL="216000" indent="-216000">
+              <a:lnSpc>
+                <a:spcPct val="100000"/>
+              </a:lnSpc>
+            </a:pPr>
+            <a:r>
+              <a:rPr b="0" lang="en-US" sz="1100" spc="-1" strike="noStrike">
+                <a:latin typeface="Arial"/>
+              </a:rPr>
+              <a:t>-- </a:t>
+            </a:r>
+            <a:endParaRPr b="0" lang="en-US" sz="1100" spc="-1" strike="noStrike">
+              <a:latin typeface="Arial"/>
+            </a:endParaRPr>
+          </a:p>
+          <a:p>
+            <a:pPr marL="216000" indent="-216000">
+              <a:lnSpc>
+                <a:spcPct val="100000"/>
+              </a:lnSpc>
+            </a:pPr>
             <a:endParaRPr b="0" lang="en-US" sz="1100" spc="-1" strike="noStrike">
               <a:latin typeface="Arial"/>
             </a:endParaRPr>
@@ -3426,7 +3443,7 @@
       </p:grpSpPr>
       <p:sp>
         <p:nvSpPr>
-          <p:cNvPr id="279" name="TextShape 1"/>
+          <p:cNvPr id="276" name="TextShape 1"/>
           <p:cNvSpPr txBox="1"/>
           <p:nvPr/>
         </p:nvSpPr>
@@ -3453,7 +3470,7 @@
                 <a:spcPct val="100000"/>
               </a:lnSpc>
             </a:pPr>
-            <a:fld id="{A63D5341-6FD1-4633-8608-A6335BBFF372}" type="slidenum">
+            <a:fld id="{99DEE317-CA80-4328-89A5-E50CB749FF5A}" type="slidenum">
               <a:rPr b="0" lang="en-US" sz="1200" spc="-1" strike="noStrike">
                 <a:solidFill>
                   <a:srgbClr val="000000"/>
@@ -3471,7 +3488,7 @@
       </p:sp>
       <p:sp>
         <p:nvSpPr>
-          <p:cNvPr id="280" name="PlaceHolder 2"/>
+          <p:cNvPr id="277" name="PlaceHolder 2"/>
           <p:cNvSpPr>
             <a:spLocks noGrp="1"/>
           </p:cNvSpPr>
@@ -3491,7 +3508,7 @@
       </p:sp>
       <p:sp>
         <p:nvSpPr>
-          <p:cNvPr id="281" name="PlaceHolder 3"/>
+          <p:cNvPr id="278" name="PlaceHolder 3"/>
           <p:cNvSpPr>
             <a:spLocks noGrp="1"/>
           </p:cNvSpPr>
@@ -3523,54 +3540,6 @@
                 <a:latin typeface="Arial"/>
               </a:rPr>
               <a:t>**</a:t>
-            </a:r>
-            <a:endParaRPr b="0" lang="en-US" sz="1100" spc="-1" strike="noStrike">
-              <a:latin typeface="Arial"/>
-            </a:endParaRPr>
-          </a:p>
-          <a:p>
-            <a:pPr marL="216000" indent="-216000">
-              <a:lnSpc>
-                <a:spcPct val="100000"/>
-              </a:lnSpc>
-            </a:pPr>
-            <a:r>
-              <a:rPr b="0" lang="en-US" sz="1100" spc="-1" strike="noStrike">
-                <a:latin typeface="Arial"/>
-              </a:rPr>
-              <a:t>-- Here the journal editor serves as the registry (of sorts), he can vouch for the original article submission.</a:t>
-            </a:r>
-            <a:endParaRPr b="0" lang="en-US" sz="1100" spc="-1" strike="noStrike">
-              <a:latin typeface="Arial"/>
-            </a:endParaRPr>
-          </a:p>
-          <a:p>
-            <a:pPr marL="216000" indent="-216000">
-              <a:lnSpc>
-                <a:spcPct val="100000"/>
-              </a:lnSpc>
-            </a:pPr>
-            <a:r>
-              <a:rPr b="0" lang="en-US" sz="1100" spc="-1" strike="noStrike">
-                <a:latin typeface="Arial"/>
-              </a:rPr>
-              <a:t>-- This was all carried out 20 years ago in Economics. Why hasn’t it been done since? The logistics do not seem unsurmountable.</a:t>
-            </a:r>
-            <a:endParaRPr b="0" lang="en-US" sz="1100" spc="-1" strike="noStrike">
-              <a:latin typeface="Arial"/>
-            </a:endParaRPr>
-          </a:p>
-          <a:p>
-            <a:pPr marL="216000" indent="-216000">
-              <a:lnSpc>
-                <a:spcPct val="100000"/>
-              </a:lnSpc>
-            </a:pPr>
-            <a:r>
-              <a:rPr b="0" lang="en-US" sz="1100" spc="-1" strike="noStrike">
-                <a:latin typeface="Arial"/>
-              </a:rPr>
-              <a:t>-- </a:t>
             </a:r>
             <a:endParaRPr b="0" lang="en-US" sz="1100" spc="-1" strike="noStrike">
               <a:latin typeface="Arial"/>
@@ -3622,7 +3591,7 @@
       </p:grpSpPr>
       <p:sp>
         <p:nvSpPr>
-          <p:cNvPr id="204" name="TextShape 1"/>
+          <p:cNvPr id="201" name="TextShape 1"/>
           <p:cNvSpPr txBox="1"/>
           <p:nvPr/>
         </p:nvSpPr>
@@ -3649,7 +3618,7 @@
                 <a:spcPct val="100000"/>
               </a:lnSpc>
             </a:pPr>
-            <a:fld id="{A8480700-305C-41DC-892A-C7629A13C2A7}" type="slidenum">
+            <a:fld id="{F00F40FC-74AE-4EA8-ADE1-9CF1CDF8B9B0}" type="slidenum">
               <a:rPr b="0" lang="en-US" sz="1200" spc="-1" strike="noStrike">
                 <a:solidFill>
                   <a:srgbClr val="000000"/>
@@ -3657,7 +3626,7 @@
                 <a:latin typeface="Arial"/>
                 <a:ea typeface="Helvetica Light"/>
               </a:rPr>
-              <a:t>37</a:t>
+              <a:t>36</a:t>
             </a:fld>
             <a:endParaRPr b="0" lang="en-US" sz="1200" spc="-1" strike="noStrike">
               <a:latin typeface="Times New Roman"/>
@@ -3667,7 +3636,7 @@
       </p:sp>
       <p:sp>
         <p:nvSpPr>
-          <p:cNvPr id="205" name="PlaceHolder 2"/>
+          <p:cNvPr id="202" name="PlaceHolder 2"/>
           <p:cNvSpPr>
             <a:spLocks noGrp="1"/>
           </p:cNvSpPr>
@@ -3687,7 +3656,7 @@
       </p:sp>
       <p:sp>
         <p:nvSpPr>
-          <p:cNvPr id="206" name="PlaceHolder 3"/>
+          <p:cNvPr id="203" name="PlaceHolder 3"/>
           <p:cNvSpPr>
             <a:spLocks noGrp="1"/>
           </p:cNvSpPr>
@@ -3718,190 +3687,24 @@
               <a:rPr b="0" lang="en-US" sz="1100" spc="-1" strike="noStrike">
                 <a:latin typeface="Arial"/>
               </a:rPr>
-              <a:t>*</a:t>
-            </a:r>
+              <a:t>**</a:t>
+            </a:r>
+            <a:endParaRPr b="0" lang="en-US" sz="1100" spc="-1" strike="noStrike">
+              <a:latin typeface="Arial"/>
+            </a:endParaRPr>
+          </a:p>
+          <a:p>
+            <a:pPr marL="216000" indent="-216000">
+              <a:lnSpc>
+                <a:spcPct val="100000"/>
+              </a:lnSpc>
+            </a:pPr>
             <a:r>
               <a:rPr b="0" lang="en-US" sz="1100" spc="-1" strike="noStrike">
                 <a:latin typeface="Arial"/>
               </a:rPr>
-              <a:t>*</a:t>
-            </a:r>
-            <a:endParaRPr b="0" lang="en-US" sz="1100" spc="-1" strike="noStrike">
-              <a:latin typeface="Arial"/>
-            </a:endParaRPr>
-          </a:p>
-          <a:p>
-            <a:pPr marL="216000" indent="-216000">
-              <a:lnSpc>
-                <a:spcPct val="100000"/>
-              </a:lnSpc>
-            </a:pPr>
-            <a:r>
-              <a:rPr b="0" lang="en-US" sz="1100" spc="-1" strike="noStrike">
-                <a:latin typeface="Arial"/>
-              </a:rPr>
-              <a:t>-</a:t>
-            </a:r>
-            <a:r>
-              <a:rPr b="0" lang="en-US" sz="1100" spc="-1" strike="noStrike">
-                <a:latin typeface="Arial"/>
-              </a:rPr>
-              <a:t>-</a:t>
-            </a:r>
-            <a:r>
-              <a:rPr b="0" lang="en-US" sz="1100" spc="-1" strike="noStrike">
-                <a:latin typeface="Arial"/>
-              </a:rPr>
-              <a:t> </a:t>
-            </a:r>
-            <a:endParaRPr b="0" lang="en-US" sz="1100" spc="-1" strike="noStrike">
-              <a:latin typeface="Arial"/>
-            </a:endParaRPr>
-          </a:p>
-        </p:txBody>
-      </p:sp>
-    </p:spTree>
-  </p:cSld>
-</p:notes>
-</file>
-
-<file path=ppt/notesSlides/notesSlide30.xml><?xml version="1.0" encoding="utf-8"?>
-<p:notes xmlns:a="http://schemas.openxmlformats.org/drawingml/2006/main" xmlns:p="http://schemas.openxmlformats.org/presentationml/2006/main" xmlns:r="http://schemas.openxmlformats.org/officeDocument/2006/relationships" xmlns:p14="http://schemas.microsoft.com/office/powerpoint/2010/main" xmlns:p15="http://schemas.microsoft.com/office/powerpoint/2012/main" xmlns:mc="http://schemas.openxmlformats.org/markup-compatibility/2006">
-  <p:cSld>
-    <p:spTree>
-      <p:nvGrpSpPr>
-        <p:cNvPr id="1" name=""/>
-        <p:cNvGrpSpPr/>
-        <p:nvPr/>
-      </p:nvGrpSpPr>
-      <p:grpSpPr>
-        <a:xfrm>
-          <a:off x="0" y="0"/>
-          <a:ext cx="0" cy="0"/>
-          <a:chOff x="0" y="0"/>
-          <a:chExt cx="0" cy="0"/>
-        </a:xfrm>
-      </p:grpSpPr>
-      <p:sp>
-        <p:nvSpPr>
-          <p:cNvPr id="282" name="TextShape 1"/>
-          <p:cNvSpPr txBox="1"/>
-          <p:nvPr/>
-        </p:nvSpPr>
-        <p:spPr>
-          <a:xfrm>
-            <a:off x="4141800" y="9118440"/>
-            <a:ext cx="3171600" cy="480600"/>
-          </a:xfrm>
-          <a:prstGeom prst="rect">
-            <a:avLst/>
-          </a:prstGeom>
-          <a:noFill/>
-          <a:ln>
-            <a:noFill/>
-          </a:ln>
-        </p:spPr>
-        <p:txBody>
-          <a:bodyPr lIns="90000" rIns="90000" tIns="45000" bIns="45000">
-            <a:noAutofit/>
-          </a:bodyPr>
-          <a:p>
-            <a:pPr algn="ctr">
-              <a:lnSpc>
-                <a:spcPct val="100000"/>
-              </a:lnSpc>
-            </a:pPr>
-            <a:fld id="{4F9CAC06-1625-4AF8-97F1-7092BF3B17E4}" type="slidenum">
-              <a:rPr b="0" lang="en-US" sz="1200" spc="-1" strike="noStrike">
-                <a:solidFill>
-                  <a:srgbClr val="000000"/>
-                </a:solidFill>
-                <a:latin typeface="Arial"/>
-                <a:ea typeface="Helvetica Light"/>
-              </a:rPr>
-              <a:t>&lt;number&gt;</a:t>
-            </a:fld>
-            <a:endParaRPr b="0" lang="en-US" sz="1200" spc="-1" strike="noStrike">
-              <a:latin typeface="Times New Roman"/>
-            </a:endParaRPr>
-          </a:p>
-        </p:txBody>
-      </p:sp>
-      <p:sp>
-        <p:nvSpPr>
-          <p:cNvPr id="283" name="PlaceHolder 2"/>
-          <p:cNvSpPr>
-            <a:spLocks noGrp="1"/>
-          </p:cNvSpPr>
-          <p:nvPr>
-            <p:ph type="sldImg"/>
-          </p:nvPr>
-        </p:nvSpPr>
-        <p:spPr>
-          <a:xfrm>
-            <a:off x="1197000" y="701640"/>
-            <a:ext cx="4682880" cy="3511080"/>
-          </a:xfrm>
-          <a:prstGeom prst="rect">
-            <a:avLst/>
-          </a:prstGeom>
-        </p:spPr>
-      </p:sp>
-      <p:sp>
-        <p:nvSpPr>
-          <p:cNvPr id="284" name="PlaceHolder 3"/>
-          <p:cNvSpPr>
-            <a:spLocks noGrp="1"/>
-          </p:cNvSpPr>
-          <p:nvPr>
-            <p:ph type="body"/>
-          </p:nvPr>
-        </p:nvSpPr>
-        <p:spPr>
-          <a:xfrm>
-            <a:off x="943560" y="4447440"/>
-            <a:ext cx="5189400" cy="4213080"/>
-          </a:xfrm>
-          <a:prstGeom prst="rect">
-            <a:avLst/>
-          </a:prstGeom>
-        </p:spPr>
-        <p:txBody>
-          <a:bodyPr lIns="93960" rIns="93960" tIns="46800" bIns="46800">
-            <a:noAutofit/>
-          </a:bodyPr>
-          <a:p>
-            <a:pPr marL="216000" indent="-216000">
-              <a:lnSpc>
-                <a:spcPct val="100000"/>
-              </a:lnSpc>
-            </a:pPr>
-            <a:r>
-              <a:rPr b="0" lang="en-US" sz="1100" spc="-1" strike="noStrike">
-                <a:latin typeface="Arial"/>
-              </a:rPr>
-              <a:t>**</a:t>
-            </a:r>
-            <a:endParaRPr b="0" lang="en-US" sz="1100" spc="-1" strike="noStrike">
-              <a:latin typeface="Arial"/>
-            </a:endParaRPr>
-          </a:p>
-          <a:p>
-            <a:pPr marL="216000" indent="-216000">
-              <a:lnSpc>
-                <a:spcPct val="100000"/>
-              </a:lnSpc>
-            </a:pPr>
-            <a:endParaRPr b="0" lang="en-US" sz="1100" spc="-1" strike="noStrike">
-              <a:latin typeface="Arial"/>
-            </a:endParaRPr>
-          </a:p>
-          <a:p>
-            <a:pPr marL="216000" indent="-216000">
-              <a:lnSpc>
-                <a:spcPct val="100000"/>
-              </a:lnSpc>
-            </a:pPr>
+              <a:t>-- </a:t>
+            </a:r>
             <a:endParaRPr b="0" lang="en-US" sz="1100" spc="-1" strike="noStrike">
               <a:latin typeface="Arial"/>
             </a:endParaRPr>
@@ -3932,7 +3735,7 @@
       </p:grpSpPr>
       <p:sp>
         <p:nvSpPr>
-          <p:cNvPr id="207" name="TextShape 1"/>
+          <p:cNvPr id="204" name="TextShape 1"/>
           <p:cNvSpPr txBox="1"/>
           <p:nvPr/>
         </p:nvSpPr>
@@ -3959,7 +3762,7 @@
                 <a:spcPct val="100000"/>
               </a:lnSpc>
             </a:pPr>
-            <a:fld id="{E404A22E-75C1-46A2-A3A3-D7DA6549A8CC}" type="slidenum">
+            <a:fld id="{67E425CC-9901-4F23-9E51-906E4206B806}" type="slidenum">
               <a:rPr b="0" lang="en-US" sz="1200" spc="-1" strike="noStrike">
                 <a:solidFill>
                   <a:srgbClr val="000000"/>
@@ -3967,7 +3770,7 @@
                 <a:latin typeface="Arial"/>
                 <a:ea typeface="Helvetica Light"/>
               </a:rPr>
-              <a:t>37</a:t>
+              <a:t>36</a:t>
             </a:fld>
             <a:endParaRPr b="0" lang="en-US" sz="1200" spc="-1" strike="noStrike">
               <a:latin typeface="Times New Roman"/>
@@ -3977,7 +3780,7 @@
       </p:sp>
       <p:sp>
         <p:nvSpPr>
-          <p:cNvPr id="208" name="PlaceHolder 2"/>
+          <p:cNvPr id="205" name="PlaceHolder 2"/>
           <p:cNvSpPr>
             <a:spLocks noGrp="1"/>
           </p:cNvSpPr>
@@ -3997,7 +3800,7 @@
       </p:sp>
       <p:sp>
         <p:nvSpPr>
-          <p:cNvPr id="209" name="PlaceHolder 3"/>
+          <p:cNvPr id="206" name="PlaceHolder 3"/>
           <p:cNvSpPr>
             <a:spLocks noGrp="1"/>
           </p:cNvSpPr>
@@ -4076,7 +3879,7 @@
       </p:grpSpPr>
       <p:sp>
         <p:nvSpPr>
-          <p:cNvPr id="210" name="TextShape 1"/>
+          <p:cNvPr id="207" name="TextShape 1"/>
           <p:cNvSpPr txBox="1"/>
           <p:nvPr/>
         </p:nvSpPr>
@@ -4103,7 +3906,7 @@
                 <a:spcPct val="100000"/>
               </a:lnSpc>
             </a:pPr>
-            <a:fld id="{5512B9DD-2FF8-4DB3-BD2B-B6B40B8A15B7}" type="slidenum">
+            <a:fld id="{61632054-2949-41CE-BDCB-C5312B603C8D}" type="slidenum">
               <a:rPr b="0" lang="en-US" sz="1200" spc="-1" strike="noStrike">
                 <a:solidFill>
                   <a:srgbClr val="000000"/>
@@ -4111,7 +3914,7 @@
                 <a:latin typeface="Arial"/>
                 <a:ea typeface="Helvetica Light"/>
               </a:rPr>
-              <a:t>37</a:t>
+              <a:t>36</a:t>
             </a:fld>
             <a:endParaRPr b="0" lang="en-US" sz="1200" spc="-1" strike="noStrike">
               <a:latin typeface="Times New Roman"/>
@@ -4121,7 +3924,7 @@
       </p:sp>
       <p:sp>
         <p:nvSpPr>
-          <p:cNvPr id="211" name="PlaceHolder 2"/>
+          <p:cNvPr id="208" name="PlaceHolder 2"/>
           <p:cNvSpPr>
             <a:spLocks noGrp="1"/>
           </p:cNvSpPr>
@@ -4141,7 +3944,7 @@
       </p:sp>
       <p:sp>
         <p:nvSpPr>
-          <p:cNvPr id="212" name="PlaceHolder 3"/>
+          <p:cNvPr id="209" name="PlaceHolder 3"/>
           <p:cNvSpPr>
             <a:spLocks noGrp="1"/>
           </p:cNvSpPr>
@@ -4220,7 +4023,7 @@
       </p:grpSpPr>
       <p:sp>
         <p:nvSpPr>
-          <p:cNvPr id="213" name="TextShape 1"/>
+          <p:cNvPr id="210" name="TextShape 1"/>
           <p:cNvSpPr txBox="1"/>
           <p:nvPr/>
         </p:nvSpPr>
@@ -4247,7 +4050,7 @@
                 <a:spcPct val="100000"/>
               </a:lnSpc>
             </a:pPr>
-            <a:fld id="{FAC2F7AA-A3CB-4E1D-8049-7BF05E135B80}" type="slidenum">
+            <a:fld id="{E96B3AA2-2B1F-41A8-AF07-D49DD6C755DB}" type="slidenum">
               <a:rPr b="0" lang="en-US" sz="1200" spc="-1" strike="noStrike">
                 <a:solidFill>
                   <a:srgbClr val="000000"/>
@@ -4255,7 +4058,7 @@
                 <a:latin typeface="Arial"/>
                 <a:ea typeface="Helvetica Light"/>
               </a:rPr>
-              <a:t>37</a:t>
+              <a:t>36</a:t>
             </a:fld>
             <a:endParaRPr b="0" lang="en-US" sz="1200" spc="-1" strike="noStrike">
               <a:latin typeface="Times New Roman"/>
@@ -4265,7 +4068,7 @@
       </p:sp>
       <p:sp>
         <p:nvSpPr>
-          <p:cNvPr id="214" name="PlaceHolder 2"/>
+          <p:cNvPr id="211" name="PlaceHolder 2"/>
           <p:cNvSpPr>
             <a:spLocks noGrp="1"/>
           </p:cNvSpPr>
@@ -4285,7 +4088,7 @@
       </p:sp>
       <p:sp>
         <p:nvSpPr>
-          <p:cNvPr id="215" name="PlaceHolder 3"/>
+          <p:cNvPr id="212" name="PlaceHolder 3"/>
           <p:cNvSpPr>
             <a:spLocks noGrp="1"/>
           </p:cNvSpPr>
@@ -4364,7 +4167,7 @@
       </p:grpSpPr>
       <p:sp>
         <p:nvSpPr>
-          <p:cNvPr id="216" name="TextShape 1"/>
+          <p:cNvPr id="213" name="TextShape 1"/>
           <p:cNvSpPr txBox="1"/>
           <p:nvPr/>
         </p:nvSpPr>
@@ -4391,7 +4194,7 @@
                 <a:spcPct val="100000"/>
               </a:lnSpc>
             </a:pPr>
-            <a:fld id="{20933571-03C2-4E45-BED0-DAAB10460DE5}" type="slidenum">
+            <a:fld id="{6B8376AA-BC69-4E32-A10A-2192D8430668}" type="slidenum">
               <a:rPr b="0" lang="en-US" sz="1200" spc="-1" strike="noStrike">
                 <a:solidFill>
                   <a:srgbClr val="000000"/>
@@ -4399,7 +4202,7 @@
                 <a:latin typeface="Arial"/>
                 <a:ea typeface="Helvetica Light"/>
               </a:rPr>
-              <a:t>37</a:t>
+              <a:t>36</a:t>
             </a:fld>
             <a:endParaRPr b="0" lang="en-US" sz="1200" spc="-1" strike="noStrike">
               <a:latin typeface="Times New Roman"/>
@@ -4409,7 +4212,7 @@
       </p:sp>
       <p:sp>
         <p:nvSpPr>
-          <p:cNvPr id="217" name="PlaceHolder 2"/>
+          <p:cNvPr id="214" name="PlaceHolder 2"/>
           <p:cNvSpPr>
             <a:spLocks noGrp="1"/>
           </p:cNvSpPr>
@@ -4429,7 +4232,7 @@
       </p:sp>
       <p:sp>
         <p:nvSpPr>
-          <p:cNvPr id="218" name="PlaceHolder 3"/>
+          <p:cNvPr id="215" name="PlaceHolder 3"/>
           <p:cNvSpPr>
             <a:spLocks noGrp="1"/>
           </p:cNvSpPr>
@@ -4508,7 +4311,7 @@
       </p:grpSpPr>
       <p:sp>
         <p:nvSpPr>
-          <p:cNvPr id="219" name="TextShape 1"/>
+          <p:cNvPr id="216" name="TextShape 1"/>
           <p:cNvSpPr txBox="1"/>
           <p:nvPr/>
         </p:nvSpPr>
@@ -4535,7 +4338,7 @@
                 <a:spcPct val="100000"/>
               </a:lnSpc>
             </a:pPr>
-            <a:fld id="{F57772B6-37ED-4709-B92C-9A4A243067F7}" type="slidenum">
+            <a:fld id="{0EC3A158-ED41-4784-8F2D-90ED8BB6BDF5}" type="slidenum">
               <a:rPr b="0" lang="en-US" sz="1200" spc="-1" strike="noStrike">
                 <a:solidFill>
                   <a:srgbClr val="000000"/>
@@ -4543,7 +4346,7 @@
                 <a:latin typeface="Arial"/>
                 <a:ea typeface="Helvetica Light"/>
               </a:rPr>
-              <a:t>37</a:t>
+              <a:t>36</a:t>
             </a:fld>
             <a:endParaRPr b="0" lang="en-US" sz="1200" spc="-1" strike="noStrike">
               <a:latin typeface="Times New Roman"/>
@@ -4553,7 +4356,7 @@
       </p:sp>
       <p:sp>
         <p:nvSpPr>
-          <p:cNvPr id="220" name="PlaceHolder 2"/>
+          <p:cNvPr id="217" name="PlaceHolder 2"/>
           <p:cNvSpPr>
             <a:spLocks noGrp="1"/>
           </p:cNvSpPr>
@@ -4573,7 +4376,7 @@
       </p:sp>
       <p:sp>
         <p:nvSpPr>
-          <p:cNvPr id="221" name="PlaceHolder 3"/>
+          <p:cNvPr id="218" name="PlaceHolder 3"/>
           <p:cNvSpPr>
             <a:spLocks noGrp="1"/>
           </p:cNvSpPr>
@@ -4652,7 +4455,7 @@
       </p:grpSpPr>
       <p:sp>
         <p:nvSpPr>
-          <p:cNvPr id="222" name="TextShape 1"/>
+          <p:cNvPr id="219" name="TextShape 1"/>
           <p:cNvSpPr txBox="1"/>
           <p:nvPr/>
         </p:nvSpPr>
@@ -4679,7 +4482,7 @@
                 <a:spcPct val="100000"/>
               </a:lnSpc>
             </a:pPr>
-            <a:fld id="{14DFFDDB-7E2E-4572-80AA-C9D17946FC9A}" type="slidenum">
+            <a:fld id="{0E69DDFB-D373-4785-A20A-7DEA8D68287A}" type="slidenum">
               <a:rPr b="0" lang="en-US" sz="1200" spc="-1" strike="noStrike">
                 <a:solidFill>
                   <a:srgbClr val="000000"/>
@@ -4687,7 +4490,7 @@
                 <a:latin typeface="Arial"/>
                 <a:ea typeface="Helvetica Light"/>
               </a:rPr>
-              <a:t>37</a:t>
+              <a:t>36</a:t>
             </a:fld>
             <a:endParaRPr b="0" lang="en-US" sz="1200" spc="-1" strike="noStrike">
               <a:latin typeface="Times New Roman"/>
@@ -4697,7 +4500,7 @@
       </p:sp>
       <p:sp>
         <p:nvSpPr>
-          <p:cNvPr id="223" name="PlaceHolder 2"/>
+          <p:cNvPr id="220" name="PlaceHolder 2"/>
           <p:cNvSpPr>
             <a:spLocks noGrp="1"/>
           </p:cNvSpPr>
@@ -4717,7 +4520,7 @@
       </p:sp>
       <p:sp>
         <p:nvSpPr>
-          <p:cNvPr id="224" name="PlaceHolder 3"/>
+          <p:cNvPr id="221" name="PlaceHolder 3"/>
           <p:cNvSpPr>
             <a:spLocks noGrp="1"/>
           </p:cNvSpPr>
@@ -7942,7 +7745,7 @@
                 <a:spcPct val="100000"/>
               </a:lnSpc>
             </a:pPr>
-            <a:fld id="{9085E988-09B8-4D36-A5D4-11E9FCF3F5F1}" type="slidenum">
+            <a:fld id="{3F08836B-1727-4F7E-AD6C-9BE1B4E61135}" type="slidenum">
               <a:rPr b="0" lang="en-US" sz="1800" spc="-1" strike="noStrike">
                 <a:solidFill>
                   <a:srgbClr val="000000"/>
@@ -8534,7 +8337,7 @@
                 <a:spcPct val="100000"/>
               </a:lnSpc>
             </a:pPr>
-            <a:fld id="{C331522B-CF91-4949-B92E-6E01C7EB7A81}" type="slidenum">
+            <a:fld id="{8B64BB02-2D1C-4BF3-BDEE-BB9B611E7191}" type="slidenum">
               <a:rPr b="0" lang="en-US" sz="1990" spc="-1" strike="noStrike">
                 <a:solidFill>
                   <a:srgbClr val="000000"/>
@@ -8822,7 +8625,7 @@
                 <a:spcPct val="100000"/>
               </a:lnSpc>
             </a:pPr>
-            <a:fld id="{A20E19C9-7D82-4C7C-BFCA-F122117570BC}" type="slidenum">
+            <a:fld id="{131896BF-5930-4E0A-9614-DF946CE32537}" type="slidenum">
               <a:rPr b="0" lang="en-US" sz="1800" spc="-1" strike="noStrike">
                 <a:solidFill>
                   <a:srgbClr val="000000"/>
@@ -8939,7 +8742,16 @@
                 </a:solidFill>
                 <a:latin typeface="Arial"/>
               </a:rPr>
-              <a:t>You can pre-register non-RCT studies! But this is even more controversial.</a:t>
+              <a:t>You can pre-register non-RCT studies! But this is even more </a:t>
+            </a:r>
+            <a:r>
+              <a:rPr b="0" lang="en-US" sz="3200" spc="-1" strike="noStrike">
+                <a:solidFill>
+                  <a:srgbClr val="000000"/>
+                </a:solidFill>
+                <a:latin typeface="Arial"/>
+              </a:rPr>
+              <a:t>controversial.</a:t>
             </a:r>
             <a:endParaRPr b="0" lang="en-US" sz="3200" spc="-1" strike="noStrike">
               <a:solidFill>
@@ -8985,7 +8797,16 @@
                 </a:solidFill>
                 <a:latin typeface="Arial"/>
               </a:rPr>
-              <a:t>You can even pre-register studies for which other people have already collected the data. </a:t>
+              <a:t>You can even pre-register studies for which other people </a:t>
+            </a:r>
+            <a:r>
+              <a:rPr b="0" lang="en-US" sz="3200" spc="-1" strike="noStrike">
+                <a:solidFill>
+                  <a:srgbClr val="000000"/>
+                </a:solidFill>
+                <a:latin typeface="Arial"/>
+              </a:rPr>
+              <a:t>have already collected the data. </a:t>
             </a:r>
             <a:endParaRPr b="0" lang="en-US" sz="3200" spc="-1" strike="noStrike">
               <a:solidFill>
@@ -9047,7 +8868,43 @@
                 </a:solidFill>
                 <a:latin typeface="Arial"/>
               </a:rPr>
-              <a:t>These are unconventional but they will stop you from (1) Searching over outcomes for “interesting” results. (2) Searching over models for “interesting” results. (3) *Silently* re-orienting your study once your results fail to confirm your hypothesis but a new cool unexpected finding pops up. </a:t>
+              <a:t>These are unconventional but they will stop you from (1) </a:t>
+            </a:r>
+            <a:r>
+              <a:rPr b="0" lang="en-US" sz="3200" spc="-1" strike="noStrike">
+                <a:solidFill>
+                  <a:srgbClr val="000000"/>
+                </a:solidFill>
+                <a:latin typeface="Arial"/>
+              </a:rPr>
+              <a:t>Searching over outcomes for “interesting” results. (2) </a:t>
+            </a:r>
+            <a:r>
+              <a:rPr b="0" lang="en-US" sz="3200" spc="-1" strike="noStrike">
+                <a:solidFill>
+                  <a:srgbClr val="000000"/>
+                </a:solidFill>
+                <a:latin typeface="Arial"/>
+              </a:rPr>
+              <a:t>Searching over models for “interesting” results. (3) *Silently* </a:t>
+            </a:r>
+            <a:r>
+              <a:rPr b="0" lang="en-US" sz="3200" spc="-1" strike="noStrike">
+                <a:solidFill>
+                  <a:srgbClr val="000000"/>
+                </a:solidFill>
+                <a:latin typeface="Arial"/>
+              </a:rPr>
+              <a:t>re-orienting your study once your results fail to confirm your </a:t>
+            </a:r>
+            <a:r>
+              <a:rPr b="0" lang="en-US" sz="3200" spc="-1" strike="noStrike">
+                <a:solidFill>
+                  <a:srgbClr val="000000"/>
+                </a:solidFill>
+                <a:latin typeface="Arial"/>
+              </a:rPr>
+              <a:t>hypothesis but a new cool unexpected finding pops up. </a:t>
             </a:r>
             <a:endParaRPr b="0" lang="en-US" sz="3200" spc="-1" strike="noStrike">
               <a:solidFill>
@@ -9087,7 +8944,7 @@
                 <a:spcPct val="100000"/>
               </a:lnSpc>
             </a:pPr>
-            <a:fld id="{5EECF8C2-2554-4DB1-9400-2A24484406EA}" type="slidenum">
+            <a:fld id="{743FFBFC-3184-46C8-87A7-8AEFA71A5C3F}" type="slidenum">
               <a:rPr b="0" lang="en-US" sz="1990" spc="-1" strike="noStrike">
                 <a:solidFill>
                   <a:srgbClr val="000000"/>
@@ -9400,7 +9257,7 @@
                 <a:spcPct val="100000"/>
               </a:lnSpc>
             </a:pPr>
-            <a:fld id="{582B217B-D542-48E1-9005-77629015D32D}" type="slidenum">
+            <a:fld id="{24CA653D-9AE4-4979-A36E-73553239DA5C}" type="slidenum">
               <a:rPr b="0" lang="en-US" sz="1990" spc="-1" strike="noStrike">
                 <a:solidFill>
                   <a:srgbClr val="000000"/>
@@ -9556,7 +9413,16 @@
                 </a:solidFill>
                 <a:latin typeface="Arial"/>
               </a:rPr>
-              <a:t> by creating a “paper trail” of unpublished studies in an area</a:t>
+              <a:t> by creating a “paper </a:t>
+            </a:r>
+            <a:r>
+              <a:rPr b="0" lang="en-US" sz="3420" spc="-1" strike="noStrike">
+                <a:solidFill>
+                  <a:srgbClr val="000000"/>
+                </a:solidFill>
+                <a:latin typeface="Arial"/>
+              </a:rPr>
+              <a:t>trail” of unpublished studies in an area</a:t>
             </a:r>
             <a:endParaRPr b="0" lang="en-US" sz="3420" spc="-1" strike="noStrike">
               <a:solidFill>
@@ -9595,7 +9461,7 @@
                 </a:solidFill>
                 <a:latin typeface="Arial"/>
               </a:rPr>
-              <a:t> and other tendentious presentation of results (“cherry-picking”) </a:t>
+              <a:t> and other tendentious </a:t>
             </a:r>
             <a:r>
               <a:rPr b="0" lang="en-US" sz="3420" spc="-1" strike="noStrike">
@@ -9604,7 +9470,34 @@
                 </a:solidFill>
                 <a:latin typeface="Arial"/>
               </a:rPr>
-              <a:t>by making clear what the authors’ original intentions and research hypotheses actually were.</a:t>
+              <a:t>presentation of results (“cherry-picking”) </a:t>
+            </a:r>
+            <a:r>
+              <a:rPr b="0" lang="en-US" sz="3420" spc="-1" strike="noStrike">
+                <a:solidFill>
+                  <a:srgbClr val="000000"/>
+                </a:solidFill>
+                <a:latin typeface="Arial"/>
+              </a:rPr>
+              <a:t>by making clear </a:t>
+            </a:r>
+            <a:r>
+              <a:rPr b="0" lang="en-US" sz="3420" spc="-1" strike="noStrike">
+                <a:solidFill>
+                  <a:srgbClr val="000000"/>
+                </a:solidFill>
+                <a:latin typeface="Arial"/>
+              </a:rPr>
+              <a:t>what the authors’ original intentions and research </a:t>
+            </a:r>
+            <a:r>
+              <a:rPr b="0" lang="en-US" sz="3420" spc="-1" strike="noStrike">
+                <a:solidFill>
+                  <a:srgbClr val="000000"/>
+                </a:solidFill>
+                <a:latin typeface="Arial"/>
+              </a:rPr>
+              <a:t>hypotheses actually were.</a:t>
             </a:r>
             <a:endParaRPr b="0" lang="en-US" sz="3420" spc="-1" strike="noStrike">
               <a:solidFill>
@@ -9755,7 +9648,7 @@
                 <a:spcPct val="100000"/>
               </a:lnSpc>
             </a:pPr>
-            <a:fld id="{C10500A8-B18A-4FEA-9B88-4DFE8120ADEE}" type="slidenum">
+            <a:fld id="{A31E649C-8E70-40E9-B5D6-3C9108C522FB}" type="slidenum">
               <a:rPr b="0" lang="en-US" sz="1990" spc="-1" strike="noStrike">
                 <a:solidFill>
                   <a:srgbClr val="000000"/>
@@ -9911,16 +9804,7 @@
                 </a:solidFill>
                 <a:latin typeface="Arial"/>
               </a:rPr>
-              <a:t> by creating a “paper </a:t>
-            </a:r>
-            <a:r>
-              <a:rPr b="0" lang="en-US" sz="3420" spc="-1" strike="noStrike">
-                <a:solidFill>
-                  <a:srgbClr val="000000"/>
-                </a:solidFill>
-                <a:latin typeface="Arial"/>
-              </a:rPr>
-              <a:t>trail” of unpublished studies in an area</a:t>
+              <a:t> by creating a “paper trail” of unpublished studies in an area</a:t>
             </a:r>
             <a:endParaRPr b="0" lang="en-US" sz="3420" spc="-1" strike="noStrike">
               <a:solidFill>
@@ -9959,16 +9843,7 @@
                 </a:solidFill>
                 <a:latin typeface="Arial"/>
               </a:rPr>
-              <a:t> and other tendentious </a:t>
-            </a:r>
-            <a:r>
-              <a:rPr b="0" lang="en-US" sz="3420" spc="-1" strike="noStrike">
-                <a:solidFill>
-                  <a:srgbClr val="000000"/>
-                </a:solidFill>
-                <a:latin typeface="Arial"/>
-              </a:rPr>
-              <a:t>presentation of results (“cherry-picking”) </a:t>
+              <a:t> and other tendentious presentation of results (“cherry-picking”) </a:t>
             </a:r>
             <a:br/>
             <a:r>
@@ -10017,25 +9892,7 @@
                 </a:solidFill>
                 <a:latin typeface="Arial"/>
               </a:rPr>
-              <a:t>y making clear what additional tests were run beyond </a:t>
-            </a:r>
-            <a:r>
-              <a:rPr b="0" lang="en-US" sz="3420" spc="-1" strike="noStrike">
-                <a:solidFill>
-                  <a:srgbClr val="000000"/>
-                </a:solidFill>
-                <a:latin typeface="Arial"/>
-              </a:rPr>
-              <a:t>those originally planned, and thus making multiple testing </a:t>
-            </a:r>
-            <a:r>
-              <a:rPr b="0" lang="en-US" sz="3420" spc="-1" strike="noStrike">
-                <a:solidFill>
-                  <a:srgbClr val="000000"/>
-                </a:solidFill>
-                <a:latin typeface="Arial"/>
-              </a:rPr>
-              <a:t>adjustments more credible.</a:t>
+              <a:t>y making clear what additional tests were run beyond those originally planned, and thus making multiple testing adjustments more credible.</a:t>
             </a:r>
             <a:endParaRPr b="0" lang="en-US" sz="3420" spc="-1" strike="noStrike">
               <a:solidFill>
@@ -10202,7 +10059,7 @@
                 <a:spcPct val="100000"/>
               </a:lnSpc>
             </a:pPr>
-            <a:fld id="{4ED7C5C3-F368-4056-8A99-51A6EE7A9F14}" type="slidenum">
+            <a:fld id="{58BF3BA8-F28E-4C6D-9D3B-81233C50B205}" type="slidenum">
               <a:rPr b="0" lang="en-US" sz="1990" spc="-1" strike="noStrike">
                 <a:solidFill>
                   <a:srgbClr val="000000"/>
@@ -10603,7 +10460,7 @@
                 <a:spcPct val="100000"/>
               </a:lnSpc>
             </a:pPr>
-            <a:fld id="{019E5D80-DA32-4B48-966E-DEBD0F6B6235}" type="slidenum">
+            <a:fld id="{ED36E1B1-A14C-424A-A9DF-BA5CCDF1A811}" type="slidenum">
               <a:rPr b="0" lang="en-US" sz="1990" spc="-1" strike="noStrike">
                 <a:solidFill>
                   <a:srgbClr val="000000"/>
@@ -11052,7 +10909,7 @@
                 <a:spcPct val="100000"/>
               </a:lnSpc>
             </a:pPr>
-            <a:fld id="{70A76ACB-92EE-4C8F-BAD8-C3CCB1566651}" type="slidenum">
+            <a:fld id="{239C44A3-7DA7-4D99-AC46-AE4016F09EE6}" type="slidenum">
               <a:rPr b="0" lang="en-US" sz="1990" spc="-1" strike="noStrike">
                 <a:solidFill>
                   <a:srgbClr val="000000"/>
@@ -11559,7 +11416,7 @@
                 <a:spcPct val="100000"/>
               </a:lnSpc>
             </a:pPr>
-            <a:fld id="{A30273E3-E41B-415E-AAFC-5A8073857AB7}" type="slidenum">
+            <a:fld id="{2583908E-8A8B-4A28-9D44-BE0A25C88AA1}" type="slidenum">
               <a:rPr b="0" lang="en-US" sz="1990" spc="-1" strike="noStrike">
                 <a:solidFill>
                   <a:srgbClr val="000000"/>
@@ -11859,7 +11716,7 @@
                 <a:spcPct val="100000"/>
               </a:lnSpc>
             </a:pPr>
-            <a:fld id="{6BD3210D-422B-4E2C-B4A8-483CE6EB7D05}" type="slidenum">
+            <a:fld id="{18EA2639-DEF7-468D-B8F5-97E7419471D4}" type="slidenum">
               <a:rPr b="0" lang="en-US" sz="1990" spc="-1" strike="noStrike">
                 <a:solidFill>
                   <a:srgbClr val="000000"/>
@@ -12287,7 +12144,7 @@
                 <a:spcPct val="100000"/>
               </a:lnSpc>
             </a:pPr>
-            <a:fld id="{8C897D0C-0008-4202-9A01-D12EC6CBDFE1}" type="slidenum">
+            <a:fld id="{9009C22B-C1FA-46CB-A222-1E25789F9804}" type="slidenum">
               <a:rPr b="0" lang="en-US" sz="1990" spc="-1" strike="noStrike">
                 <a:solidFill>
                   <a:srgbClr val="000000"/>
@@ -12541,7 +12398,7 @@
                 <a:spcPct val="100000"/>
               </a:lnSpc>
             </a:pPr>
-            <a:fld id="{932E5D09-8B1F-4B95-A940-6AECA4089B92}" type="slidenum">
+            <a:fld id="{48D9E306-68C5-4D70-8B29-3C9F9855FE60}" type="slidenum">
               <a:rPr b="0" lang="en-US" sz="1990" spc="-1" strike="noStrike">
                 <a:solidFill>
                   <a:srgbClr val="000000"/>
@@ -12874,7 +12731,7 @@
                 <a:spcPct val="100000"/>
               </a:lnSpc>
             </a:pPr>
-            <a:fld id="{0F65B6A5-4A6A-439F-9C62-B14E78A7BFB7}" type="slidenum">
+            <a:fld id="{9908924F-3DFB-427A-AB36-B99AAE26D316}" type="slidenum">
               <a:rPr b="0" lang="en-US" sz="1990" spc="-1" strike="noStrike">
                 <a:solidFill>
                   <a:srgbClr val="000000"/>
@@ -13243,7 +13100,7 @@
                 <a:spcPct val="100000"/>
               </a:lnSpc>
             </a:pPr>
-            <a:fld id="{55262519-7062-4820-AB6B-40C43F464036}" type="slidenum">
+            <a:fld id="{C49BB363-D15A-47A0-A54B-6B6DC789FDA0}" type="slidenum">
               <a:rPr b="0" lang="en-US" sz="1990" spc="-1" strike="noStrike">
                 <a:solidFill>
                   <a:srgbClr val="000000"/>
@@ -13536,7 +13393,7 @@
                 <a:spcPct val="100000"/>
               </a:lnSpc>
             </a:pPr>
-            <a:fld id="{07545A7C-4EEE-4A32-93CB-A9EB6901D073}" type="slidenum">
+            <a:fld id="{AA04C193-1DAA-40E6-8652-ADBF82195259}" type="slidenum">
               <a:rPr b="0" lang="en-US" sz="1990" spc="-1" strike="noStrike">
                 <a:solidFill>
                   <a:srgbClr val="000000"/>
@@ -13916,7 +13773,7 @@
                 <a:spcPct val="100000"/>
               </a:lnSpc>
             </a:pPr>
-            <a:fld id="{7283F50A-9740-4A96-BB23-D6F68CD30DEA}" type="slidenum">
+            <a:fld id="{F72B7D73-324E-4C2C-B504-8BBC9BDE8964}" type="slidenum">
               <a:rPr b="0" lang="en-US" sz="1990" spc="-1" strike="noStrike">
                 <a:solidFill>
                   <a:srgbClr val="000000"/>
@@ -14269,7 +14126,7 @@
                 <a:spcPct val="100000"/>
               </a:lnSpc>
             </a:pPr>
-            <a:fld id="{D8826C86-36F2-4D50-8EEC-FEDF58AC535E}" type="slidenum">
+            <a:fld id="{5169933C-7FFF-4C44-B7C9-836780891DB7}" type="slidenum">
               <a:rPr b="0" lang="en-US" sz="1990" spc="-1" strike="noStrike">
                 <a:solidFill>
                   <a:srgbClr val="000000"/>
@@ -14380,13 +14237,22 @@
               <a:buChar char=""/>
             </a:pPr>
             <a:r>
+              <a:rPr b="0" lang="en-US" sz="3420" spc="-1" strike="noStrike">
+                <a:solidFill>
+                  <a:srgbClr val="000000"/>
+                </a:solidFill>
+                <a:latin typeface="Arial"/>
+              </a:rPr>
+              <a:t>This paper is a (largely forgotten) </a:t>
+            </a:r>
+            <a:r>
               <a:rPr b="1" lang="en-US" sz="3420" spc="-1" strike="noStrike">
                 <a:solidFill>
                   <a:srgbClr val="000000"/>
                 </a:solidFill>
                 <a:latin typeface="Arial"/>
               </a:rPr>
-              <a:t>Beyond applied micro empirical studies: </a:t>
+              <a:t>milestone in social science</a:t>
             </a:r>
             <a:r>
               <a:rPr b="0" lang="en-US" sz="3420" spc="-1" strike="noStrike">
@@ -14395,7 +14261,7 @@
                 </a:solidFill>
                 <a:latin typeface="Arial"/>
               </a:rPr>
-              <a:t>To reduce concerns about “specification search”, researchers could also pre-register:</a:t>
+              <a:t> research methodology</a:t>
             </a:r>
             <a:endParaRPr b="0" lang="en-US" sz="3420" spc="-1" strike="noStrike">
               <a:solidFill>
@@ -14405,7 +14271,23 @@
             </a:endParaRPr>
           </a:p>
           <a:p>
-            <a:pPr lvl="1" marL="1056600" indent="-406080">
+            <a:pPr>
+              <a:lnSpc>
+                <a:spcPct val="100000"/>
+              </a:lnSpc>
+              <a:spcBef>
+                <a:spcPts val="683"/>
+              </a:spcBef>
+            </a:pPr>
+            <a:endParaRPr b="0" lang="en-US" sz="3420" spc="-1" strike="noStrike">
+              <a:solidFill>
+                <a:srgbClr val="000000"/>
+              </a:solidFill>
+              <a:latin typeface="Arial"/>
+            </a:endParaRPr>
+          </a:p>
+          <a:p>
+            <a:pPr marL="487800" indent="-487440">
               <a:lnSpc>
                 <a:spcPct val="100000"/>
               </a:lnSpc>
@@ -14416,7 +14298,7 @@
                 <a:srgbClr val="000000"/>
               </a:buClr>
               <a:buFont typeface="Symbol" charset="2"/>
-              <a:buChar char=""/>
+              <a:buChar char=""/>
             </a:pPr>
             <a:r>
               <a:rPr b="0" lang="en-US" sz="3420" spc="-1" strike="noStrike">
@@ -14425,7 +14307,25 @@
                 </a:solidFill>
                 <a:latin typeface="Arial"/>
               </a:rPr>
-              <a:t>the parameters to be used in macroeconomic calibrations (“quantitative exercises”),</a:t>
+              <a:t>To my knowledge, </a:t>
+            </a:r>
+            <a:r>
+              <a:rPr b="1" lang="en-US" sz="3420" spc="-1" strike="noStrike">
+                <a:solidFill>
+                  <a:srgbClr val="000000"/>
+                </a:solidFill>
+                <a:latin typeface="Arial"/>
+              </a:rPr>
+              <a:t>first pre-analysis plan</a:t>
+            </a:r>
+            <a:r>
+              <a:rPr b="0" lang="en-US" sz="3420" spc="-1" strike="noStrike">
+                <a:solidFill>
+                  <a:srgbClr val="000000"/>
+                </a:solidFill>
+                <a:latin typeface="Arial"/>
+              </a:rPr>
+              <a:t> in Economics</a:t>
             </a:r>
             <a:endParaRPr b="0" lang="en-US" sz="3420" spc="-1" strike="noStrike">
               <a:solidFill>
@@ -14435,7 +14335,23 @@
             </a:endParaRPr>
           </a:p>
           <a:p>
-            <a:pPr lvl="1" marL="1056600" indent="-406080">
+            <a:pPr>
+              <a:lnSpc>
+                <a:spcPct val="100000"/>
+              </a:lnSpc>
+              <a:spcBef>
+                <a:spcPts val="683"/>
+              </a:spcBef>
+            </a:pPr>
+            <a:endParaRPr b="0" lang="en-US" sz="3420" spc="-1" strike="noStrike">
+              <a:solidFill>
+                <a:srgbClr val="000000"/>
+              </a:solidFill>
+              <a:latin typeface="Arial"/>
+            </a:endParaRPr>
+          </a:p>
+          <a:p>
+            <a:pPr marL="487800" indent="-487440">
               <a:lnSpc>
                 <a:spcPct val="100000"/>
               </a:lnSpc>
@@ -14446,7 +14362,7 @@
                 <a:srgbClr val="000000"/>
               </a:buClr>
               <a:buFont typeface="Symbol" charset="2"/>
-              <a:buChar char=""/>
+              <a:buChar char=""/>
             </a:pPr>
             <a:r>
               <a:rPr b="0" lang="en-US" sz="3420" spc="-1" strike="noStrike">
@@ -14455,7 +14371,7 @@
                 </a:solidFill>
                 <a:latin typeface="Arial"/>
               </a:rPr>
-              <a:t>the models used in structural estimation (i.e., in industrial organization), Bai et al (2015),</a:t>
+              <a:t>Study of the highly contentious (and politicized) issue of labor market impacts of minimum wage increases</a:t>
             </a:r>
             <a:endParaRPr b="0" lang="en-US" sz="3420" spc="-1" strike="noStrike">
               <a:solidFill>
@@ -14465,7 +14381,7 @@
             </a:endParaRPr>
           </a:p>
           <a:p>
-            <a:pPr lvl="1" marL="1056600" indent="-406080">
+            <a:pPr marL="487800" indent="-487440">
               <a:lnSpc>
                 <a:spcPct val="100000"/>
               </a:lnSpc>
@@ -14476,17 +14392,8 @@
                 <a:srgbClr val="000000"/>
               </a:buClr>
               <a:buFont typeface="Symbol" charset="2"/>
-              <a:buChar char=""/>
-            </a:pPr>
-            <a:r>
-              <a:rPr b="0" lang="en-US" sz="3420" spc="-1" strike="noStrike">
-                <a:solidFill>
-                  <a:srgbClr val="000000"/>
-                </a:solidFill>
-                <a:latin typeface="Arial"/>
-              </a:rPr>
-              <a:t>prior distributions used in Bayesian analysis (perhaps gathered through eliciting expert opinion).</a:t>
-            </a:r>
+              <a:buChar char=""/>
+            </a:pPr>
             <a:endParaRPr b="0" lang="en-US" sz="3420" spc="-1" strike="noStrike">
               <a:solidFill>
                 <a:srgbClr val="000000"/>
@@ -14564,25 +14471,7 @@
                 </a:solidFill>
                 <a:latin typeface="Arial"/>
               </a:rPr>
-              <a:t>(2) </a:t>
-            </a:r>
-            <a:r>
-              <a:rPr b="1" lang="en-US" sz="3980" spc="-1" strike="noStrike">
-                <a:solidFill>
-                  <a:srgbClr val="000000"/>
-                </a:solidFill>
-                <a:latin typeface="Arial"/>
-              </a:rPr>
-              <a:t>How widely</a:t>
-            </a:r>
-            <a:r>
-              <a:rPr b="0" lang="en-US" sz="3980" spc="-1" strike="noStrike">
-                <a:solidFill>
-                  <a:srgbClr val="000000"/>
-                </a:solidFill>
-                <a:latin typeface="Arial"/>
-              </a:rPr>
-              <a:t> can pre-specification be applied?</a:t>
+              <a:t>(3) Neumark (1999, 2001)</a:t>
             </a:r>
             <a:endParaRPr b="0" lang="en-US" sz="3980" spc="-1" strike="noStrike">
               <a:solidFill>
@@ -14622,7 +14511,7 @@
                 <a:spcPct val="100000"/>
               </a:lnSpc>
             </a:pPr>
-            <a:fld id="{FDC1082E-AE75-4D8E-B7CC-F34A6EC5A017}" type="slidenum">
+            <a:fld id="{BE188735-465E-4A7C-95AB-CD55B3BE1482}" type="slidenum">
               <a:rPr b="0" lang="en-US" sz="1990" spc="-1" strike="noStrike">
                 <a:solidFill>
                   <a:srgbClr val="000000"/>
@@ -14703,8 +14592,8 @@
         </p:nvSpPr>
         <p:spPr>
           <a:xfrm>
-            <a:off x="650160" y="1625760"/>
-            <a:ext cx="11703960" cy="7086960"/>
+            <a:off x="650160" y="390600"/>
+            <a:ext cx="11703960" cy="1017720"/>
           </a:xfrm>
           <a:prstGeom prst="rect">
             <a:avLst/>
@@ -14715,250 +14604,66 @@
           </a:ln>
         </p:spPr>
         <p:txBody>
-          <a:bodyPr>
+          <a:bodyPr anchor="ctr">
             <a:noAutofit/>
           </a:bodyPr>
           <a:p>
-            <a:pPr marL="487800" indent="-487440">
-              <a:lnSpc>
-                <a:spcPct val="100000"/>
-              </a:lnSpc>
-              <a:spcBef>
-                <a:spcPts val="683"/>
-              </a:spcBef>
-              <a:buClr>
-                <a:srgbClr val="000000"/>
-              </a:buClr>
-              <a:buFont typeface="Symbol" charset="2"/>
-              <a:buChar char=""/>
-            </a:pPr>
-            <a:r>
-              <a:rPr b="0" lang="en-US" sz="3420" spc="-1" strike="noStrike">
-                <a:solidFill>
-                  <a:srgbClr val="000000"/>
-                </a:solidFill>
-                <a:latin typeface="Arial"/>
-              </a:rPr>
-              <a:t>This paper is a (largely forgotten) </a:t>
-            </a:r>
-            <a:r>
-              <a:rPr b="1" lang="en-US" sz="3420" spc="-1" strike="noStrike">
-                <a:solidFill>
-                  <a:srgbClr val="000000"/>
-                </a:solidFill>
-                <a:latin typeface="Arial"/>
-              </a:rPr>
-              <a:t>milestone in social </a:t>
-            </a:r>
-            <a:r>
-              <a:rPr b="1" lang="en-US" sz="3420" spc="-1" strike="noStrike">
-                <a:solidFill>
-                  <a:srgbClr val="000000"/>
-                </a:solidFill>
-                <a:latin typeface="Arial"/>
-              </a:rPr>
-              <a:t>science</a:t>
-            </a:r>
-            <a:r>
-              <a:rPr b="0" lang="en-US" sz="3420" spc="-1" strike="noStrike">
-                <a:solidFill>
-                  <a:srgbClr val="000000"/>
-                </a:solidFill>
-                <a:latin typeface="Arial"/>
-              </a:rPr>
-              <a:t> research methodology</a:t>
-            </a:r>
-            <a:endParaRPr b="0" lang="en-US" sz="3420" spc="-1" strike="noStrike">
-              <a:solidFill>
-                <a:srgbClr val="000000"/>
-              </a:solidFill>
-              <a:latin typeface="Arial"/>
-            </a:endParaRPr>
-          </a:p>
-          <a:p>
-            <a:pPr>
-              <a:lnSpc>
-                <a:spcPct val="100000"/>
-              </a:lnSpc>
-              <a:spcBef>
-                <a:spcPts val="683"/>
-              </a:spcBef>
-            </a:pPr>
-            <a:endParaRPr b="0" lang="en-US" sz="3420" spc="-1" strike="noStrike">
-              <a:solidFill>
-                <a:srgbClr val="000000"/>
-              </a:solidFill>
-              <a:latin typeface="Arial"/>
-            </a:endParaRPr>
-          </a:p>
-          <a:p>
-            <a:pPr marL="487800" indent="-487440">
-              <a:lnSpc>
-                <a:spcPct val="100000"/>
-              </a:lnSpc>
-              <a:spcBef>
-                <a:spcPts val="683"/>
-              </a:spcBef>
-              <a:buClr>
-                <a:srgbClr val="000000"/>
-              </a:buClr>
-              <a:buFont typeface="Symbol" charset="2"/>
-              <a:buChar char=""/>
-            </a:pPr>
-            <a:r>
-              <a:rPr b="0" lang="en-US" sz="3420" spc="-1" strike="noStrike">
-                <a:solidFill>
-                  <a:srgbClr val="000000"/>
-                </a:solidFill>
-                <a:latin typeface="Arial"/>
-              </a:rPr>
-              <a:t>To my knowledge, </a:t>
-            </a:r>
-            <a:r>
-              <a:rPr b="1" lang="en-US" sz="3420" spc="-1" strike="noStrike">
-                <a:solidFill>
-                  <a:srgbClr val="000000"/>
-                </a:solidFill>
-                <a:latin typeface="Arial"/>
-              </a:rPr>
-              <a:t>first pre-analysis plan</a:t>
-            </a:r>
-            <a:r>
-              <a:rPr b="0" lang="en-US" sz="3420" spc="-1" strike="noStrike">
-                <a:solidFill>
-                  <a:srgbClr val="000000"/>
-                </a:solidFill>
-                <a:latin typeface="Arial"/>
-              </a:rPr>
-              <a:t> in Economics</a:t>
-            </a:r>
-            <a:endParaRPr b="0" lang="en-US" sz="3420" spc="-1" strike="noStrike">
-              <a:solidFill>
-                <a:srgbClr val="000000"/>
-              </a:solidFill>
-              <a:latin typeface="Arial"/>
-            </a:endParaRPr>
-          </a:p>
-          <a:p>
-            <a:pPr>
-              <a:lnSpc>
-                <a:spcPct val="100000"/>
-              </a:lnSpc>
-              <a:spcBef>
-                <a:spcPts val="683"/>
-              </a:spcBef>
-            </a:pPr>
-            <a:endParaRPr b="0" lang="en-US" sz="3420" spc="-1" strike="noStrike">
-              <a:solidFill>
-                <a:srgbClr val="000000"/>
-              </a:solidFill>
-              <a:latin typeface="Arial"/>
-            </a:endParaRPr>
-          </a:p>
-          <a:p>
-            <a:pPr marL="487800" indent="-487440">
-              <a:lnSpc>
-                <a:spcPct val="100000"/>
-              </a:lnSpc>
-              <a:spcBef>
-                <a:spcPts val="683"/>
-              </a:spcBef>
-              <a:buClr>
-                <a:srgbClr val="000000"/>
-              </a:buClr>
-              <a:buFont typeface="Symbol" charset="2"/>
-              <a:buChar char=""/>
-            </a:pPr>
-            <a:r>
-              <a:rPr b="0" lang="en-US" sz="3420" spc="-1" strike="noStrike">
-                <a:solidFill>
-                  <a:srgbClr val="000000"/>
-                </a:solidFill>
-                <a:latin typeface="Arial"/>
-              </a:rPr>
-              <a:t>Study of the highly contentious (and politicized) issue of </a:t>
-            </a:r>
-            <a:r>
-              <a:rPr b="0" lang="en-US" sz="3420" spc="-1" strike="noStrike">
-                <a:solidFill>
-                  <a:srgbClr val="000000"/>
-                </a:solidFill>
-                <a:latin typeface="Arial"/>
-              </a:rPr>
-              <a:t>labor market impacts of minimum wage increases</a:t>
-            </a:r>
-            <a:endParaRPr b="0" lang="en-US" sz="3420" spc="-1" strike="noStrike">
-              <a:solidFill>
-                <a:srgbClr val="000000"/>
-              </a:solidFill>
-              <a:latin typeface="Arial"/>
-            </a:endParaRPr>
-          </a:p>
-          <a:p>
-            <a:pPr marL="487800" indent="-487440">
-              <a:lnSpc>
-                <a:spcPct val="100000"/>
-              </a:lnSpc>
-              <a:spcBef>
-                <a:spcPts val="683"/>
-              </a:spcBef>
-              <a:buClr>
-                <a:srgbClr val="000000"/>
-              </a:buClr>
-              <a:buFont typeface="Symbol" charset="2"/>
-              <a:buChar char=""/>
-            </a:pPr>
-            <a:endParaRPr b="0" lang="en-US" sz="3420" spc="-1" strike="noStrike">
-              <a:solidFill>
-                <a:srgbClr val="000000"/>
-              </a:solidFill>
-              <a:latin typeface="Arial"/>
-            </a:endParaRPr>
-          </a:p>
-          <a:p>
-            <a:pPr>
-              <a:lnSpc>
-                <a:spcPct val="100000"/>
-              </a:lnSpc>
-              <a:spcBef>
-                <a:spcPts val="683"/>
-              </a:spcBef>
-            </a:pPr>
-            <a:endParaRPr b="0" lang="en-US" sz="3420" spc="-1" strike="noStrike">
-              <a:solidFill>
-                <a:srgbClr val="000000"/>
-              </a:solidFill>
-              <a:latin typeface="Arial"/>
-            </a:endParaRPr>
-          </a:p>
-          <a:p>
-            <a:pPr>
-              <a:lnSpc>
-                <a:spcPct val="100000"/>
-              </a:lnSpc>
-              <a:spcBef>
-                <a:spcPts val="683"/>
-              </a:spcBef>
-            </a:pPr>
-            <a:endParaRPr b="0" lang="en-US" sz="3420" spc="-1" strike="noStrike">
-              <a:solidFill>
-                <a:srgbClr val="000000"/>
-              </a:solidFill>
-              <a:latin typeface="Arial"/>
-            </a:endParaRPr>
-          </a:p>
-        </p:txBody>
-      </p:sp>
-      <p:sp>
-        <p:nvSpPr>
-          <p:cNvPr id="163" name="TextShape 2"/>
-          <p:cNvSpPr txBox="1"/>
+            <a:pPr algn="ctr">
+              <a:lnSpc>
+                <a:spcPct val="100000"/>
+              </a:lnSpc>
+            </a:pPr>
+            <a:r>
+              <a:rPr b="0" lang="en-US" sz="3980" spc="-1" strike="noStrike">
+                <a:solidFill>
+                  <a:srgbClr val="000000"/>
+                </a:solidFill>
+                <a:latin typeface="Arial"/>
+              </a:rPr>
+              <a:t>(3) Neumark (1999, 2001)</a:t>
+            </a:r>
+            <a:endParaRPr b="0" lang="en-US" sz="3980" spc="-1" strike="noStrike">
+              <a:solidFill>
+                <a:srgbClr val="000000"/>
+              </a:solidFill>
+              <a:latin typeface="Helvetica Light"/>
+            </a:endParaRPr>
+          </a:p>
+        </p:txBody>
+      </p:sp>
+      <p:pic>
+        <p:nvPicPr>
+          <p:cNvPr id="163" name="Picture 1" descr=""/>
+          <p:cNvPicPr/>
           <p:nvPr/>
-        </p:nvSpPr>
-        <p:spPr>
-          <a:xfrm>
-            <a:off x="650160" y="390600"/>
-            <a:ext cx="11703960" cy="1017720"/>
+        </p:nvPicPr>
+        <p:blipFill>
+          <a:blip r:embed="rId1"/>
+          <a:stretch/>
+        </p:blipFill>
+        <p:spPr>
+          <a:xfrm>
+            <a:off x="433440" y="1300320"/>
+            <a:ext cx="8994600" cy="7563240"/>
+          </a:xfrm>
+          <a:prstGeom prst="rect">
+            <a:avLst/>
+          </a:prstGeom>
+          <a:ln>
+            <a:noFill/>
+          </a:ln>
+        </p:spPr>
+      </p:pic>
+      <p:sp>
+        <p:nvSpPr>
+          <p:cNvPr id="164" name="CustomShape 2"/>
+          <p:cNvSpPr/>
+          <p:nvPr/>
+        </p:nvSpPr>
+        <p:spPr>
+          <a:xfrm>
+            <a:off x="9443520" y="2998440"/>
+            <a:ext cx="3581280" cy="4254840"/>
           </a:xfrm>
           <a:prstGeom prst="rect">
             <a:avLst/>
@@ -14968,37 +14673,173 @@
             <a:noFill/>
           </a:ln>
         </p:spPr>
-        <p:txBody>
-          <a:bodyPr anchor="ctr">
-            <a:noAutofit/>
-          </a:bodyPr>
-          <a:p>
-            <a:pPr algn="ctr">
-              <a:lnSpc>
-                <a:spcPct val="100000"/>
-              </a:lnSpc>
-            </a:pPr>
-            <a:r>
-              <a:rPr b="0" lang="en-US" sz="3980" spc="-1" strike="noStrike">
-                <a:solidFill>
-                  <a:srgbClr val="000000"/>
-                </a:solidFill>
-                <a:latin typeface="Arial"/>
-              </a:rPr>
-              <a:t>(3) Neumark (1999, 2001)</a:t>
-            </a:r>
-            <a:endParaRPr b="0" lang="en-US" sz="3980" spc="-1" strike="noStrike">
-              <a:solidFill>
-                <a:srgbClr val="000000"/>
-              </a:solidFill>
-              <a:latin typeface="Helvetica Light"/>
-            </a:endParaRPr>
-          </a:p>
-        </p:txBody>
-      </p:sp>
-      <p:sp>
-        <p:nvSpPr>
-          <p:cNvPr id="164" name="TextShape 3"/>
+        <p:style>
+          <a:lnRef idx="0"/>
+          <a:fillRef idx="0"/>
+          <a:effectRef idx="0"/>
+          <a:fontRef idx="minor"/>
+        </p:style>
+        <p:txBody>
+          <a:bodyPr wrap="none" lIns="90000" rIns="90000" tIns="45000" bIns="45000">
+            <a:spAutoFit/>
+          </a:bodyPr>
+          <a:p>
+            <a:pPr>
+              <a:lnSpc>
+                <a:spcPct val="100000"/>
+              </a:lnSpc>
+            </a:pPr>
+            <a:r>
+              <a:rPr b="0" lang="en-US" sz="3420" spc="-1" strike="noStrike">
+                <a:solidFill>
+                  <a:srgbClr val="000000"/>
+                </a:solidFill>
+                <a:latin typeface="Arial"/>
+              </a:rPr>
+              <a:t>Potentially</a:t>
+            </a:r>
+            <a:endParaRPr b="0" lang="en-US" sz="3420" spc="-1" strike="noStrike">
+              <a:latin typeface="Arial"/>
+            </a:endParaRPr>
+          </a:p>
+          <a:p>
+            <a:pPr>
+              <a:lnSpc>
+                <a:spcPct val="100000"/>
+              </a:lnSpc>
+            </a:pPr>
+            <a:r>
+              <a:rPr b="0" lang="en-US" sz="3420" spc="-1" strike="noStrike">
+                <a:solidFill>
+                  <a:srgbClr val="000000"/>
+                </a:solidFill>
+                <a:latin typeface="Arial"/>
+              </a:rPr>
+              <a:t>considerable</a:t>
+            </a:r>
+            <a:endParaRPr b="0" lang="en-US" sz="3420" spc="-1" strike="noStrike">
+              <a:latin typeface="Arial"/>
+            </a:endParaRPr>
+          </a:p>
+          <a:p>
+            <a:pPr>
+              <a:lnSpc>
+                <a:spcPct val="100000"/>
+              </a:lnSpc>
+            </a:pPr>
+            <a:r>
+              <a:rPr b="0" lang="en-US" sz="3420" spc="-1" strike="noStrike">
+                <a:solidFill>
+                  <a:srgbClr val="000000"/>
+                </a:solidFill>
+                <a:latin typeface="Arial"/>
+              </a:rPr>
+              <a:t>variation in</a:t>
+            </a:r>
+            <a:endParaRPr b="0" lang="en-US" sz="3420" spc="-1" strike="noStrike">
+              <a:latin typeface="Arial"/>
+            </a:endParaRPr>
+          </a:p>
+          <a:p>
+            <a:pPr>
+              <a:lnSpc>
+                <a:spcPct val="100000"/>
+              </a:lnSpc>
+            </a:pPr>
+            <a:r>
+              <a:rPr b="0" lang="en-US" sz="3420" spc="-1" strike="noStrike">
+                <a:solidFill>
+                  <a:srgbClr val="000000"/>
+                </a:solidFill>
+                <a:latin typeface="Arial"/>
+              </a:rPr>
+              <a:t>estimated effects,</a:t>
+            </a:r>
+            <a:endParaRPr b="0" lang="en-US" sz="3420" spc="-1" strike="noStrike">
+              <a:latin typeface="Arial"/>
+            </a:endParaRPr>
+          </a:p>
+          <a:p>
+            <a:pPr>
+              <a:lnSpc>
+                <a:spcPct val="100000"/>
+              </a:lnSpc>
+            </a:pPr>
+            <a:r>
+              <a:rPr b="0" lang="en-US" sz="3420" spc="-1" strike="noStrike">
+                <a:solidFill>
+                  <a:srgbClr val="000000"/>
+                </a:solidFill>
+                <a:latin typeface="Arial"/>
+              </a:rPr>
+              <a:t>so chosen</a:t>
+            </a:r>
+            <a:endParaRPr b="0" lang="en-US" sz="3420" spc="-1" strike="noStrike">
+              <a:latin typeface="Arial"/>
+            </a:endParaRPr>
+          </a:p>
+          <a:p>
+            <a:pPr>
+              <a:lnSpc>
+                <a:spcPct val="100000"/>
+              </a:lnSpc>
+            </a:pPr>
+            <a:r>
+              <a:rPr b="0" lang="en-US" sz="3420" spc="-1" strike="noStrike">
+                <a:solidFill>
+                  <a:srgbClr val="000000"/>
+                </a:solidFill>
+                <a:latin typeface="Arial"/>
+              </a:rPr>
+              <a:t>methodology</a:t>
+            </a:r>
+            <a:endParaRPr b="0" lang="en-US" sz="3420" spc="-1" strike="noStrike">
+              <a:latin typeface="Arial"/>
+            </a:endParaRPr>
+          </a:p>
+          <a:p>
+            <a:pPr>
+              <a:lnSpc>
+                <a:spcPct val="100000"/>
+              </a:lnSpc>
+            </a:pPr>
+            <a:r>
+              <a:rPr b="0" lang="en-US" sz="3420" spc="-1" strike="noStrike">
+                <a:solidFill>
+                  <a:srgbClr val="000000"/>
+                </a:solidFill>
+                <a:latin typeface="Arial"/>
+              </a:rPr>
+              <a:t>will potentially</a:t>
+            </a:r>
+            <a:endParaRPr b="0" lang="en-US" sz="3420" spc="-1" strike="noStrike">
+              <a:latin typeface="Arial"/>
+            </a:endParaRPr>
+          </a:p>
+          <a:p>
+            <a:pPr>
+              <a:lnSpc>
+                <a:spcPct val="100000"/>
+              </a:lnSpc>
+            </a:pPr>
+            <a:r>
+              <a:rPr b="0" lang="en-US" sz="3420" spc="-1" strike="noStrike">
+                <a:solidFill>
+                  <a:srgbClr val="000000"/>
+                </a:solidFill>
+                <a:latin typeface="Arial"/>
+              </a:rPr>
+              <a:t>matter!</a:t>
+            </a:r>
+            <a:endParaRPr b="0" lang="en-US" sz="3420" spc="-1" strike="noStrike">
+              <a:latin typeface="Arial"/>
+            </a:endParaRPr>
+          </a:p>
+        </p:txBody>
+      </p:sp>
+      <p:sp>
+        <p:nvSpPr>
+          <p:cNvPr id="165" name="TextShape 3"/>
           <p:cNvSpPr txBox="1"/>
           <p:nvPr/>
         </p:nvSpPr>
@@ -15025,7 +14866,7 @@
                 <a:spcPct val="100000"/>
               </a:lnSpc>
             </a:pPr>
-            <a:fld id="{A47692C3-3F87-47B3-8226-88304F0A8C7F}" type="slidenum">
+            <a:fld id="{846C9955-9B3E-497C-9FB0-FC663261B905}" type="slidenum">
               <a:rPr b="0" lang="en-US" sz="1990" spc="-1" strike="noStrike">
                 <a:solidFill>
                   <a:srgbClr val="000000"/>
@@ -15100,14 +14941,14 @@
       </p:grpSpPr>
       <p:sp>
         <p:nvSpPr>
-          <p:cNvPr id="165" name="TextShape 1"/>
+          <p:cNvPr id="166" name="TextShape 1"/>
           <p:cNvSpPr txBox="1"/>
           <p:nvPr/>
         </p:nvSpPr>
         <p:spPr>
           <a:xfrm>
-            <a:off x="650160" y="390600"/>
-            <a:ext cx="11703960" cy="1017720"/>
+            <a:off x="650160" y="1625760"/>
+            <a:ext cx="11703960" cy="7086960"/>
           </a:xfrm>
           <a:prstGeom prst="rect">
             <a:avLst/>
@@ -15118,66 +14959,167 @@
           </a:ln>
         </p:spPr>
         <p:txBody>
-          <a:bodyPr anchor="ctr">
+          <a:bodyPr>
             <a:noAutofit/>
           </a:bodyPr>
           <a:p>
-            <a:pPr algn="ctr">
-              <a:lnSpc>
-                <a:spcPct val="100000"/>
-              </a:lnSpc>
-            </a:pPr>
-            <a:r>
-              <a:rPr b="0" lang="en-US" sz="3980" spc="-1" strike="noStrike">
-                <a:solidFill>
-                  <a:srgbClr val="000000"/>
-                </a:solidFill>
-                <a:latin typeface="Arial"/>
-              </a:rPr>
-              <a:t>(3) Neumark (1999, 2001)</a:t>
-            </a:r>
-            <a:endParaRPr b="0" lang="en-US" sz="3980" spc="-1" strike="noStrike">
-              <a:solidFill>
-                <a:srgbClr val="000000"/>
-              </a:solidFill>
-              <a:latin typeface="Helvetica Light"/>
-            </a:endParaRPr>
-          </a:p>
-        </p:txBody>
-      </p:sp>
-      <p:pic>
-        <p:nvPicPr>
-          <p:cNvPr id="166" name="Picture 1" descr=""/>
-          <p:cNvPicPr/>
+            <a:pPr marL="487800" indent="-487440">
+              <a:lnSpc>
+                <a:spcPct val="100000"/>
+              </a:lnSpc>
+              <a:spcBef>
+                <a:spcPts val="683"/>
+              </a:spcBef>
+              <a:buClr>
+                <a:srgbClr val="000000"/>
+              </a:buClr>
+              <a:buFont typeface="Symbol" charset="2"/>
+              <a:buChar char=""/>
+            </a:pPr>
+            <a:r>
+              <a:rPr b="0" lang="en-US" sz="3420" spc="-1" strike="noStrike">
+                <a:solidFill>
+                  <a:srgbClr val="000000"/>
+                </a:solidFill>
+                <a:latin typeface="Arial"/>
+              </a:rPr>
+              <a:t>Solution (in the absence of a study registry): submitted a </a:t>
+            </a:r>
+            <a:r>
+              <a:rPr b="0" lang="en-US" sz="3420" spc="-1" strike="noStrike">
+                <a:solidFill>
+                  <a:srgbClr val="000000"/>
+                </a:solidFill>
+                <a:latin typeface="Arial"/>
+              </a:rPr>
+              <a:t>detailed analysis plan to a journal (</a:t>
+            </a:r>
+            <a:r>
+              <a:rPr b="0" i="1" lang="en-US" sz="3420" spc="-1" strike="noStrike">
+                <a:solidFill>
+                  <a:srgbClr val="000000"/>
+                </a:solidFill>
+                <a:latin typeface="Arial"/>
+              </a:rPr>
+              <a:t>Industrial Relations</a:t>
+            </a:r>
+            <a:r>
+              <a:rPr b="0" lang="en-US" sz="3420" spc="-1" strike="noStrike">
+                <a:solidFill>
+                  <a:srgbClr val="000000"/>
+                </a:solidFill>
+                <a:latin typeface="Arial"/>
+              </a:rPr>
+              <a:t>) </a:t>
+            </a:r>
+            <a:r>
+              <a:rPr b="0" lang="en-US" sz="3420" spc="-1" strike="noStrike">
+                <a:solidFill>
+                  <a:srgbClr val="000000"/>
+                </a:solidFill>
+                <a:latin typeface="Arial"/>
+              </a:rPr>
+              <a:t>before the release of the relevant U.S. government </a:t>
+            </a:r>
+            <a:r>
+              <a:rPr b="0" lang="en-US" sz="3420" spc="-1" strike="noStrike">
+                <a:solidFill>
+                  <a:srgbClr val="000000"/>
+                </a:solidFill>
+                <a:latin typeface="Arial"/>
+              </a:rPr>
+              <a:t>employment statistics (in May 1997)</a:t>
+            </a:r>
+            <a:endParaRPr b="0" lang="en-US" sz="3420" spc="-1" strike="noStrike">
+              <a:solidFill>
+                <a:srgbClr val="000000"/>
+              </a:solidFill>
+              <a:latin typeface="Arial"/>
+            </a:endParaRPr>
+          </a:p>
+          <a:p>
+            <a:pPr marL="487800" indent="-487440">
+              <a:lnSpc>
+                <a:spcPct val="100000"/>
+              </a:lnSpc>
+              <a:spcBef>
+                <a:spcPts val="683"/>
+              </a:spcBef>
+              <a:buClr>
+                <a:srgbClr val="000000"/>
+              </a:buClr>
+              <a:buFont typeface="Symbol" charset="2"/>
+              <a:buChar char=""/>
+            </a:pPr>
+            <a:r>
+              <a:rPr b="0" lang="en-US" sz="3420" spc="-1" strike="noStrike">
+                <a:solidFill>
+                  <a:srgbClr val="000000"/>
+                </a:solidFill>
+                <a:latin typeface="Arial"/>
+              </a:rPr>
+              <a:t>Received referee reports and revised the analysis plan </a:t>
+            </a:r>
+            <a:r>
+              <a:rPr b="1" lang="en-US" sz="3420" spc="-1" strike="noStrike">
+                <a:solidFill>
+                  <a:srgbClr val="000000"/>
+                </a:solidFill>
+                <a:latin typeface="Arial"/>
+              </a:rPr>
+              <a:t>before receiving the data</a:t>
+            </a:r>
+            <a:endParaRPr b="0" lang="en-US" sz="3420" spc="-1" strike="noStrike">
+              <a:solidFill>
+                <a:srgbClr val="000000"/>
+              </a:solidFill>
+              <a:latin typeface="Arial"/>
+            </a:endParaRPr>
+          </a:p>
+          <a:p>
+            <a:pPr>
+              <a:lnSpc>
+                <a:spcPct val="100000"/>
+              </a:lnSpc>
+              <a:spcBef>
+                <a:spcPts val="683"/>
+              </a:spcBef>
+            </a:pPr>
+            <a:endParaRPr b="0" lang="en-US" sz="3420" spc="-1" strike="noStrike">
+              <a:solidFill>
+                <a:srgbClr val="000000"/>
+              </a:solidFill>
+              <a:latin typeface="Arial"/>
+            </a:endParaRPr>
+          </a:p>
+          <a:p>
+            <a:pPr>
+              <a:lnSpc>
+                <a:spcPct val="100000"/>
+              </a:lnSpc>
+              <a:spcBef>
+                <a:spcPts val="683"/>
+              </a:spcBef>
+            </a:pPr>
+            <a:endParaRPr b="0" lang="en-US" sz="3420" spc="-1" strike="noStrike">
+              <a:solidFill>
+                <a:srgbClr val="000000"/>
+              </a:solidFill>
+              <a:latin typeface="Arial"/>
+            </a:endParaRPr>
+          </a:p>
+        </p:txBody>
+      </p:sp>
+      <p:sp>
+        <p:nvSpPr>
+          <p:cNvPr id="167" name="TextShape 2"/>
+          <p:cNvSpPr txBox="1"/>
           <p:nvPr/>
-        </p:nvPicPr>
-        <p:blipFill>
-          <a:blip r:embed="rId1"/>
-          <a:stretch/>
-        </p:blipFill>
-        <p:spPr>
-          <a:xfrm>
-            <a:off x="433440" y="1300320"/>
-            <a:ext cx="8994600" cy="7563240"/>
-          </a:xfrm>
-          <a:prstGeom prst="rect">
-            <a:avLst/>
-          </a:prstGeom>
-          <a:ln>
-            <a:noFill/>
-          </a:ln>
-        </p:spPr>
-      </p:pic>
-      <p:sp>
-        <p:nvSpPr>
-          <p:cNvPr id="167" name="CustomShape 2"/>
-          <p:cNvSpPr/>
-          <p:nvPr/>
-        </p:nvSpPr>
-        <p:spPr>
-          <a:xfrm>
-            <a:off x="9443520" y="2998440"/>
-            <a:ext cx="3581280" cy="4254840"/>
+        </p:nvSpPr>
+        <p:spPr>
+          <a:xfrm>
+            <a:off x="650160" y="390600"/>
+            <a:ext cx="11703960" cy="1017720"/>
           </a:xfrm>
           <a:prstGeom prst="rect">
             <a:avLst/>
@@ -15187,166 +15129,30 @@
             <a:noFill/>
           </a:ln>
         </p:spPr>
-        <p:style>
-          <a:lnRef idx="0"/>
-          <a:fillRef idx="0"/>
-          <a:effectRef idx="0"/>
-          <a:fontRef idx="minor"/>
-        </p:style>
-        <p:txBody>
-          <a:bodyPr wrap="none" lIns="90000" rIns="90000" tIns="45000" bIns="45000">
-            <a:spAutoFit/>
-          </a:bodyPr>
-          <a:p>
-            <a:pPr>
-              <a:lnSpc>
-                <a:spcPct val="100000"/>
-              </a:lnSpc>
-            </a:pPr>
-            <a:r>
-              <a:rPr b="0" lang="en-US" sz="3420" spc="-1" strike="noStrike">
-                <a:solidFill>
-                  <a:srgbClr val="000000"/>
-                </a:solidFill>
-                <a:latin typeface="Arial"/>
-              </a:rPr>
-              <a:t>Potentially</a:t>
-            </a:r>
-            <a:endParaRPr b="0" lang="en-US" sz="3420" spc="-1" strike="noStrike">
-              <a:latin typeface="Arial"/>
-            </a:endParaRPr>
-          </a:p>
-          <a:p>
-            <a:pPr>
-              <a:lnSpc>
-                <a:spcPct val="100000"/>
-              </a:lnSpc>
-            </a:pPr>
-            <a:r>
-              <a:rPr b="0" lang="en-US" sz="3420" spc="-1" strike="noStrike">
-                <a:solidFill>
-                  <a:srgbClr val="000000"/>
-                </a:solidFill>
-                <a:latin typeface="Arial"/>
-              </a:rPr>
-              <a:t>considerable</a:t>
-            </a:r>
-            <a:endParaRPr b="0" lang="en-US" sz="3420" spc="-1" strike="noStrike">
-              <a:latin typeface="Arial"/>
-            </a:endParaRPr>
-          </a:p>
-          <a:p>
-            <a:pPr>
-              <a:lnSpc>
-                <a:spcPct val="100000"/>
-              </a:lnSpc>
-            </a:pPr>
-            <a:r>
-              <a:rPr b="0" lang="en-US" sz="3420" spc="-1" strike="noStrike">
-                <a:solidFill>
-                  <a:srgbClr val="000000"/>
-                </a:solidFill>
-                <a:latin typeface="Arial"/>
-              </a:rPr>
-              <a:t>variation in</a:t>
-            </a:r>
-            <a:endParaRPr b="0" lang="en-US" sz="3420" spc="-1" strike="noStrike">
-              <a:latin typeface="Arial"/>
-            </a:endParaRPr>
-          </a:p>
-          <a:p>
-            <a:pPr>
-              <a:lnSpc>
-                <a:spcPct val="100000"/>
-              </a:lnSpc>
-            </a:pPr>
-            <a:r>
-              <a:rPr b="0" lang="en-US" sz="3420" spc="-1" strike="noStrike">
-                <a:solidFill>
-                  <a:srgbClr val="000000"/>
-                </a:solidFill>
-                <a:latin typeface="Arial"/>
-              </a:rPr>
-              <a:t>estimated effects,</a:t>
-            </a:r>
-            <a:endParaRPr b="0" lang="en-US" sz="3420" spc="-1" strike="noStrike">
-              <a:latin typeface="Arial"/>
-            </a:endParaRPr>
-          </a:p>
-          <a:p>
-            <a:pPr>
-              <a:lnSpc>
-                <a:spcPct val="100000"/>
-              </a:lnSpc>
-            </a:pPr>
-            <a:r>
-              <a:rPr b="0" lang="en-US" sz="3420" spc="-1" strike="noStrike">
-                <a:solidFill>
-                  <a:srgbClr val="000000"/>
-                </a:solidFill>
-                <a:latin typeface="Arial"/>
-              </a:rPr>
-              <a:t>so chosen</a:t>
-            </a:r>
-            <a:endParaRPr b="0" lang="en-US" sz="3420" spc="-1" strike="noStrike">
-              <a:latin typeface="Arial"/>
-            </a:endParaRPr>
-          </a:p>
-          <a:p>
-            <a:pPr>
-              <a:lnSpc>
-                <a:spcPct val="100000"/>
-              </a:lnSpc>
-            </a:pPr>
-            <a:r>
-              <a:rPr b="0" lang="en-US" sz="3420" spc="-1" strike="noStrike">
-                <a:solidFill>
-                  <a:srgbClr val="000000"/>
-                </a:solidFill>
-                <a:latin typeface="Arial"/>
-              </a:rPr>
-              <a:t>methodology</a:t>
-            </a:r>
-            <a:endParaRPr b="0" lang="en-US" sz="3420" spc="-1" strike="noStrike">
-              <a:latin typeface="Arial"/>
-            </a:endParaRPr>
-          </a:p>
-          <a:p>
-            <a:pPr>
-              <a:lnSpc>
-                <a:spcPct val="100000"/>
-              </a:lnSpc>
-            </a:pPr>
-            <a:r>
-              <a:rPr b="0" lang="en-US" sz="3420" spc="-1" strike="noStrike">
-                <a:solidFill>
-                  <a:srgbClr val="000000"/>
-                </a:solidFill>
-                <a:latin typeface="Arial"/>
-              </a:rPr>
-              <a:t>will potentially</a:t>
-            </a:r>
-            <a:endParaRPr b="0" lang="en-US" sz="3420" spc="-1" strike="noStrike">
-              <a:latin typeface="Arial"/>
-            </a:endParaRPr>
-          </a:p>
-          <a:p>
-            <a:pPr>
-              <a:lnSpc>
-                <a:spcPct val="100000"/>
-              </a:lnSpc>
-            </a:pPr>
-            <a:r>
-              <a:rPr b="0" lang="en-US" sz="3420" spc="-1" strike="noStrike">
-                <a:solidFill>
-                  <a:srgbClr val="000000"/>
-                </a:solidFill>
-                <a:latin typeface="Arial"/>
-              </a:rPr>
-              <a:t>matter!</a:t>
-            </a:r>
-            <a:endParaRPr b="0" lang="en-US" sz="3420" spc="-1" strike="noStrike">
-              <a:latin typeface="Arial"/>
+        <p:txBody>
+          <a:bodyPr anchor="ctr">
+            <a:noAutofit/>
+          </a:bodyPr>
+          <a:p>
+            <a:pPr algn="ctr">
+              <a:lnSpc>
+                <a:spcPct val="100000"/>
+              </a:lnSpc>
+            </a:pPr>
+            <a:r>
+              <a:rPr b="0" lang="en-US" sz="3980" spc="-1" strike="noStrike">
+                <a:solidFill>
+                  <a:srgbClr val="000000"/>
+                </a:solidFill>
+                <a:latin typeface="Arial"/>
+              </a:rPr>
+              <a:t>(3) Neumark (1999, 2001)</a:t>
+            </a:r>
+            <a:endParaRPr b="0" lang="en-US" sz="3980" spc="-1" strike="noStrike">
+              <a:solidFill>
+                <a:srgbClr val="000000"/>
+              </a:solidFill>
+              <a:latin typeface="Helvetica Light"/>
             </a:endParaRPr>
           </a:p>
         </p:txBody>
@@ -15380,7 +15186,7 @@
                 <a:spcPct val="100000"/>
               </a:lnSpc>
             </a:pPr>
-            <a:fld id="{6F6E9AC3-2E05-4493-9D9B-C97ACAE80AF2}" type="slidenum">
+            <a:fld id="{80BE98AF-878A-4ABE-9535-34EAE1827981}" type="slidenum">
               <a:rPr b="0" lang="en-US" sz="1990" spc="-1" strike="noStrike">
                 <a:solidFill>
                   <a:srgbClr val="000000"/>
@@ -15461,8 +15267,8 @@
         </p:nvSpPr>
         <p:spPr>
           <a:xfrm>
-            <a:off x="650160" y="1625760"/>
-            <a:ext cx="11703960" cy="7086960"/>
+            <a:off x="650160" y="390600"/>
+            <a:ext cx="11703960" cy="1017720"/>
           </a:xfrm>
           <a:prstGeom prst="rect">
             <a:avLst/>
@@ -15473,140 +15279,66 @@
           </a:ln>
         </p:spPr>
         <p:txBody>
-          <a:bodyPr>
+          <a:bodyPr anchor="ctr">
             <a:noAutofit/>
           </a:bodyPr>
           <a:p>
-            <a:pPr marL="487800" indent="-487440">
-              <a:lnSpc>
-                <a:spcPct val="100000"/>
-              </a:lnSpc>
-              <a:spcBef>
-                <a:spcPts val="683"/>
-              </a:spcBef>
-              <a:buClr>
-                <a:srgbClr val="000000"/>
-              </a:buClr>
-              <a:buFont typeface="Symbol" charset="2"/>
-              <a:buChar char=""/>
-            </a:pPr>
-            <a:r>
-              <a:rPr b="0" lang="en-US" sz="3420" spc="-1" strike="noStrike">
-                <a:solidFill>
-                  <a:srgbClr val="000000"/>
-                </a:solidFill>
-                <a:latin typeface="Arial"/>
-              </a:rPr>
-              <a:t>Solution (in the absence of a study registry): submitted a detailed analysis plan to a journal (</a:t>
-            </a:r>
-            <a:r>
-              <a:rPr b="0" i="1" lang="en-US" sz="3420" spc="-1" strike="noStrike">
-                <a:solidFill>
-                  <a:srgbClr val="000000"/>
-                </a:solidFill>
-                <a:latin typeface="Arial"/>
-              </a:rPr>
-              <a:t>Industrial Relations</a:t>
-            </a:r>
-            <a:r>
-              <a:rPr b="0" lang="en-US" sz="3420" spc="-1" strike="noStrike">
-                <a:solidFill>
-                  <a:srgbClr val="000000"/>
-                </a:solidFill>
-                <a:latin typeface="Arial"/>
-              </a:rPr>
-              <a:t>) before the release of the relevant U.S. government employment statistics (in May 1997)</a:t>
-            </a:r>
-            <a:endParaRPr b="0" lang="en-US" sz="3420" spc="-1" strike="noStrike">
-              <a:solidFill>
-                <a:srgbClr val="000000"/>
-              </a:solidFill>
-              <a:latin typeface="Arial"/>
-            </a:endParaRPr>
-          </a:p>
-          <a:p>
-            <a:pPr marL="487800" indent="-487440">
-              <a:lnSpc>
-                <a:spcPct val="100000"/>
-              </a:lnSpc>
-              <a:spcBef>
-                <a:spcPts val="683"/>
-              </a:spcBef>
-              <a:buClr>
-                <a:srgbClr val="000000"/>
-              </a:buClr>
-              <a:buFont typeface="Symbol" charset="2"/>
-              <a:buChar char=""/>
-            </a:pPr>
-            <a:r>
-              <a:rPr b="0" lang="en-US" sz="3420" spc="-1" strike="noStrike">
-                <a:solidFill>
-                  <a:srgbClr val="000000"/>
-                </a:solidFill>
-                <a:latin typeface="Arial"/>
-              </a:rPr>
-              <a:t>Received referee reports and revised the analysis plan </a:t>
-            </a:r>
-            <a:r>
-              <a:rPr b="1" lang="en-US" sz="3420" spc="-1" strike="noStrike">
-                <a:solidFill>
-                  <a:srgbClr val="000000"/>
-                </a:solidFill>
-                <a:latin typeface="Arial"/>
-              </a:rPr>
-              <a:t>before receiving the data</a:t>
-            </a:r>
-            <a:endParaRPr b="0" lang="en-US" sz="3420" spc="-1" strike="noStrike">
-              <a:solidFill>
-                <a:srgbClr val="000000"/>
-              </a:solidFill>
-              <a:latin typeface="Arial"/>
-            </a:endParaRPr>
-          </a:p>
-          <a:p>
-            <a:pPr>
-              <a:lnSpc>
-                <a:spcPct val="100000"/>
-              </a:lnSpc>
-              <a:spcBef>
-                <a:spcPts val="683"/>
-              </a:spcBef>
-            </a:pPr>
-            <a:endParaRPr b="0" lang="en-US" sz="3420" spc="-1" strike="noStrike">
-              <a:solidFill>
-                <a:srgbClr val="000000"/>
-              </a:solidFill>
-              <a:latin typeface="Arial"/>
-            </a:endParaRPr>
-          </a:p>
-          <a:p>
-            <a:pPr>
-              <a:lnSpc>
-                <a:spcPct val="100000"/>
-              </a:lnSpc>
-              <a:spcBef>
-                <a:spcPts val="683"/>
-              </a:spcBef>
-            </a:pPr>
-            <a:endParaRPr b="0" lang="en-US" sz="3420" spc="-1" strike="noStrike">
-              <a:solidFill>
-                <a:srgbClr val="000000"/>
-              </a:solidFill>
-              <a:latin typeface="Arial"/>
-            </a:endParaRPr>
-          </a:p>
-        </p:txBody>
-      </p:sp>
-      <p:sp>
-        <p:nvSpPr>
-          <p:cNvPr id="170" name="TextShape 2"/>
-          <p:cNvSpPr txBox="1"/>
+            <a:pPr algn="ctr">
+              <a:lnSpc>
+                <a:spcPct val="100000"/>
+              </a:lnSpc>
+            </a:pPr>
+            <a:r>
+              <a:rPr b="0" lang="en-US" sz="3980" spc="-1" strike="noStrike">
+                <a:solidFill>
+                  <a:srgbClr val="000000"/>
+                </a:solidFill>
+                <a:latin typeface="Arial"/>
+              </a:rPr>
+              <a:t>(3) Neumark (1999, 2001)</a:t>
+            </a:r>
+            <a:endParaRPr b="0" lang="en-US" sz="3980" spc="-1" strike="noStrike">
+              <a:solidFill>
+                <a:srgbClr val="000000"/>
+              </a:solidFill>
+              <a:latin typeface="Helvetica Light"/>
+            </a:endParaRPr>
+          </a:p>
+        </p:txBody>
+      </p:sp>
+      <p:pic>
+        <p:nvPicPr>
+          <p:cNvPr id="170" name="Picture 2" descr=""/>
+          <p:cNvPicPr/>
           <p:nvPr/>
-        </p:nvSpPr>
-        <p:spPr>
-          <a:xfrm>
-            <a:off x="650160" y="390600"/>
-            <a:ext cx="11703960" cy="1017720"/>
+        </p:nvPicPr>
+        <p:blipFill>
+          <a:blip r:embed="rId1"/>
+          <a:stretch/>
+        </p:blipFill>
+        <p:spPr>
+          <a:xfrm>
+            <a:off x="81360" y="1734120"/>
+            <a:ext cx="12841920" cy="5364000"/>
+          </a:xfrm>
+          <a:prstGeom prst="rect">
+            <a:avLst/>
+          </a:prstGeom>
+          <a:ln>
+            <a:noFill/>
+          </a:ln>
+        </p:spPr>
+      </p:pic>
+      <p:sp>
+        <p:nvSpPr>
+          <p:cNvPr id="171" name="CustomShape 2"/>
+          <p:cNvSpPr/>
+          <p:nvPr/>
+        </p:nvSpPr>
+        <p:spPr>
+          <a:xfrm>
+            <a:off x="10735560" y="6827400"/>
+            <a:ext cx="1680840" cy="610920"/>
           </a:xfrm>
           <a:prstGeom prst="rect">
             <a:avLst/>
@@ -15616,37 +15348,111 @@
             <a:noFill/>
           </a:ln>
         </p:spPr>
-        <p:txBody>
-          <a:bodyPr anchor="ctr">
-            <a:noAutofit/>
-          </a:bodyPr>
-          <a:p>
-            <a:pPr algn="ctr">
-              <a:lnSpc>
-                <a:spcPct val="100000"/>
-              </a:lnSpc>
-            </a:pPr>
-            <a:r>
-              <a:rPr b="0" lang="en-US" sz="3980" spc="-1" strike="noStrike">
-                <a:solidFill>
-                  <a:srgbClr val="000000"/>
-                </a:solidFill>
-                <a:latin typeface="Arial"/>
-              </a:rPr>
-              <a:t>(3) Neumark (1999, 2001)</a:t>
-            </a:r>
-            <a:endParaRPr b="0" lang="en-US" sz="3980" spc="-1" strike="noStrike">
-              <a:solidFill>
-                <a:srgbClr val="000000"/>
-              </a:solidFill>
-              <a:latin typeface="Helvetica Light"/>
-            </a:endParaRPr>
-          </a:p>
-        </p:txBody>
-      </p:sp>
-      <p:sp>
-        <p:nvSpPr>
-          <p:cNvPr id="171" name="TextShape 3"/>
+        <p:style>
+          <a:lnRef idx="0"/>
+          <a:fillRef idx="0"/>
+          <a:effectRef idx="0"/>
+          <a:fontRef idx="minor"/>
+        </p:style>
+        <p:txBody>
+          <a:bodyPr wrap="none" lIns="90000" rIns="90000" tIns="45000" bIns="45000">
+            <a:spAutoFit/>
+          </a:bodyPr>
+          <a:p>
+            <a:pPr>
+              <a:lnSpc>
+                <a:spcPct val="100000"/>
+              </a:lnSpc>
+            </a:pPr>
+            <a:r>
+              <a:rPr b="0" lang="en-US" sz="3420" spc="-1" strike="noStrike">
+                <a:solidFill>
+                  <a:srgbClr val="000000"/>
+                </a:solidFill>
+                <a:latin typeface="Arial"/>
+              </a:rPr>
+              <a:t>(p. 123)</a:t>
+            </a:r>
+            <a:endParaRPr b="0" lang="en-US" sz="3420" spc="-1" strike="noStrike">
+              <a:latin typeface="Arial"/>
+            </a:endParaRPr>
+          </a:p>
+        </p:txBody>
+      </p:sp>
+      <p:sp>
+        <p:nvSpPr>
+          <p:cNvPr id="172" name="CustomShape 3"/>
+          <p:cNvSpPr/>
+          <p:nvPr/>
+        </p:nvSpPr>
+        <p:spPr>
+          <a:xfrm>
+            <a:off x="108360" y="5310360"/>
+            <a:ext cx="216360" cy="1842120"/>
+          </a:xfrm>
+          <a:prstGeom prst="leftBracket">
+            <a:avLst>
+              <a:gd name="adj" fmla="val 8333"/>
+            </a:avLst>
+          </a:prstGeom>
+          <a:noFill/>
+          <a:ln w="28440">
+            <a:solidFill>
+              <a:srgbClr val="ff0000"/>
+            </a:solidFill>
+            <a:round/>
+          </a:ln>
+        </p:spPr>
+        <p:style>
+          <a:lnRef idx="1">
+            <a:schemeClr val="accent1"/>
+          </a:lnRef>
+          <a:fillRef idx="0">
+            <a:schemeClr val="accent1"/>
+          </a:fillRef>
+          <a:effectRef idx="0">
+            <a:schemeClr val="accent1"/>
+          </a:effectRef>
+          <a:fontRef idx="minor"/>
+        </p:style>
+      </p:sp>
+      <p:sp>
+        <p:nvSpPr>
+          <p:cNvPr id="173" name="Line 4"/>
+          <p:cNvSpPr/>
+          <p:nvPr/>
+        </p:nvSpPr>
+        <p:spPr>
+          <a:xfrm>
+            <a:off x="4659840" y="6827400"/>
+            <a:ext cx="3684600" cy="360"/>
+          </a:xfrm>
+          <a:prstGeom prst="line">
+            <a:avLst/>
+          </a:prstGeom>
+          <a:ln w="38160">
+            <a:solidFill>
+              <a:srgbClr val="ff0000"/>
+            </a:solidFill>
+            <a:round/>
+          </a:ln>
+        </p:spPr>
+        <p:style>
+          <a:lnRef idx="1">
+            <a:schemeClr val="accent1"/>
+          </a:lnRef>
+          <a:fillRef idx="0">
+            <a:schemeClr val="accent1"/>
+          </a:fillRef>
+          <a:effectRef idx="0">
+            <a:schemeClr val="accent1"/>
+          </a:effectRef>
+          <a:fontRef idx="minor"/>
+        </p:style>
+      </p:sp>
+      <p:sp>
+        <p:nvSpPr>
+          <p:cNvPr id="174" name="TextShape 5"/>
           <p:cNvSpPr txBox="1"/>
           <p:nvPr/>
         </p:nvSpPr>
@@ -15673,7 +15479,7 @@
                 <a:spcPct val="100000"/>
               </a:lnSpc>
             </a:pPr>
-            <a:fld id="{2CB27299-50CB-4810-AD2F-16FA89159EC7}" type="slidenum">
+            <a:fld id="{2FB195DA-E6AE-4E30-984B-9C674621B50A}" type="slidenum">
               <a:rPr b="0" lang="en-US" sz="1990" spc="-1" strike="noStrike">
                 <a:solidFill>
                   <a:srgbClr val="000000"/>
@@ -15746,56 +15552,9 @@
           <a:chExt cx="0" cy="0"/>
         </a:xfrm>
       </p:grpSpPr>
-      <p:sp>
-        <p:nvSpPr>
-          <p:cNvPr id="172" name="TextShape 1"/>
-          <p:cNvSpPr txBox="1"/>
-          <p:nvPr/>
-        </p:nvSpPr>
-        <p:spPr>
-          <a:xfrm>
-            <a:off x="650160" y="390600"/>
-            <a:ext cx="11703960" cy="1017720"/>
-          </a:xfrm>
-          <a:prstGeom prst="rect">
-            <a:avLst/>
-          </a:prstGeom>
-          <a:noFill/>
-          <a:ln>
-            <a:noFill/>
-          </a:ln>
-        </p:spPr>
-        <p:txBody>
-          <a:bodyPr anchor="ctr">
-            <a:noAutofit/>
-          </a:bodyPr>
-          <a:p>
-            <a:pPr algn="ctr">
-              <a:lnSpc>
-                <a:spcPct val="100000"/>
-              </a:lnSpc>
-            </a:pPr>
-            <a:r>
-              <a:rPr b="0" lang="en-US" sz="3980" spc="-1" strike="noStrike">
-                <a:solidFill>
-                  <a:srgbClr val="000000"/>
-                </a:solidFill>
-                <a:latin typeface="Arial"/>
-              </a:rPr>
-              <a:t>(3) Neumark (1999, 2001)</a:t>
-            </a:r>
-            <a:endParaRPr b="0" lang="en-US" sz="3980" spc="-1" strike="noStrike">
-              <a:solidFill>
-                <a:srgbClr val="000000"/>
-              </a:solidFill>
-              <a:latin typeface="Helvetica Light"/>
-            </a:endParaRPr>
-          </a:p>
-        </p:txBody>
-      </p:sp>
       <p:pic>
         <p:nvPicPr>
-          <p:cNvPr id="173" name="Picture 2" descr=""/>
+          <p:cNvPr id="175" name="Picture 5" descr=""/>
           <p:cNvPicPr/>
           <p:nvPr/>
         </p:nvPicPr>
@@ -15805,8 +15564,8 @@
         </p:blipFill>
         <p:spPr>
           <a:xfrm>
-            <a:off x="81360" y="1734120"/>
-            <a:ext cx="12841920" cy="5364000"/>
+            <a:off x="216720" y="916560"/>
+            <a:ext cx="12627360" cy="7427880"/>
           </a:xfrm>
           <a:prstGeom prst="rect">
             <a:avLst/>
@@ -15818,128 +15577,7 @@
       </p:pic>
       <p:sp>
         <p:nvSpPr>
-          <p:cNvPr id="174" name="CustomShape 2"/>
-          <p:cNvSpPr/>
-          <p:nvPr/>
-        </p:nvSpPr>
-        <p:spPr>
-          <a:xfrm>
-            <a:off x="10735560" y="6827400"/>
-            <a:ext cx="1680840" cy="610920"/>
-          </a:xfrm>
-          <a:prstGeom prst="rect">
-            <a:avLst/>
-          </a:prstGeom>
-          <a:noFill/>
-          <a:ln>
-            <a:noFill/>
-          </a:ln>
-        </p:spPr>
-        <p:style>
-          <a:lnRef idx="0"/>
-          <a:fillRef idx="0"/>
-          <a:effectRef idx="0"/>
-          <a:fontRef idx="minor"/>
-        </p:style>
-        <p:txBody>
-          <a:bodyPr wrap="none" lIns="90000" rIns="90000" tIns="45000" bIns="45000">
-            <a:spAutoFit/>
-          </a:bodyPr>
-          <a:p>
-            <a:pPr>
-              <a:lnSpc>
-                <a:spcPct val="100000"/>
-              </a:lnSpc>
-            </a:pPr>
-            <a:r>
-              <a:rPr b="0" lang="en-US" sz="3420" spc="-1" strike="noStrike">
-                <a:solidFill>
-                  <a:srgbClr val="000000"/>
-                </a:solidFill>
-                <a:latin typeface="Arial"/>
-              </a:rPr>
-              <a:t>(p. 123)</a:t>
-            </a:r>
-            <a:endParaRPr b="0" lang="en-US" sz="3420" spc="-1" strike="noStrike">
-              <a:latin typeface="Arial"/>
-            </a:endParaRPr>
-          </a:p>
-        </p:txBody>
-      </p:sp>
-      <p:sp>
-        <p:nvSpPr>
-          <p:cNvPr id="175" name="CustomShape 3"/>
-          <p:cNvSpPr/>
-          <p:nvPr/>
-        </p:nvSpPr>
-        <p:spPr>
-          <a:xfrm>
-            <a:off x="108360" y="5310360"/>
-            <a:ext cx="216360" cy="1842120"/>
-          </a:xfrm>
-          <a:prstGeom prst="leftBracket">
-            <a:avLst>
-              <a:gd name="adj" fmla="val 8333"/>
-            </a:avLst>
-          </a:prstGeom>
-          <a:noFill/>
-          <a:ln w="28440">
-            <a:solidFill>
-              <a:srgbClr val="ff0000"/>
-            </a:solidFill>
-            <a:round/>
-          </a:ln>
-        </p:spPr>
-        <p:style>
-          <a:lnRef idx="1">
-            <a:schemeClr val="accent1"/>
-          </a:lnRef>
-          <a:fillRef idx="0">
-            <a:schemeClr val="accent1"/>
-          </a:fillRef>
-          <a:effectRef idx="0">
-            <a:schemeClr val="accent1"/>
-          </a:effectRef>
-          <a:fontRef idx="minor"/>
-        </p:style>
-      </p:sp>
-      <p:sp>
-        <p:nvSpPr>
-          <p:cNvPr id="176" name="Line 4"/>
-          <p:cNvSpPr/>
-          <p:nvPr/>
-        </p:nvSpPr>
-        <p:spPr>
-          <a:xfrm>
-            <a:off x="4659840" y="6827400"/>
-            <a:ext cx="3684600" cy="360"/>
-          </a:xfrm>
-          <a:prstGeom prst="line">
-            <a:avLst/>
-          </a:prstGeom>
-          <a:ln w="38160">
-            <a:solidFill>
-              <a:srgbClr val="ff0000"/>
-            </a:solidFill>
-            <a:round/>
-          </a:ln>
-        </p:spPr>
-        <p:style>
-          <a:lnRef idx="1">
-            <a:schemeClr val="accent1"/>
-          </a:lnRef>
-          <a:fillRef idx="0">
-            <a:schemeClr val="accent1"/>
-          </a:fillRef>
-          <a:effectRef idx="0">
-            <a:schemeClr val="accent1"/>
-          </a:effectRef>
-          <a:fontRef idx="minor"/>
-        </p:style>
-      </p:sp>
-      <p:sp>
-        <p:nvSpPr>
-          <p:cNvPr id="177" name="TextShape 5"/>
+          <p:cNvPr id="176" name="TextShape 1"/>
           <p:cNvSpPr txBox="1"/>
           <p:nvPr/>
         </p:nvSpPr>
@@ -15966,7 +15604,7 @@
                 <a:spcPct val="100000"/>
               </a:lnSpc>
             </a:pPr>
-            <a:fld id="{965CC1D6-59BB-4AE8-A547-758881DA0C65}" type="slidenum">
+            <a:fld id="{16D810EA-E1C6-4DC6-B786-A29B4BEF0661}" type="slidenum">
               <a:rPr b="0" lang="en-US" sz="1990" spc="-1" strike="noStrike">
                 <a:solidFill>
                   <a:srgbClr val="000000"/>
@@ -16039,9 +15677,56 @@
           <a:chExt cx="0" cy="0"/>
         </a:xfrm>
       </p:grpSpPr>
+      <p:sp>
+        <p:nvSpPr>
+          <p:cNvPr id="177" name="TextShape 1"/>
+          <p:cNvSpPr txBox="1"/>
+          <p:nvPr/>
+        </p:nvSpPr>
+        <p:spPr>
+          <a:xfrm>
+            <a:off x="650160" y="390600"/>
+            <a:ext cx="11703960" cy="1017720"/>
+          </a:xfrm>
+          <a:prstGeom prst="rect">
+            <a:avLst/>
+          </a:prstGeom>
+          <a:noFill/>
+          <a:ln>
+            <a:noFill/>
+          </a:ln>
+        </p:spPr>
+        <p:txBody>
+          <a:bodyPr anchor="ctr">
+            <a:noAutofit/>
+          </a:bodyPr>
+          <a:p>
+            <a:pPr algn="ctr">
+              <a:lnSpc>
+                <a:spcPct val="100000"/>
+              </a:lnSpc>
+            </a:pPr>
+            <a:r>
+              <a:rPr b="0" lang="en-US" sz="3980" spc="-1" strike="noStrike">
+                <a:solidFill>
+                  <a:srgbClr val="000000"/>
+                </a:solidFill>
+                <a:latin typeface="Arial"/>
+              </a:rPr>
+              <a:t>(3) Neumark (1999, 2001)</a:t>
+            </a:r>
+            <a:endParaRPr b="0" lang="en-US" sz="3980" spc="-1" strike="noStrike">
+              <a:solidFill>
+                <a:srgbClr val="000000"/>
+              </a:solidFill>
+              <a:latin typeface="Helvetica Light"/>
+            </a:endParaRPr>
+          </a:p>
+        </p:txBody>
+      </p:sp>
       <p:pic>
         <p:nvPicPr>
-          <p:cNvPr id="178" name="Picture 5" descr=""/>
+          <p:cNvPr id="178" name="Picture 7" descr=""/>
           <p:cNvPicPr/>
           <p:nvPr/>
         </p:nvPicPr>
@@ -16051,8 +15736,8 @@
         </p:blipFill>
         <p:spPr>
           <a:xfrm>
-            <a:off x="216720" y="916560"/>
-            <a:ext cx="12627360" cy="7427880"/>
+            <a:off x="203040" y="1842480"/>
+            <a:ext cx="12584520" cy="4747680"/>
           </a:xfrm>
           <a:prstGeom prst="rect">
             <a:avLst/>
@@ -16064,7 +15749,100 @@
       </p:pic>
       <p:sp>
         <p:nvSpPr>
-          <p:cNvPr id="179" name="TextShape 1"/>
+          <p:cNvPr id="179" name="CustomShape 2"/>
+          <p:cNvSpPr/>
+          <p:nvPr/>
+        </p:nvSpPr>
+        <p:spPr>
+          <a:xfrm>
+            <a:off x="700560" y="7260840"/>
+            <a:ext cx="11801880" cy="1652040"/>
+          </a:xfrm>
+          <a:prstGeom prst="rect">
+            <a:avLst/>
+          </a:prstGeom>
+          <a:noFill/>
+          <a:ln>
+            <a:noFill/>
+          </a:ln>
+        </p:spPr>
+        <p:style>
+          <a:lnRef idx="0"/>
+          <a:fillRef idx="0"/>
+          <a:effectRef idx="0"/>
+          <a:fontRef idx="minor"/>
+        </p:style>
+        <p:txBody>
+          <a:bodyPr wrap="none" lIns="90000" rIns="90000" tIns="45000" bIns="45000">
+            <a:spAutoFit/>
+          </a:bodyPr>
+          <a:p>
+            <a:pPr marL="487800" indent="-487440">
+              <a:lnSpc>
+                <a:spcPct val="100000"/>
+              </a:lnSpc>
+              <a:buClr>
+                <a:srgbClr val="000000"/>
+              </a:buClr>
+              <a:buFont typeface="Wingdings" charset="2"/>
+              <a:buChar char=""/>
+            </a:pPr>
+            <a:r>
+              <a:rPr b="0" lang="en-US" sz="3420" spc="-1" strike="noStrike">
+                <a:solidFill>
+                  <a:srgbClr val="000000"/>
+                </a:solidFill>
+                <a:latin typeface="Arial"/>
+              </a:rPr>
+              <a:t>What did Neumark find? No statistically significant effects </a:t>
+            </a:r>
+            <a:endParaRPr b="0" lang="en-US" sz="3420" spc="-1" strike="noStrike">
+              <a:latin typeface="Arial"/>
+            </a:endParaRPr>
+          </a:p>
+          <a:p>
+            <a:pPr>
+              <a:lnSpc>
+                <a:spcPct val="100000"/>
+              </a:lnSpc>
+            </a:pPr>
+            <a:r>
+              <a:rPr b="0" lang="en-US" sz="3420" spc="-1" strike="noStrike">
+                <a:solidFill>
+                  <a:srgbClr val="000000"/>
+                </a:solidFill>
+                <a:latin typeface="Arial"/>
+              </a:rPr>
+              <a:t>and small magnitudes, somewhere in middle of existing</a:t>
+            </a:r>
+            <a:endParaRPr b="0" lang="en-US" sz="3420" spc="-1" strike="noStrike">
+              <a:latin typeface="Arial"/>
+            </a:endParaRPr>
+          </a:p>
+          <a:p>
+            <a:pPr>
+              <a:lnSpc>
+                <a:spcPct val="100000"/>
+              </a:lnSpc>
+            </a:pPr>
+            <a:r>
+              <a:rPr b="0" lang="en-US" sz="3420" spc="-1" strike="noStrike">
+                <a:solidFill>
+                  <a:srgbClr val="000000"/>
+                </a:solidFill>
+                <a:latin typeface="Arial"/>
+              </a:rPr>
+              <a:t>estimates. </a:t>
+            </a:r>
+            <a:endParaRPr b="0" lang="en-US" sz="3420" spc="-1" strike="noStrike">
+              <a:latin typeface="Arial"/>
+            </a:endParaRPr>
+          </a:p>
+        </p:txBody>
+      </p:sp>
+      <p:sp>
+        <p:nvSpPr>
+          <p:cNvPr id="180" name="TextShape 3"/>
           <p:cNvSpPr txBox="1"/>
           <p:nvPr/>
         </p:nvSpPr>
@@ -16091,7 +15869,7 @@
                 <a:spcPct val="100000"/>
               </a:lnSpc>
             </a:pPr>
-            <a:fld id="{59D78BD2-C89A-4F0F-80EC-0BEC0B253219}" type="slidenum">
+            <a:fld id="{4C1BDE3D-9A17-4533-90BD-A2A8F348B503}" type="slidenum">
               <a:rPr b="0" lang="en-US" sz="1990" spc="-1" strike="noStrike">
                 <a:solidFill>
                   <a:srgbClr val="000000"/>
@@ -16295,7 +16073,7 @@
                 <a:spcPct val="100000"/>
               </a:lnSpc>
             </a:pPr>
-            <a:fld id="{F34AFD10-095F-4ABE-9989-A09F16DF9C82}" type="slidenum">
+            <a:fld id="{94C4B307-080A-42F0-B6DC-0A28836D3F40}" type="slidenum">
               <a:rPr b="0" lang="en-US" sz="1990" spc="-1" strike="noStrike">
                 <a:solidFill>
                   <a:srgbClr val="000000"/>
@@ -16370,14 +16148,14 @@
       </p:grpSpPr>
       <p:sp>
         <p:nvSpPr>
-          <p:cNvPr id="180" name="TextShape 1"/>
+          <p:cNvPr id="181" name="TextShape 1"/>
           <p:cNvSpPr txBox="1"/>
           <p:nvPr/>
         </p:nvSpPr>
         <p:spPr>
           <a:xfrm>
             <a:off x="650160" y="390600"/>
-            <a:ext cx="11703960" cy="1017720"/>
+            <a:ext cx="11703960" cy="1625400"/>
           </a:xfrm>
           <a:prstGeom prst="rect">
             <a:avLst/>
@@ -16388,25 +16166,30 @@
           </a:ln>
         </p:spPr>
         <p:txBody>
-          <a:bodyPr anchor="ctr">
-            <a:noAutofit/>
-          </a:bodyPr>
-          <a:p>
-            <a:pPr algn="ctr">
-              <a:lnSpc>
-                <a:spcPct val="100000"/>
-              </a:lnSpc>
-            </a:pPr>
-            <a:r>
-              <a:rPr b="0" lang="en-US" sz="3980" spc="-1" strike="noStrike">
-                <a:solidFill>
-                  <a:srgbClr val="000000"/>
-                </a:solidFill>
-                <a:latin typeface="Arial"/>
-              </a:rPr>
-              <a:t>(3) Neumark (1999, 2001)</a:t>
-            </a:r>
-            <a:endParaRPr b="0" lang="en-US" sz="3980" spc="-1" strike="noStrike">
+          <a:bodyPr lIns="0" rIns="0" tIns="0" bIns="0" anchor="ctr">
+            <a:spAutoFit/>
+          </a:bodyPr>
+          <a:p>
+            <a:pPr algn="ctr"/>
+            <a:r>
+              <a:rPr b="0" lang="en-US" sz="3600" spc="-1" strike="noStrike">
+                <a:solidFill>
+                  <a:srgbClr val="000000"/>
+                </a:solidFill>
+                <a:latin typeface="Helvetica Light"/>
+              </a:rPr>
+              <a:t>Registered Reports</a:t>
+            </a:r>
+            <a:r>
+              <a:rPr b="0" lang="en-US" sz="3600" spc="-1" strike="noStrike">
+                <a:solidFill>
+                  <a:srgbClr val="000000"/>
+                </a:solidFill>
+                <a:latin typeface="Helvetica Light"/>
+              </a:rPr>
+              <a:t>	</a:t>
+            </a:r>
+            <a:endParaRPr b="0" lang="en-US" sz="3600" spc="-1" strike="noStrike">
               <a:solidFill>
                 <a:srgbClr val="000000"/>
               </a:solidFill>
@@ -16415,39 +16198,16 @@
           </a:p>
         </p:txBody>
       </p:sp>
-      <p:pic>
-        <p:nvPicPr>
-          <p:cNvPr id="181" name="Picture 7" descr=""/>
-          <p:cNvPicPr/>
+      <p:sp>
+        <p:nvSpPr>
+          <p:cNvPr id="182" name="TextShape 2"/>
+          <p:cNvSpPr txBox="1"/>
           <p:nvPr/>
-        </p:nvPicPr>
-        <p:blipFill>
-          <a:blip r:embed="rId1"/>
-          <a:stretch/>
-        </p:blipFill>
-        <p:spPr>
-          <a:xfrm>
-            <a:off x="203040" y="1842480"/>
-            <a:ext cx="12584520" cy="4747680"/>
-          </a:xfrm>
-          <a:prstGeom prst="rect">
-            <a:avLst/>
-          </a:prstGeom>
-          <a:ln>
-            <a:noFill/>
-          </a:ln>
-        </p:spPr>
-      </p:pic>
-      <p:sp>
-        <p:nvSpPr>
-          <p:cNvPr id="182" name="CustomShape 2"/>
-          <p:cNvSpPr/>
-          <p:nvPr/>
-        </p:nvSpPr>
-        <p:spPr>
-          <a:xfrm>
-            <a:off x="700560" y="7260840"/>
-            <a:ext cx="11801880" cy="1652040"/>
+        </p:nvSpPr>
+        <p:spPr>
+          <a:xfrm>
+            <a:off x="731520" y="2016000"/>
+            <a:ext cx="11155680" cy="346320"/>
           </a:xfrm>
           <a:prstGeom prst="rect">
             <a:avLst/>
@@ -16457,79 +16217,6 @@
             <a:noFill/>
           </a:ln>
         </p:spPr>
-        <p:style>
-          <a:lnRef idx="0"/>
-          <a:fillRef idx="0"/>
-          <a:effectRef idx="0"/>
-          <a:fontRef idx="minor"/>
-        </p:style>
-        <p:txBody>
-          <a:bodyPr wrap="none" lIns="90000" rIns="90000" tIns="45000" bIns="45000">
-            <a:spAutoFit/>
-          </a:bodyPr>
-          <a:p>
-            <a:pPr marL="487800" indent="-487440">
-              <a:lnSpc>
-                <a:spcPct val="100000"/>
-              </a:lnSpc>
-              <a:buClr>
-                <a:srgbClr val="000000"/>
-              </a:buClr>
-              <a:buFont typeface="Wingdings" charset="2"/>
-              <a:buChar char=""/>
-            </a:pPr>
-            <a:r>
-              <a:rPr b="0" lang="en-US" sz="3420" spc="-1" strike="noStrike">
-                <a:solidFill>
-                  <a:srgbClr val="000000"/>
-                </a:solidFill>
-                <a:latin typeface="Arial"/>
-              </a:rPr>
-              <a:t>What did Neumark find? No statistically significant effects </a:t>
-            </a:r>
-            <a:endParaRPr b="0" lang="en-US" sz="3420" spc="-1" strike="noStrike">
-              <a:latin typeface="Arial"/>
-            </a:endParaRPr>
-          </a:p>
-          <a:p>
-            <a:pPr>
-              <a:lnSpc>
-                <a:spcPct val="100000"/>
-              </a:lnSpc>
-            </a:pPr>
-            <a:r>
-              <a:rPr b="0" lang="en-US" sz="3420" spc="-1" strike="noStrike">
-                <a:solidFill>
-                  <a:srgbClr val="000000"/>
-                </a:solidFill>
-                <a:latin typeface="Arial"/>
-              </a:rPr>
-              <a:t>and small magnitudes, somewhere in middle of existing</a:t>
-            </a:r>
-            <a:endParaRPr b="0" lang="en-US" sz="3420" spc="-1" strike="noStrike">
-              <a:latin typeface="Arial"/>
-            </a:endParaRPr>
-          </a:p>
-          <a:p>
-            <a:pPr>
-              <a:lnSpc>
-                <a:spcPct val="100000"/>
-              </a:lnSpc>
-            </a:pPr>
-            <a:r>
-              <a:rPr b="0" lang="en-US" sz="3420" spc="-1" strike="noStrike">
-                <a:solidFill>
-                  <a:srgbClr val="000000"/>
-                </a:solidFill>
-                <a:latin typeface="Arial"/>
-              </a:rPr>
-              <a:t>estimates. But analysis appears under-powered (large SE’s)</a:t>
-            </a:r>
-            <a:endParaRPr b="0" lang="en-US" sz="3420" spc="-1" strike="noStrike">
-              <a:latin typeface="Arial"/>
-            </a:endParaRPr>
-          </a:p>
-        </p:txBody>
       </p:sp>
       <p:sp>
         <p:nvSpPr>
@@ -16539,39 +16226,252 @@
         </p:nvSpPr>
         <p:spPr>
           <a:xfrm>
-            <a:off x="9320040" y="8881920"/>
-            <a:ext cx="3034080" cy="676800"/>
+            <a:off x="650160" y="2275920"/>
+            <a:ext cx="11703960" cy="6436440"/>
           </a:xfrm>
           <a:prstGeom prst="rect">
             <a:avLst/>
           </a:prstGeom>
           <a:noFill/>
-          <a:ln w="9360">
+          <a:ln>
             <a:noFill/>
           </a:ln>
         </p:spPr>
         <p:txBody>
-          <a:bodyPr>
-            <a:noAutofit/>
-          </a:bodyPr>
-          <a:p>
-            <a:pPr algn="r">
-              <a:lnSpc>
-                <a:spcPct val="100000"/>
-              </a:lnSpc>
-            </a:pPr>
-            <a:fld id="{9F22B96D-0146-47AE-9401-DBFCDCADA3F6}" type="slidenum">
-              <a:rPr b="0" lang="en-US" sz="1990" spc="-1" strike="noStrike">
-                <a:solidFill>
-                  <a:srgbClr val="000000"/>
-                </a:solidFill>
-                <a:latin typeface="Helvetica Light"/>
-                <a:ea typeface="Helvetica Light"/>
-              </a:rPr>
-              <a:t>1</a:t>
-            </a:fld>
-            <a:endParaRPr b="0" lang="en-US" sz="1990" spc="-1" strike="noStrike">
-              <a:latin typeface="Times New Roman"/>
+          <a:bodyPr lIns="0" rIns="0" tIns="0" bIns="0" anchor="ctr">
+            <a:spAutoFit/>
+          </a:bodyPr>
+          <a:p>
+            <a:pPr marL="216000" indent="-216000" algn="ctr">
+              <a:buClr>
+                <a:srgbClr val="000000"/>
+              </a:buClr>
+              <a:buSzPct val="45000"/>
+              <a:buFont typeface="Wingdings" charset="2"/>
+              <a:buChar char=""/>
+            </a:pPr>
+            <a:r>
+              <a:rPr b="0" lang="en-US" sz="3200" spc="-1" strike="noStrike">
+                <a:latin typeface="Arial"/>
+              </a:rPr>
+              <a:t>Similar to a pre-analysis plan, but needs the backing of journal</a:t>
+            </a:r>
+            <a:endParaRPr b="0" lang="en-US" sz="3200" spc="-1" strike="noStrike">
+              <a:latin typeface="Arial"/>
+            </a:endParaRPr>
+          </a:p>
+          <a:p>
+            <a:pPr marL="216000" indent="-216000" algn="ctr">
+              <a:buClr>
+                <a:srgbClr val="000000"/>
+              </a:buClr>
+              <a:buSzPct val="45000"/>
+              <a:buFont typeface="Wingdings" charset="2"/>
+              <a:buChar char=""/>
+            </a:pPr>
+            <a:r>
+              <a:rPr b="0" lang="en-US" sz="3200" spc="-1" strike="noStrike">
+                <a:latin typeface="Arial"/>
+              </a:rPr>
+              <a:t>A journal peer reviews a research design a questions to be asked before data is collected.</a:t>
+            </a:r>
+            <a:endParaRPr b="0" lang="en-US" sz="3200" spc="-1" strike="noStrike">
+              <a:latin typeface="Arial"/>
+            </a:endParaRPr>
+          </a:p>
+          <a:p>
+            <a:pPr lvl="2" marL="648000" indent="-216000" algn="ctr">
+              <a:buClr>
+                <a:srgbClr val="000000"/>
+              </a:buClr>
+              <a:buSzPct val="45000"/>
+              <a:buFont typeface="Wingdings" charset="2"/>
+              <a:buChar char=""/>
+            </a:pPr>
+            <a:r>
+              <a:rPr b="0" lang="en-US" sz="3200" spc="-1" strike="noStrike">
+                <a:latin typeface="Arial"/>
+              </a:rPr>
+              <a:t> </a:t>
+            </a:r>
+            <a:r>
+              <a:rPr b="0" lang="en-US" sz="3200" spc="-1" strike="noStrike">
+                <a:latin typeface="Arial"/>
+              </a:rPr>
+              <a:t>Upon satisfactory and rigorous carrying out of data collection, paper is published regardless of results</a:t>
+            </a:r>
+            <a:endParaRPr b="0" lang="en-US" sz="3200" spc="-1" strike="noStrike">
+              <a:latin typeface="Arial"/>
+            </a:endParaRPr>
+          </a:p>
+          <a:p>
+            <a:pPr lvl="2" marL="648000" indent="-216000" algn="ctr">
+              <a:buClr>
+                <a:srgbClr val="000000"/>
+              </a:buClr>
+              <a:buSzPct val="45000"/>
+              <a:buFont typeface="Wingdings" charset="2"/>
+              <a:buChar char=""/>
+            </a:pPr>
+            <a:r>
+              <a:rPr b="0" lang="en-US" sz="3200" spc="-1" strike="noStrike">
+                <a:latin typeface="Arial"/>
+              </a:rPr>
+              <a:t>Helps cut down on the file drawer problem.</a:t>
+            </a:r>
+            <a:endParaRPr b="0" lang="en-US" sz="3200" spc="-1" strike="noStrike">
+              <a:latin typeface="Arial"/>
+            </a:endParaRPr>
+          </a:p>
+          <a:p>
+            <a:pPr lvl="2" marL="648000" indent="-216000" algn="ctr">
+              <a:buClr>
+                <a:srgbClr val="000000"/>
+              </a:buClr>
+              <a:buSzPct val="45000"/>
+              <a:buFont typeface="Wingdings" charset="2"/>
+              <a:buChar char=""/>
+            </a:pPr>
+            <a:r>
+              <a:rPr b="0" lang="en-US" sz="3200" spc="-1" strike="noStrike">
+                <a:latin typeface="Arial"/>
+              </a:rPr>
+              <a:t>Currently 156 journals use Registered Reports (including JDE)</a:t>
+            </a:r>
+            <a:endParaRPr b="0" lang="en-US" sz="3200" spc="-1" strike="noStrike">
+              <a:latin typeface="Arial"/>
+            </a:endParaRPr>
+          </a:p>
+        </p:txBody>
+      </p:sp>
+      <p:sp>
+        <p:nvSpPr>
+          <p:cNvPr id="184" name="TextShape 4"/>
+          <p:cNvSpPr txBox="1"/>
+          <p:nvPr/>
+        </p:nvSpPr>
+        <p:spPr>
+          <a:xfrm>
+            <a:off x="650520" y="2276280"/>
+            <a:ext cx="11703960" cy="6436440"/>
+          </a:xfrm>
+          <a:prstGeom prst="rect">
+            <a:avLst/>
+          </a:prstGeom>
+          <a:noFill/>
+          <a:ln>
+            <a:noFill/>
+          </a:ln>
+        </p:spPr>
+        <p:txBody>
+          <a:bodyPr lIns="90000" rIns="90000" tIns="45000" bIns="45000" anchor="ctr">
+            <a:spAutoFit/>
+          </a:bodyPr>
+          <a:p>
+            <a:pPr marL="216000" indent="-216000" algn="ctr">
+              <a:buClr>
+                <a:srgbClr val="000000"/>
+              </a:buClr>
+              <a:buSzPct val="45000"/>
+              <a:buFont typeface="Wingdings" charset="2"/>
+              <a:buChar char=""/>
+            </a:pPr>
+            <a:r>
+              <a:rPr b="0" lang="en-US" sz="3200" spc="-1" strike="noStrike">
+                <a:latin typeface="Arial"/>
+                <a:ea typeface="Noto Sans CJK SC"/>
+              </a:rPr>
+              <a:t>Similar to a pre-analysis plan, but needs the backing of journal</a:t>
+            </a:r>
+            <a:endParaRPr b="0" lang="en-US" sz="3200" spc="-1" strike="noStrike">
+              <a:latin typeface="Arial"/>
+            </a:endParaRPr>
+          </a:p>
+          <a:p>
+            <a:pPr marL="216000" indent="-216000" algn="ctr">
+              <a:buClr>
+                <a:srgbClr val="000000"/>
+              </a:buClr>
+              <a:buSzPct val="45000"/>
+              <a:buFont typeface="Wingdings" charset="2"/>
+              <a:buChar char=""/>
+            </a:pPr>
+            <a:r>
+              <a:rPr b="0" lang="en-US" sz="3200" spc="-1" strike="noStrike">
+                <a:latin typeface="Arial"/>
+                <a:ea typeface="Noto Sans CJK SC"/>
+              </a:rPr>
+              <a:t>A journal peer reviews a research design a questions to be asked before data is collected.</a:t>
+            </a:r>
+            <a:endParaRPr b="0" lang="en-US" sz="3200" spc="-1" strike="noStrike">
+              <a:latin typeface="Arial"/>
+            </a:endParaRPr>
+          </a:p>
+          <a:p>
+            <a:pPr lvl="2" marL="648000" indent="-216000" algn="ctr">
+              <a:buClr>
+                <a:srgbClr val="000000"/>
+              </a:buClr>
+              <a:buSzPct val="45000"/>
+              <a:buFont typeface="Wingdings" charset="2"/>
+              <a:buChar char=""/>
+            </a:pPr>
+            <a:r>
+              <a:rPr b="0" lang="en-US" sz="3200" spc="-1" strike="noStrike">
+                <a:latin typeface="Arial"/>
+                <a:ea typeface="Noto Sans CJK SC"/>
+              </a:rPr>
+              <a:t> </a:t>
+            </a:r>
+            <a:r>
+              <a:rPr b="0" lang="en-US" sz="3200" spc="-1" strike="noStrike">
+                <a:latin typeface="Arial"/>
+                <a:ea typeface="Noto Sans CJK SC"/>
+              </a:rPr>
+              <a:t>Upon satisfactory and rigorous carrying out of data collection, paper is published regardless of results</a:t>
+            </a:r>
+            <a:endParaRPr b="0" lang="en-US" sz="3200" spc="-1" strike="noStrike">
+              <a:latin typeface="Arial"/>
+            </a:endParaRPr>
+          </a:p>
+          <a:p>
+            <a:pPr lvl="2" marL="648000" indent="-216000" algn="ctr">
+              <a:buClr>
+                <a:srgbClr val="000000"/>
+              </a:buClr>
+              <a:buSzPct val="45000"/>
+              <a:buFont typeface="Wingdings" charset="2"/>
+              <a:buChar char=""/>
+            </a:pPr>
+            <a:r>
+              <a:rPr b="0" lang="en-US" sz="3200" spc="-1" strike="noStrike">
+                <a:latin typeface="Arial"/>
+                <a:ea typeface="Noto Sans CJK SC"/>
+              </a:rPr>
+              <a:t>Helps cut down on the file drawer problem.</a:t>
+            </a:r>
+            <a:endParaRPr b="0" lang="en-US" sz="3200" spc="-1" strike="noStrike">
+              <a:latin typeface="Arial"/>
+            </a:endParaRPr>
+          </a:p>
+          <a:p>
+            <a:pPr lvl="2" marL="648000" indent="-216000" algn="ctr">
+              <a:buClr>
+                <a:srgbClr val="000000"/>
+              </a:buClr>
+              <a:buSzPct val="45000"/>
+              <a:buFont typeface="Wingdings" charset="2"/>
+              <a:buChar char=""/>
+            </a:pPr>
+            <a:r>
+              <a:rPr b="0" lang="en-US" sz="3200" spc="-1" strike="noStrike">
+                <a:latin typeface="Arial"/>
+                <a:ea typeface="Noto Sans CJK SC"/>
+              </a:rPr>
+              <a:t>Currently 156 journals use Registered Reports (including JDE)</a:t>
+            </a:r>
+            <a:endParaRPr b="0" lang="en-US" sz="3200" spc="-1" strike="noStrike">
+              <a:latin typeface="Arial"/>
             </a:endParaRPr>
           </a:p>
         </p:txBody>
@@ -16635,7 +16535,7 @@
       </p:grpSpPr>
       <p:sp>
         <p:nvSpPr>
-          <p:cNvPr id="184" name="TextShape 1"/>
+          <p:cNvPr id="185" name="TextShape 1"/>
           <p:cNvSpPr txBox="1"/>
           <p:nvPr/>
         </p:nvSpPr>
@@ -16665,16 +16565,7 @@
                 </a:solidFill>
                 <a:latin typeface="Helvetica Light"/>
               </a:rPr>
-              <a:t>Registered Reports</a:t>
-            </a:r>
-            <a:r>
-              <a:rPr b="0" lang="en-US" sz="3600" spc="-1" strike="noStrike">
-                <a:solidFill>
-                  <a:srgbClr val="000000"/>
-                </a:solidFill>
-                <a:latin typeface="Helvetica Light"/>
-              </a:rPr>
-              <a:t>	</a:t>
+              <a:t>JDE Registered Reports</a:t>
             </a:r>
             <a:endParaRPr b="0" lang="en-US" sz="3600" spc="-1" strike="noStrike">
               <a:solidFill>
@@ -16687,14 +16578,14 @@
       </p:sp>
       <p:sp>
         <p:nvSpPr>
-          <p:cNvPr id="185" name="TextShape 2"/>
+          <p:cNvPr id="186" name="TextShape 2"/>
           <p:cNvSpPr txBox="1"/>
           <p:nvPr/>
         </p:nvSpPr>
         <p:spPr>
           <a:xfrm>
-            <a:off x="731520" y="2016000"/>
-            <a:ext cx="11155680" cy="346320"/>
+            <a:off x="650160" y="2275920"/>
+            <a:ext cx="11703960" cy="6436440"/>
           </a:xfrm>
           <a:prstGeom prst="rect">
             <a:avLst/>
@@ -16704,32 +16595,15 @@
             <a:noFill/>
           </a:ln>
         </p:spPr>
-      </p:sp>
-      <p:sp>
-        <p:nvSpPr>
-          <p:cNvPr id="186" name="TextShape 3"/>
-          <p:cNvSpPr txBox="1"/>
-          <p:nvPr/>
-        </p:nvSpPr>
-        <p:spPr>
-          <a:xfrm>
-            <a:off x="650160" y="2275920"/>
-            <a:ext cx="11703960" cy="6436440"/>
-          </a:xfrm>
-          <a:prstGeom prst="rect">
-            <a:avLst/>
-          </a:prstGeom>
-          <a:noFill/>
-          <a:ln>
-            <a:noFill/>
-          </a:ln>
-        </p:spPr>
-        <p:txBody>
-          <a:bodyPr lIns="0" rIns="0" tIns="0" bIns="0" anchor="ctr">
-            <a:spAutoFit/>
-          </a:bodyPr>
-          <a:p>
-            <a:pPr marL="216000" indent="-216000" algn="ctr">
+        <p:txBody>
+          <a:bodyPr lIns="0" rIns="0" tIns="0" bIns="0">
+            <a:normAutofit/>
+          </a:bodyPr>
+          <a:p>
+            <a:pPr marL="432000" indent="-324000">
+              <a:spcBef>
+                <a:spcPts val="1417"/>
+              </a:spcBef>
               <a:buClr>
                 <a:srgbClr val="000000"/>
               </a:buClr>
@@ -16738,17 +16612,81 @@
               <a:buChar char=""/>
             </a:pPr>
             <a:r>
-              <a:rPr b="0" lang="en-US" sz="3200" spc="-1" strike="noStrike">
-                <a:latin typeface="Arial"/>
-              </a:rPr>
-              <a:t>Similar to a pre-analysis plan, but needs the backing of journal</a:t>
-            </a:r>
-            <a:endParaRPr b="0" lang="en-US" sz="3200" spc="-1" strike="noStrike">
-              <a:latin typeface="Arial"/>
-            </a:endParaRPr>
-          </a:p>
-          <a:p>
-            <a:pPr marL="216000" indent="-216000" algn="ctr">
+              <a:rPr b="0" lang="en-US" sz="4550" spc="-1" strike="noStrike">
+                <a:solidFill>
+                  <a:srgbClr val="000000"/>
+                </a:solidFill>
+                <a:latin typeface="Arial"/>
+              </a:rPr>
+              <a:t>JDE has started a pilot Registered Reports project (partially funded by BITSS)</a:t>
+            </a:r>
+            <a:endParaRPr b="0" lang="en-US" sz="4550" spc="-1" strike="noStrike">
+              <a:solidFill>
+                <a:srgbClr val="000000"/>
+              </a:solidFill>
+              <a:latin typeface="Arial"/>
+            </a:endParaRPr>
+          </a:p>
+          <a:p>
+            <a:pPr lvl="1" marL="864000" indent="-324000">
+              <a:spcBef>
+                <a:spcPts val="1134"/>
+              </a:spcBef>
+              <a:buClr>
+                <a:srgbClr val="000000"/>
+              </a:buClr>
+              <a:buSzPct val="75000"/>
+              <a:buFont typeface="Symbol" charset="2"/>
+              <a:buChar char=""/>
+            </a:pPr>
+            <a:r>
+              <a:rPr b="0" lang="en-US" sz="3420" spc="-1" strike="noStrike">
+                <a:solidFill>
+                  <a:srgbClr val="000000"/>
+                </a:solidFill>
+                <a:latin typeface="Arial"/>
+              </a:rPr>
+              <a:t> </a:t>
+            </a:r>
+            <a:r>
+              <a:rPr b="0" lang="en-US" sz="3420" spc="-1" strike="noStrike">
+                <a:solidFill>
+                  <a:srgbClr val="000000"/>
+                </a:solidFill>
+                <a:latin typeface="Arial"/>
+              </a:rPr>
+              <a:t>Breaks up </a:t>
+            </a:r>
+            <a:r>
+              <a:rPr b="0" lang="en-US" sz="3420" spc="-1" strike="noStrike">
+                <a:solidFill>
+                  <a:srgbClr val="000000"/>
+                </a:solidFill>
+                <a:latin typeface="Arial"/>
+              </a:rPr>
+              <a:t>	</a:t>
+            </a:r>
+            <a:r>
+              <a:rPr b="0" lang="en-US" sz="3420" spc="-1" strike="noStrike">
+                <a:solidFill>
+                  <a:srgbClr val="000000"/>
+                </a:solidFill>
+                <a:latin typeface="Arial"/>
+              </a:rPr>
+              <a:t>publishing into two stages</a:t>
+            </a:r>
+            <a:endParaRPr b="0" lang="en-US" sz="3420" spc="-1" strike="noStrike">
+              <a:solidFill>
+                <a:srgbClr val="000000"/>
+              </a:solidFill>
+              <a:latin typeface="Arial"/>
+            </a:endParaRPr>
+          </a:p>
+          <a:p>
+            <a:pPr marL="432000" indent="-324000">
+              <a:spcBef>
+                <a:spcPts val="1417"/>
+              </a:spcBef>
               <a:buClr>
                 <a:srgbClr val="000000"/>
               </a:buClr>
@@ -16757,17 +16695,26 @@
               <a:buChar char=""/>
             </a:pPr>
             <a:r>
-              <a:rPr b="0" lang="en-US" sz="3200" spc="-1" strike="noStrike">
-                <a:latin typeface="Arial"/>
-              </a:rPr>
-              <a:t>A journal peer reviews a research design a questions to be asked before data is collected.</a:t>
-            </a:r>
-            <a:endParaRPr b="0" lang="en-US" sz="3200" spc="-1" strike="noStrike">
-              <a:latin typeface="Arial"/>
-            </a:endParaRPr>
-          </a:p>
-          <a:p>
-            <a:pPr lvl="2" marL="648000" indent="-216000" algn="ctr">
+              <a:rPr b="0" lang="en-US" sz="4550" spc="-1" strike="noStrike">
+                <a:solidFill>
+                  <a:srgbClr val="000000"/>
+                </a:solidFill>
+                <a:latin typeface="Arial"/>
+              </a:rPr>
+              <a:t>Stage 1: Peer Review before data collection/analysis</a:t>
+            </a:r>
+            <a:endParaRPr b="0" lang="en-US" sz="4550" spc="-1" strike="noStrike">
+              <a:solidFill>
+                <a:srgbClr val="000000"/>
+              </a:solidFill>
+              <a:latin typeface="Arial"/>
+            </a:endParaRPr>
+          </a:p>
+          <a:p>
+            <a:pPr marL="432000" indent="-324000">
+              <a:spcBef>
+                <a:spcPts val="1417"/>
+              </a:spcBef>
               <a:buClr>
                 <a:srgbClr val="000000"/>
               </a:buClr>
@@ -16776,188 +16723,18 @@
               <a:buChar char=""/>
             </a:pPr>
             <a:r>
-              <a:rPr b="0" lang="en-US" sz="3200" spc="-1" strike="noStrike">
-                <a:latin typeface="Arial"/>
-              </a:rPr>
-              <a:t> </a:t>
-            </a:r>
-            <a:r>
-              <a:rPr b="0" lang="en-US" sz="3200" spc="-1" strike="noStrike">
-                <a:latin typeface="Arial"/>
-              </a:rPr>
-              <a:t>Upon satisfactory and rigorous carrying out of data collection, paper is published regardless of results</a:t>
-            </a:r>
-            <a:endParaRPr b="0" lang="en-US" sz="3200" spc="-1" strike="noStrike">
-              <a:latin typeface="Arial"/>
-            </a:endParaRPr>
-          </a:p>
-          <a:p>
-            <a:pPr lvl="2" marL="648000" indent="-216000" algn="ctr">
-              <a:buClr>
-                <a:srgbClr val="000000"/>
-              </a:buClr>
-              <a:buSzPct val="45000"/>
-              <a:buFont typeface="Wingdings" charset="2"/>
-              <a:buChar char=""/>
-            </a:pPr>
-            <a:r>
-              <a:rPr b="0" lang="en-US" sz="3200" spc="-1" strike="noStrike">
-                <a:latin typeface="Arial"/>
-              </a:rPr>
-              <a:t>Helps cut down on the file drawer problem.</a:t>
-            </a:r>
-            <a:endParaRPr b="0" lang="en-US" sz="3200" spc="-1" strike="noStrike">
-              <a:latin typeface="Arial"/>
-            </a:endParaRPr>
-          </a:p>
-          <a:p>
-            <a:pPr lvl="2" marL="648000" indent="-216000" algn="ctr">
-              <a:buClr>
-                <a:srgbClr val="000000"/>
-              </a:buClr>
-              <a:buSzPct val="45000"/>
-              <a:buFont typeface="Wingdings" charset="2"/>
-              <a:buChar char=""/>
-            </a:pPr>
-            <a:r>
-              <a:rPr b="0" lang="en-US" sz="3200" spc="-1" strike="noStrike">
-                <a:latin typeface="Arial"/>
-              </a:rPr>
-              <a:t>Currently 156 journals use Registered Reports (including JDE)</a:t>
-            </a:r>
-            <a:endParaRPr b="0" lang="en-US" sz="3200" spc="-1" strike="noStrike">
-              <a:latin typeface="Arial"/>
-            </a:endParaRPr>
-          </a:p>
-        </p:txBody>
-      </p:sp>
-      <p:sp>
-        <p:nvSpPr>
-          <p:cNvPr id="187" name="TextShape 4"/>
-          <p:cNvSpPr txBox="1"/>
-          <p:nvPr/>
-        </p:nvSpPr>
-        <p:spPr>
-          <a:xfrm>
-            <a:off x="650520" y="2276280"/>
-            <a:ext cx="11703960" cy="6436440"/>
-          </a:xfrm>
-          <a:prstGeom prst="rect">
-            <a:avLst/>
-          </a:prstGeom>
-          <a:noFill/>
-          <a:ln>
-            <a:noFill/>
-          </a:ln>
-        </p:spPr>
-        <p:txBody>
-          <a:bodyPr lIns="90000" rIns="90000" tIns="45000" bIns="45000" anchor="ctr">
-            <a:spAutoFit/>
-          </a:bodyPr>
-          <a:p>
-            <a:pPr marL="216000" indent="-216000" algn="ctr">
-              <a:buClr>
-                <a:srgbClr val="000000"/>
-              </a:buClr>
-              <a:buSzPct val="45000"/>
-              <a:buFont typeface="Wingdings" charset="2"/>
-              <a:buChar char=""/>
-            </a:pPr>
-            <a:r>
-              <a:rPr b="0" lang="en-US" sz="3200" spc="-1" strike="noStrike">
-                <a:latin typeface="Arial"/>
-                <a:ea typeface="Noto Sans CJK SC"/>
-              </a:rPr>
-              <a:t>Similar to a pre-analysis plan, but needs the backing of journal</a:t>
-            </a:r>
-            <a:endParaRPr b="0" lang="en-US" sz="3200" spc="-1" strike="noStrike">
-              <a:latin typeface="Arial"/>
-            </a:endParaRPr>
-          </a:p>
-          <a:p>
-            <a:pPr marL="216000" indent="-216000" algn="ctr">
-              <a:buClr>
-                <a:srgbClr val="000000"/>
-              </a:buClr>
-              <a:buSzPct val="45000"/>
-              <a:buFont typeface="Wingdings" charset="2"/>
-              <a:buChar char=""/>
-            </a:pPr>
-            <a:r>
-              <a:rPr b="0" lang="en-US" sz="3200" spc="-1" strike="noStrike">
-                <a:latin typeface="Arial"/>
-                <a:ea typeface="Noto Sans CJK SC"/>
-              </a:rPr>
-              <a:t>A journal peer reviews a research design a questions to be asked before data is collected.</a:t>
-            </a:r>
-            <a:endParaRPr b="0" lang="en-US" sz="3200" spc="-1" strike="noStrike">
-              <a:latin typeface="Arial"/>
-            </a:endParaRPr>
-          </a:p>
-          <a:p>
-            <a:pPr lvl="2" marL="648000" indent="-216000" algn="ctr">
-              <a:buClr>
-                <a:srgbClr val="000000"/>
-              </a:buClr>
-              <a:buSzPct val="45000"/>
-              <a:buFont typeface="Wingdings" charset="2"/>
-              <a:buChar char=""/>
-            </a:pPr>
-            <a:r>
-              <a:rPr b="0" lang="en-US" sz="3200" spc="-1" strike="noStrike">
-                <a:latin typeface="Arial"/>
-                <a:ea typeface="Noto Sans CJK SC"/>
-              </a:rPr>
-              <a:t> </a:t>
-            </a:r>
-            <a:r>
-              <a:rPr b="0" lang="en-US" sz="3200" spc="-1" strike="noStrike">
-                <a:latin typeface="Arial"/>
-                <a:ea typeface="Noto Sans CJK SC"/>
-              </a:rPr>
-              <a:t>Upon satisfactory and rigorous carrying out of data collection, paper is published regardless of results</a:t>
-            </a:r>
-            <a:endParaRPr b="0" lang="en-US" sz="3200" spc="-1" strike="noStrike">
-              <a:latin typeface="Arial"/>
-            </a:endParaRPr>
-          </a:p>
-          <a:p>
-            <a:pPr lvl="2" marL="648000" indent="-216000" algn="ctr">
-              <a:buClr>
-                <a:srgbClr val="000000"/>
-              </a:buClr>
-              <a:buSzPct val="45000"/>
-              <a:buFont typeface="Wingdings" charset="2"/>
-              <a:buChar char=""/>
-            </a:pPr>
-            <a:r>
-              <a:rPr b="0" lang="en-US" sz="3200" spc="-1" strike="noStrike">
-                <a:latin typeface="Arial"/>
-                <a:ea typeface="Noto Sans CJK SC"/>
-              </a:rPr>
-              <a:t>Helps cut down on the file drawer problem.</a:t>
-            </a:r>
-            <a:endParaRPr b="0" lang="en-US" sz="3200" spc="-1" strike="noStrike">
-              <a:latin typeface="Arial"/>
-            </a:endParaRPr>
-          </a:p>
-          <a:p>
-            <a:pPr lvl="2" marL="648000" indent="-216000" algn="ctr">
-              <a:buClr>
-                <a:srgbClr val="000000"/>
-              </a:buClr>
-              <a:buSzPct val="45000"/>
-              <a:buFont typeface="Wingdings" charset="2"/>
-              <a:buChar char=""/>
-            </a:pPr>
-            <a:r>
-              <a:rPr b="0" lang="en-US" sz="3200" spc="-1" strike="noStrike">
-                <a:latin typeface="Arial"/>
-                <a:ea typeface="Noto Sans CJK SC"/>
-              </a:rPr>
-              <a:t>Currently 156 journals use Registered Reports (including JDE)</a:t>
-            </a:r>
-            <a:endParaRPr b="0" lang="en-US" sz="3200" spc="-1" strike="noStrike">
+              <a:rPr b="0" lang="en-US" sz="4550" spc="-1" strike="noStrike">
+                <a:solidFill>
+                  <a:srgbClr val="000000"/>
+                </a:solidFill>
+                <a:latin typeface="Arial"/>
+              </a:rPr>
+              <a:t>Stage 2: Review of quality of implementation and publication</a:t>
+            </a:r>
+            <a:endParaRPr b="0" lang="en-US" sz="4550" spc="-1" strike="noStrike">
+              <a:solidFill>
+                <a:srgbClr val="000000"/>
+              </a:solidFill>
               <a:latin typeface="Arial"/>
             </a:endParaRPr>
           </a:p>
@@ -17022,7 +16799,7 @@
       </p:grpSpPr>
       <p:sp>
         <p:nvSpPr>
-          <p:cNvPr id="188" name="TextShape 1"/>
+          <p:cNvPr id="187" name="TextShape 1"/>
           <p:cNvSpPr txBox="1"/>
           <p:nvPr/>
         </p:nvSpPr>
@@ -17052,7 +16829,7 @@
                 </a:solidFill>
                 <a:latin typeface="Helvetica Light"/>
               </a:rPr>
-              <a:t>JDE Registered Reports</a:t>
+              <a:t>Stage 1</a:t>
             </a:r>
             <a:endParaRPr b="0" lang="en-US" sz="3600" spc="-1" strike="noStrike">
               <a:solidFill>
@@ -17065,7 +16842,7 @@
       </p:sp>
       <p:sp>
         <p:nvSpPr>
-          <p:cNvPr id="189" name="TextShape 2"/>
+          <p:cNvPr id="188" name="TextShape 2"/>
           <p:cNvSpPr txBox="1"/>
           <p:nvPr/>
         </p:nvSpPr>
@@ -17084,7 +16861,7 @@
         </p:spPr>
         <p:txBody>
           <a:bodyPr lIns="0" rIns="0" tIns="0" bIns="0">
-            <a:normAutofit/>
+            <a:normAutofit fontScale="91000"/>
           </a:bodyPr>
           <a:p>
             <a:pPr marL="432000" indent="-324000">
@@ -17105,8 +16882,27 @@
                 </a:solidFill>
                 <a:latin typeface="Arial"/>
               </a:rPr>
-              <a:t>JDE has started a pilot Registered Reports </a:t>
-            </a:r>
+              <a:t>Editorial Board reviews for completeness and scope (as in regular publications)</a:t>
+            </a:r>
+            <a:endParaRPr b="0" lang="en-US" sz="4550" spc="-1" strike="noStrike">
+              <a:solidFill>
+                <a:srgbClr val="000000"/>
+              </a:solidFill>
+              <a:latin typeface="Arial"/>
+            </a:endParaRPr>
+          </a:p>
+          <a:p>
+            <a:pPr marL="432000" indent="-324000">
+              <a:spcBef>
+                <a:spcPts val="1417"/>
+              </a:spcBef>
+              <a:buClr>
+                <a:srgbClr val="000000"/>
+              </a:buClr>
+              <a:buSzPct val="45000"/>
+              <a:buFont typeface="Wingdings" charset="2"/>
+              <a:buChar char=""/>
+            </a:pPr>
             <a:r>
               <a:rPr b="0" lang="en-US" sz="4550" spc="-1" strike="noStrike">
                 <a:solidFill>
@@ -17114,7 +16910,7 @@
                 </a:solidFill>
                 <a:latin typeface="Arial"/>
               </a:rPr>
-              <a:t>project (partially funded by BITSS)</a:t>
+              <a:t>Then gets sent for peer review</a:t>
             </a:r>
             <a:endParaRPr b="0" lang="en-US" sz="4550" spc="-1" strike="noStrike">
               <a:solidFill>
@@ -17142,8 +16938,27 @@
                 </a:solidFill>
                 <a:latin typeface="Arial"/>
               </a:rPr>
-              <a:t> </a:t>
-            </a:r>
+              <a:t>Importance of research question</a:t>
+            </a:r>
+            <a:endParaRPr b="0" lang="en-US" sz="3420" spc="-1" strike="noStrike">
+              <a:solidFill>
+                <a:srgbClr val="000000"/>
+              </a:solidFill>
+              <a:latin typeface="Arial"/>
+            </a:endParaRPr>
+          </a:p>
+          <a:p>
+            <a:pPr lvl="1" marL="864000" indent="-324000">
+              <a:spcBef>
+                <a:spcPts val="1134"/>
+              </a:spcBef>
+              <a:buClr>
+                <a:srgbClr val="000000"/>
+              </a:buClr>
+              <a:buSzPct val="75000"/>
+              <a:buFont typeface="Symbol" charset="2"/>
+              <a:buChar char=""/>
+            </a:pPr>
             <a:r>
               <a:rPr b="0" lang="en-US" sz="3420" spc="-1" strike="noStrike">
                 <a:solidFill>
@@ -17151,8 +16966,27 @@
                 </a:solidFill>
                 <a:latin typeface="Arial"/>
               </a:rPr>
-              <a:t>Breaks up </a:t>
-            </a:r>
+              <a:t>Replicability</a:t>
+            </a:r>
+            <a:endParaRPr b="0" lang="en-US" sz="3420" spc="-1" strike="noStrike">
+              <a:solidFill>
+                <a:srgbClr val="000000"/>
+              </a:solidFill>
+              <a:latin typeface="Arial"/>
+            </a:endParaRPr>
+          </a:p>
+          <a:p>
+            <a:pPr lvl="1" marL="864000" indent="-324000">
+              <a:spcBef>
+                <a:spcPts val="1134"/>
+              </a:spcBef>
+              <a:buClr>
+                <a:srgbClr val="000000"/>
+              </a:buClr>
+              <a:buSzPct val="75000"/>
+              <a:buFont typeface="Symbol" charset="2"/>
+              <a:buChar char=""/>
+            </a:pPr>
             <a:r>
               <a:rPr b="0" lang="en-US" sz="3420" spc="-1" strike="noStrike">
                 <a:solidFill>
@@ -17160,8 +16994,27 @@
                 </a:solidFill>
                 <a:latin typeface="Arial"/>
               </a:rPr>
-              <a:t>	</a:t>
-            </a:r>
+              <a:t>Pre-specified hypotheses</a:t>
+            </a:r>
+            <a:endParaRPr b="0" lang="en-US" sz="3420" spc="-1" strike="noStrike">
+              <a:solidFill>
+                <a:srgbClr val="000000"/>
+              </a:solidFill>
+              <a:latin typeface="Arial"/>
+            </a:endParaRPr>
+          </a:p>
+          <a:p>
+            <a:pPr lvl="1" marL="864000" indent="-324000">
+              <a:spcBef>
+                <a:spcPts val="1134"/>
+              </a:spcBef>
+              <a:buClr>
+                <a:srgbClr val="000000"/>
+              </a:buClr>
+              <a:buSzPct val="75000"/>
+              <a:buFont typeface="Symbol" charset="2"/>
+              <a:buChar char=""/>
+            </a:pPr>
             <a:r>
               <a:rPr b="0" lang="en-US" sz="3420" spc="-1" strike="noStrike">
                 <a:solidFill>
@@ -17169,7 +17022,7 @@
                 </a:solidFill>
                 <a:latin typeface="Arial"/>
               </a:rPr>
-              <a:t>publishing into two stages</a:t>
+              <a:t>Data quality checks</a:t>
             </a:r>
             <a:endParaRPr b="0" lang="en-US" sz="3420" spc="-1" strike="noStrike">
               <a:solidFill>
@@ -17197,53 +17050,7 @@
                 </a:solidFill>
                 <a:latin typeface="Arial"/>
               </a:rPr>
-              <a:t>Stage 1: Peer Review before data </a:t>
-            </a:r>
-            <a:r>
-              <a:rPr b="0" lang="en-US" sz="4550" spc="-1" strike="noStrike">
-                <a:solidFill>
-                  <a:srgbClr val="000000"/>
-                </a:solidFill>
-                <a:latin typeface="Arial"/>
-              </a:rPr>
-              <a:t>collection/analysis</a:t>
-            </a:r>
-            <a:endParaRPr b="0" lang="en-US" sz="4550" spc="-1" strike="noStrike">
-              <a:solidFill>
-                <a:srgbClr val="000000"/>
-              </a:solidFill>
-              <a:latin typeface="Arial"/>
-            </a:endParaRPr>
-          </a:p>
-          <a:p>
-            <a:pPr marL="432000" indent="-324000">
-              <a:spcBef>
-                <a:spcPts val="1417"/>
-              </a:spcBef>
-              <a:buClr>
-                <a:srgbClr val="000000"/>
-              </a:buClr>
-              <a:buSzPct val="45000"/>
-              <a:buFont typeface="Wingdings" charset="2"/>
-              <a:buChar char=""/>
-            </a:pPr>
-            <a:r>
-              <a:rPr b="0" lang="en-US" sz="4550" spc="-1" strike="noStrike">
-                <a:solidFill>
-                  <a:srgbClr val="000000"/>
-                </a:solidFill>
-                <a:latin typeface="Arial"/>
-              </a:rPr>
-              <a:t>Stage 2: Review of quality of </a:t>
-            </a:r>
-            <a:r>
-              <a:rPr b="0" lang="en-US" sz="4550" spc="-1" strike="noStrike">
-                <a:solidFill>
-                  <a:srgbClr val="000000"/>
-                </a:solidFill>
-                <a:latin typeface="Arial"/>
-              </a:rPr>
-              <a:t>implementation and publication</a:t>
+              <a:t>If accepted, Stage 1 will become supplementary material for the Stage 2 Paper</a:t>
             </a:r>
             <a:endParaRPr b="0" lang="en-US" sz="4550" spc="-1" strike="noStrike">
               <a:solidFill>
@@ -17313,7 +17120,7 @@
       </p:grpSpPr>
       <p:sp>
         <p:nvSpPr>
-          <p:cNvPr id="190" name="TextShape 1"/>
+          <p:cNvPr id="189" name="TextShape 1"/>
           <p:cNvSpPr txBox="1"/>
           <p:nvPr/>
         </p:nvSpPr>
@@ -17343,7 +17150,7 @@
                 </a:solidFill>
                 <a:latin typeface="Helvetica Light"/>
               </a:rPr>
-              <a:t>Stage 1</a:t>
+              <a:t>Between Pre-Results Acceptance and Stage 2</a:t>
             </a:r>
             <a:endParaRPr b="0" lang="en-US" sz="3600" spc="-1" strike="noStrike">
               <a:solidFill>
@@ -17356,7 +17163,7 @@
       </p:sp>
       <p:sp>
         <p:nvSpPr>
-          <p:cNvPr id="191" name="TextShape 2"/>
+          <p:cNvPr id="190" name="TextShape 2"/>
           <p:cNvSpPr txBox="1"/>
           <p:nvPr/>
         </p:nvSpPr>
@@ -17375,7 +17182,7 @@
         </p:spPr>
         <p:txBody>
           <a:bodyPr lIns="0" rIns="0" tIns="0" bIns="0">
-            <a:normAutofit fontScale="91000"/>
+            <a:normAutofit/>
           </a:bodyPr>
           <a:p>
             <a:pPr marL="432000" indent="-324000">
@@ -17396,7 +17203,16 @@
                 </a:solidFill>
                 <a:latin typeface="Arial"/>
               </a:rPr>
-              <a:t>Editorial Board reviews for completeness and scope (as in regular publications)</a:t>
+              <a:t>Data collection keeping in mind that data </a:t>
+            </a:r>
+            <a:r>
+              <a:rPr b="0" lang="en-US" sz="4550" spc="-1" strike="noStrike">
+                <a:solidFill>
+                  <a:srgbClr val="000000"/>
+                </a:solidFill>
+                <a:latin typeface="Arial"/>
+              </a:rPr>
+              <a:t>will be posted online (with some caveats)</a:t>
             </a:r>
             <a:endParaRPr b="0" lang="en-US" sz="4550" spc="-1" strike="noStrike">
               <a:solidFill>
@@ -17424,121 +17240,9 @@
                 </a:solidFill>
                 <a:latin typeface="Arial"/>
               </a:rPr>
-              <a:t>Then gets sent for peer review</a:t>
+              <a:t>Stage 1 can be withdrawn at any time</a:t>
             </a:r>
             <a:endParaRPr b="0" lang="en-US" sz="4550" spc="-1" strike="noStrike">
-              <a:solidFill>
-                <a:srgbClr val="000000"/>
-              </a:solidFill>
-              <a:latin typeface="Arial"/>
-            </a:endParaRPr>
-          </a:p>
-          <a:p>
-            <a:pPr lvl="1" marL="864000" indent="-324000">
-              <a:spcBef>
-                <a:spcPts val="1134"/>
-              </a:spcBef>
-              <a:buClr>
-                <a:srgbClr val="000000"/>
-              </a:buClr>
-              <a:buSzPct val="75000"/>
-              <a:buFont typeface="Symbol" charset="2"/>
-              <a:buChar char=""/>
-            </a:pPr>
-            <a:r>
-              <a:rPr b="0" lang="en-US" sz="3420" spc="-1" strike="noStrike">
-                <a:solidFill>
-                  <a:srgbClr val="000000"/>
-                </a:solidFill>
-                <a:latin typeface="Arial"/>
-              </a:rPr>
-              <a:t>Importance of research question</a:t>
-            </a:r>
-            <a:endParaRPr b="0" lang="en-US" sz="3420" spc="-1" strike="noStrike">
-              <a:solidFill>
-                <a:srgbClr val="000000"/>
-              </a:solidFill>
-              <a:latin typeface="Arial"/>
-            </a:endParaRPr>
-          </a:p>
-          <a:p>
-            <a:pPr lvl="1" marL="864000" indent="-324000">
-              <a:spcBef>
-                <a:spcPts val="1134"/>
-              </a:spcBef>
-              <a:buClr>
-                <a:srgbClr val="000000"/>
-              </a:buClr>
-              <a:buSzPct val="75000"/>
-              <a:buFont typeface="Symbol" charset="2"/>
-              <a:buChar char=""/>
-            </a:pPr>
-            <a:r>
-              <a:rPr b="0" lang="en-US" sz="3420" spc="-1" strike="noStrike">
-                <a:solidFill>
-                  <a:srgbClr val="000000"/>
-                </a:solidFill>
-                <a:latin typeface="Arial"/>
-              </a:rPr>
-              <a:t>Replicability</a:t>
-            </a:r>
-            <a:endParaRPr b="0" lang="en-US" sz="3420" spc="-1" strike="noStrike">
-              <a:solidFill>
-                <a:srgbClr val="000000"/>
-              </a:solidFill>
-              <a:latin typeface="Arial"/>
-            </a:endParaRPr>
-          </a:p>
-          <a:p>
-            <a:pPr lvl="1" marL="864000" indent="-324000">
-              <a:spcBef>
-                <a:spcPts val="1134"/>
-              </a:spcBef>
-              <a:buClr>
-                <a:srgbClr val="000000"/>
-              </a:buClr>
-              <a:buSzPct val="75000"/>
-              <a:buFont typeface="Symbol" charset="2"/>
-              <a:buChar char=""/>
-            </a:pPr>
-            <a:r>
-              <a:rPr b="0" lang="en-US" sz="3420" spc="-1" strike="noStrike">
-                <a:solidFill>
-                  <a:srgbClr val="000000"/>
-                </a:solidFill>
-                <a:latin typeface="Arial"/>
-              </a:rPr>
-              <a:t>Pre-specified hypotheses</a:t>
-            </a:r>
-            <a:endParaRPr b="0" lang="en-US" sz="3420" spc="-1" strike="noStrike">
-              <a:solidFill>
-                <a:srgbClr val="000000"/>
-              </a:solidFill>
-              <a:latin typeface="Arial"/>
-            </a:endParaRPr>
-          </a:p>
-          <a:p>
-            <a:pPr lvl="1" marL="864000" indent="-324000">
-              <a:spcBef>
-                <a:spcPts val="1134"/>
-              </a:spcBef>
-              <a:buClr>
-                <a:srgbClr val="000000"/>
-              </a:buClr>
-              <a:buSzPct val="75000"/>
-              <a:buFont typeface="Symbol" charset="2"/>
-              <a:buChar char=""/>
-            </a:pPr>
-            <a:r>
-              <a:rPr b="0" lang="en-US" sz="3420" spc="-1" strike="noStrike">
-                <a:solidFill>
-                  <a:srgbClr val="000000"/>
-                </a:solidFill>
-                <a:latin typeface="Arial"/>
-              </a:rPr>
-              <a:t>Data quality checks</a:t>
-            </a:r>
-            <a:endParaRPr b="0" lang="en-US" sz="3420" spc="-1" strike="noStrike">
               <a:solidFill>
                 <a:srgbClr val="000000"/>
               </a:solidFill>
@@ -17564,8 +17268,45 @@
                 </a:solidFill>
                 <a:latin typeface="Arial"/>
               </a:rPr>
-              <a:t>If accepted, Stage 1 will become supplementary material for the Stage 2 Paper</a:t>
-            </a:r>
+              <a:t>Deviations from Stage 1 should be </a:t>
+            </a:r>
+            <a:r>
+              <a:rPr b="0" lang="en-US" sz="4550" spc="-1" strike="noStrike">
+                <a:solidFill>
+                  <a:srgbClr val="000000"/>
+                </a:solidFill>
+                <a:latin typeface="Arial"/>
+              </a:rPr>
+              <a:t>documented and included in Stage 2 </a:t>
+            </a:r>
+            <a:r>
+              <a:rPr b="0" lang="en-US" sz="4550" spc="-1" strike="noStrike">
+                <a:solidFill>
+                  <a:srgbClr val="000000"/>
+                </a:solidFill>
+                <a:latin typeface="Arial"/>
+              </a:rPr>
+              <a:t>manuscript.</a:t>
+            </a:r>
+            <a:endParaRPr b="0" lang="en-US" sz="4550" spc="-1" strike="noStrike">
+              <a:solidFill>
+                <a:srgbClr val="000000"/>
+              </a:solidFill>
+              <a:latin typeface="Arial"/>
+            </a:endParaRPr>
+          </a:p>
+          <a:p>
+            <a:pPr marL="432000" indent="-324000">
+              <a:spcBef>
+                <a:spcPts val="1417"/>
+              </a:spcBef>
+              <a:buClr>
+                <a:srgbClr val="000000"/>
+              </a:buClr>
+              <a:buSzPct val="45000"/>
+              <a:buFont typeface="Wingdings" charset="2"/>
+              <a:buChar char=""/>
+            </a:pPr>
             <a:endParaRPr b="0" lang="en-US" sz="4550" spc="-1" strike="noStrike">
               <a:solidFill>
                 <a:srgbClr val="000000"/>
@@ -17634,7 +17375,7 @@
       </p:grpSpPr>
       <p:sp>
         <p:nvSpPr>
-          <p:cNvPr id="192" name="TextShape 1"/>
+          <p:cNvPr id="191" name="TextShape 1"/>
           <p:cNvSpPr txBox="1"/>
           <p:nvPr/>
         </p:nvSpPr>
@@ -17664,7 +17405,7 @@
                 </a:solidFill>
                 <a:latin typeface="Helvetica Light"/>
               </a:rPr>
-              <a:t>Between Pre-Results Acceptance and Stage 2</a:t>
+              <a:t>Stage 2</a:t>
             </a:r>
             <a:endParaRPr b="0" lang="en-US" sz="3600" spc="-1" strike="noStrike">
               <a:solidFill>
@@ -17677,7 +17418,7 @@
       </p:sp>
       <p:sp>
         <p:nvSpPr>
-          <p:cNvPr id="193" name="TextShape 2"/>
+          <p:cNvPr id="192" name="TextShape 2"/>
           <p:cNvSpPr txBox="1"/>
           <p:nvPr/>
         </p:nvSpPr>
@@ -17717,7 +17458,7 @@
                 </a:solidFill>
                 <a:latin typeface="Arial"/>
               </a:rPr>
-              <a:t>Data collection keeping in mind that data will be posted online (with some caveats)</a:t>
+              <a:t>The paper with results</a:t>
             </a:r>
             <a:endParaRPr b="0" lang="en-US" sz="4550" spc="-1" strike="noStrike">
               <a:solidFill>
@@ -17745,7 +17486,7 @@
                 </a:solidFill>
                 <a:latin typeface="Arial"/>
               </a:rPr>
-              <a:t>Stage 1 can be withdrawn at any time</a:t>
+              <a:t>All prespecified hypotheses must be included</a:t>
             </a:r>
             <a:endParaRPr b="0" lang="en-US" sz="4550" spc="-1" strike="noStrike">
               <a:solidFill>
@@ -17773,7 +17514,7 @@
                 </a:solidFill>
                 <a:latin typeface="Arial"/>
               </a:rPr>
-              <a:t>Deviations from Stage 1 should be documented and included in Stage 2 manuscript.</a:t>
+              <a:t>Exploratory analysis can be included but must be designated as such.</a:t>
             </a:r>
             <a:endParaRPr b="0" lang="en-US" sz="4550" spc="-1" strike="noStrike">
               <a:solidFill>
@@ -17794,6 +17535,15 @@
               <a:buFont typeface="Wingdings" charset="2"/>
               <a:buChar char=""/>
             </a:pPr>
+            <a:r>
+              <a:rPr b="0" lang="en-US" sz="4550" spc="-1" strike="noStrike">
+                <a:solidFill>
+                  <a:srgbClr val="000000"/>
+                </a:solidFill>
+                <a:latin typeface="Arial"/>
+              </a:rPr>
+              <a:t>Stage 2 reviewers are same as Stage 1, but they can invite new ones as well.</a:t>
+            </a:r>
             <a:endParaRPr b="0" lang="en-US" sz="4550" spc="-1" strike="noStrike">
               <a:solidFill>
                 <a:srgbClr val="000000"/>
@@ -17862,7 +17612,7 @@
       </p:grpSpPr>
       <p:sp>
         <p:nvSpPr>
-          <p:cNvPr id="194" name="TextShape 1"/>
+          <p:cNvPr id="193" name="TextShape 1"/>
           <p:cNvSpPr txBox="1"/>
           <p:nvPr/>
         </p:nvSpPr>
@@ -17892,7 +17642,7 @@
                 </a:solidFill>
                 <a:latin typeface="Helvetica Light"/>
               </a:rPr>
-              <a:t>Stage 2</a:t>
+              <a:t>Stage 2 Review</a:t>
             </a:r>
             <a:endParaRPr b="0" lang="en-US" sz="3600" spc="-1" strike="noStrike">
               <a:solidFill>
@@ -17905,7 +17655,7 @@
       </p:sp>
       <p:sp>
         <p:nvSpPr>
-          <p:cNvPr id="195" name="TextShape 2"/>
+          <p:cNvPr id="194" name="TextShape 2"/>
           <p:cNvSpPr txBox="1"/>
           <p:nvPr/>
         </p:nvSpPr>
@@ -17924,7 +17674,7 @@
         </p:spPr>
         <p:txBody>
           <a:bodyPr lIns="0" rIns="0" tIns="0" bIns="0">
-            <a:normAutofit/>
+            <a:normAutofit fontScale="56000"/>
           </a:bodyPr>
           <a:p>
             <a:pPr marL="432000" indent="-324000">
@@ -17945,7 +17695,7 @@
                 </a:solidFill>
                 <a:latin typeface="Arial"/>
               </a:rPr>
-              <a:t>The paper with results</a:t>
+              <a:t>Was it implemented according to the research design prespecified in Stage 1</a:t>
             </a:r>
             <a:endParaRPr b="0" lang="en-US" sz="4550" spc="-1" strike="noStrike">
               <a:solidFill>
@@ -17973,9 +17723,65 @@
                 </a:solidFill>
                 <a:latin typeface="Arial"/>
               </a:rPr>
-              <a:t>All prespecified hypotheses must be included</a:t>
+              <a:t>Is data of sufficient quality to test hypotheses</a:t>
             </a:r>
             <a:endParaRPr b="0" lang="en-US" sz="4550" spc="-1" strike="noStrike">
+              <a:solidFill>
+                <a:srgbClr val="000000"/>
+              </a:solidFill>
+              <a:latin typeface="Arial"/>
+            </a:endParaRPr>
+          </a:p>
+          <a:p>
+            <a:pPr lvl="1" marL="864000" indent="-324000">
+              <a:spcBef>
+                <a:spcPts val="1134"/>
+              </a:spcBef>
+              <a:buClr>
+                <a:srgbClr val="000000"/>
+              </a:buClr>
+              <a:buSzPct val="75000"/>
+              <a:buFont typeface="Symbol" charset="2"/>
+              <a:buChar char=""/>
+            </a:pPr>
+            <a:r>
+              <a:rPr b="0" lang="en-US" sz="3420" spc="-1" strike="noStrike">
+                <a:solidFill>
+                  <a:srgbClr val="000000"/>
+                </a:solidFill>
+                <a:latin typeface="Arial"/>
+              </a:rPr>
+              <a:t>Power?</a:t>
+            </a:r>
+            <a:endParaRPr b="0" lang="en-US" sz="3420" spc="-1" strike="noStrike">
+              <a:solidFill>
+                <a:srgbClr val="000000"/>
+              </a:solidFill>
+              <a:latin typeface="Arial"/>
+            </a:endParaRPr>
+          </a:p>
+          <a:p>
+            <a:pPr lvl="1" marL="864000" indent="-324000">
+              <a:spcBef>
+                <a:spcPts val="1134"/>
+              </a:spcBef>
+              <a:buClr>
+                <a:srgbClr val="000000"/>
+              </a:buClr>
+              <a:buSzPct val="75000"/>
+              <a:buFont typeface="Symbol" charset="2"/>
+              <a:buChar char=""/>
+            </a:pPr>
+            <a:r>
+              <a:rPr b="0" lang="en-US" sz="3420" spc="-1" strike="noStrike">
+                <a:solidFill>
+                  <a:srgbClr val="000000"/>
+                </a:solidFill>
+                <a:latin typeface="Arial"/>
+              </a:rPr>
+              <a:t>Data checks made?</a:t>
+            </a:r>
+            <a:endParaRPr b="0" lang="en-US" sz="3420" spc="-1" strike="noStrike">
               <a:solidFill>
                 <a:srgbClr val="000000"/>
               </a:solidFill>
@@ -18001,7 +17807,7 @@
                 </a:solidFill>
                 <a:latin typeface="Arial"/>
               </a:rPr>
-              <a:t>Exploratory analysis can be included but must be designated as such.</a:t>
+              <a:t>Were deviations justified?</a:t>
             </a:r>
             <a:endParaRPr b="0" lang="en-US" sz="4550" spc="-1" strike="noStrike">
               <a:solidFill>
@@ -18029,7 +17835,63 @@
                 </a:solidFill>
                 <a:latin typeface="Arial"/>
               </a:rPr>
-              <a:t>Stage 2 reviewers are same as Stage 1, but they can invite new ones as well.</a:t>
+              <a:t>Exploratory analysis justified?</a:t>
+            </a:r>
+            <a:endParaRPr b="0" lang="en-US" sz="4550" spc="-1" strike="noStrike">
+              <a:solidFill>
+                <a:srgbClr val="000000"/>
+              </a:solidFill>
+              <a:latin typeface="Arial"/>
+            </a:endParaRPr>
+          </a:p>
+          <a:p>
+            <a:pPr marL="432000" indent="-324000">
+              <a:spcBef>
+                <a:spcPts val="1417"/>
+              </a:spcBef>
+              <a:buClr>
+                <a:srgbClr val="000000"/>
+              </a:buClr>
+              <a:buSzPct val="45000"/>
+              <a:buFont typeface="Wingdings" charset="2"/>
+              <a:buChar char=""/>
+            </a:pPr>
+            <a:r>
+              <a:rPr b="0" lang="en-US" sz="4550" spc="-1" strike="noStrike">
+                <a:solidFill>
+                  <a:srgbClr val="000000"/>
+                </a:solidFill>
+                <a:latin typeface="Arial"/>
+              </a:rPr>
+              <a:t>Is author’s interpretation consistent with data and findings?</a:t>
+            </a:r>
+            <a:endParaRPr b="0" lang="en-US" sz="4550" spc="-1" strike="noStrike">
+              <a:solidFill>
+                <a:srgbClr val="000000"/>
+              </a:solidFill>
+              <a:latin typeface="Arial"/>
+            </a:endParaRPr>
+          </a:p>
+          <a:p>
+            <a:pPr marL="432000" indent="-324000">
+              <a:spcBef>
+                <a:spcPts val="1417"/>
+              </a:spcBef>
+              <a:buClr>
+                <a:srgbClr val="000000"/>
+              </a:buClr>
+              <a:buSzPct val="45000"/>
+              <a:buFont typeface="Wingdings" charset="2"/>
+              <a:buChar char=""/>
+            </a:pPr>
+            <a:r>
+              <a:rPr b="0" lang="en-US" sz="4550" spc="-1" strike="noStrike">
+                <a:solidFill>
+                  <a:srgbClr val="000000"/>
+                </a:solidFill>
+                <a:latin typeface="Arial"/>
+              </a:rPr>
+              <a:t>Editorial Decisions will not be based on perceived importance, novelty or conlusiveness of results.</a:t>
             </a:r>
             <a:endParaRPr b="0" lang="en-US" sz="4550" spc="-1" strike="noStrike">
               <a:solidFill>
@@ -18099,7 +17961,7 @@
       </p:grpSpPr>
       <p:sp>
         <p:nvSpPr>
-          <p:cNvPr id="196" name="TextShape 1"/>
+          <p:cNvPr id="195" name="TextShape 1"/>
           <p:cNvSpPr txBox="1"/>
           <p:nvPr/>
         </p:nvSpPr>
@@ -18129,7 +17991,7 @@
                 </a:solidFill>
                 <a:latin typeface="Helvetica Light"/>
               </a:rPr>
-              <a:t>Stage 2 Review</a:t>
+              <a:t>Hands-on</a:t>
             </a:r>
             <a:endParaRPr b="0" lang="en-US" sz="3600" spc="-1" strike="noStrike">
               <a:solidFill>
@@ -18142,7 +18004,7 @@
       </p:sp>
       <p:sp>
         <p:nvSpPr>
-          <p:cNvPr id="197" name="TextShape 2"/>
+          <p:cNvPr id="196" name="TextShape 2"/>
           <p:cNvSpPr txBox="1"/>
           <p:nvPr/>
         </p:nvSpPr>
@@ -18161,7 +18023,7 @@
         </p:spPr>
         <p:txBody>
           <a:bodyPr lIns="0" rIns="0" tIns="0" bIns="0">
-            <a:normAutofit fontScale="56000"/>
+            <a:normAutofit/>
           </a:bodyPr>
           <a:p>
             <a:pPr marL="432000" indent="-324000">
@@ -18182,9 +18044,38 @@
                 </a:solidFill>
                 <a:latin typeface="Arial"/>
               </a:rPr>
-              <a:t>Was it implemented according to the research design prespecified in Stage 1</a:t>
+              <a:t>To start a preregistration, go to:</a:t>
             </a:r>
             <a:endParaRPr b="0" lang="en-US" sz="4550" spc="-1" strike="noStrike">
+              <a:solidFill>
+                <a:srgbClr val="000000"/>
+              </a:solidFill>
+              <a:latin typeface="Arial"/>
+            </a:endParaRPr>
+          </a:p>
+          <a:p>
+            <a:pPr lvl="1" marL="864000" indent="-324000">
+              <a:spcBef>
+                <a:spcPts val="1134"/>
+              </a:spcBef>
+              <a:buClr>
+                <a:srgbClr val="000000"/>
+              </a:buClr>
+              <a:buSzPct val="75000"/>
+              <a:buFont typeface="Symbol" charset="2"/>
+              <a:buChar char=""/>
+            </a:pPr>
+            <a:r>
+              <a:rPr b="0" lang="en-US" sz="3420" spc="-1" strike="noStrike">
+                <a:solidFill>
+                  <a:srgbClr val="000000"/>
+                </a:solidFill>
+                <a:latin typeface="Arial"/>
+                <a:hlinkClick r:id="rId1"/>
+              </a:rPr>
+              <a:t>https://osf.io/prereg/</a:t>
+            </a:r>
+            <a:endParaRPr b="0" lang="en-US" sz="3420" spc="-1" strike="noStrike">
               <a:solidFill>
                 <a:srgbClr val="000000"/>
               </a:solidFill>
@@ -18203,184 +18094,7 @@
               <a:buFont typeface="Wingdings" charset="2"/>
               <a:buChar char=""/>
             </a:pPr>
-            <a:r>
-              <a:rPr b="0" lang="en-US" sz="4550" spc="-1" strike="noStrike">
-                <a:solidFill>
-                  <a:srgbClr val="000000"/>
-                </a:solidFill>
-                <a:latin typeface="Arial"/>
-              </a:rPr>
-              <a:t>Is data of sufficient quality to test hypotheses</a:t>
-            </a:r>
-            <a:endParaRPr b="0" lang="en-US" sz="4550" spc="-1" strike="noStrike">
-              <a:solidFill>
-                <a:srgbClr val="000000"/>
-              </a:solidFill>
-              <a:latin typeface="Arial"/>
-            </a:endParaRPr>
-          </a:p>
-          <a:p>
-            <a:pPr lvl="1" marL="864000" indent="-324000">
-              <a:spcBef>
-                <a:spcPts val="1134"/>
-              </a:spcBef>
-              <a:buClr>
-                <a:srgbClr val="000000"/>
-              </a:buClr>
-              <a:buSzPct val="75000"/>
-              <a:buFont typeface="Symbol" charset="2"/>
-              <a:buChar char=""/>
-            </a:pPr>
-            <a:r>
-              <a:rPr b="0" lang="en-US" sz="3420" spc="-1" strike="noStrike">
-                <a:solidFill>
-                  <a:srgbClr val="000000"/>
-                </a:solidFill>
-                <a:latin typeface="Arial"/>
-              </a:rPr>
-              <a:t>Power?</a:t>
-            </a:r>
             <a:endParaRPr b="0" lang="en-US" sz="3420" spc="-1" strike="noStrike">
-              <a:solidFill>
-                <a:srgbClr val="000000"/>
-              </a:solidFill>
-              <a:latin typeface="Arial"/>
-            </a:endParaRPr>
-          </a:p>
-          <a:p>
-            <a:pPr lvl="1" marL="864000" indent="-324000">
-              <a:spcBef>
-                <a:spcPts val="1134"/>
-              </a:spcBef>
-              <a:buClr>
-                <a:srgbClr val="000000"/>
-              </a:buClr>
-              <a:buSzPct val="75000"/>
-              <a:buFont typeface="Symbol" charset="2"/>
-              <a:buChar char=""/>
-            </a:pPr>
-            <a:r>
-              <a:rPr b="0" lang="en-US" sz="3420" spc="-1" strike="noStrike">
-                <a:solidFill>
-                  <a:srgbClr val="000000"/>
-                </a:solidFill>
-                <a:latin typeface="Arial"/>
-              </a:rPr>
-              <a:t>Data checks made?</a:t>
-            </a:r>
-            <a:endParaRPr b="0" lang="en-US" sz="3420" spc="-1" strike="noStrike">
-              <a:solidFill>
-                <a:srgbClr val="000000"/>
-              </a:solidFill>
-              <a:latin typeface="Arial"/>
-            </a:endParaRPr>
-          </a:p>
-          <a:p>
-            <a:pPr marL="432000" indent="-324000">
-              <a:spcBef>
-                <a:spcPts val="1417"/>
-              </a:spcBef>
-              <a:buClr>
-                <a:srgbClr val="000000"/>
-              </a:buClr>
-              <a:buSzPct val="45000"/>
-              <a:buFont typeface="Wingdings" charset="2"/>
-              <a:buChar char=""/>
-            </a:pPr>
-            <a:r>
-              <a:rPr b="0" lang="en-US" sz="4550" spc="-1" strike="noStrike">
-                <a:solidFill>
-                  <a:srgbClr val="000000"/>
-                </a:solidFill>
-                <a:latin typeface="Arial"/>
-              </a:rPr>
-              <a:t>Were deviations justified?</a:t>
-            </a:r>
-            <a:endParaRPr b="0" lang="en-US" sz="4550" spc="-1" strike="noStrike">
-              <a:solidFill>
-                <a:srgbClr val="000000"/>
-              </a:solidFill>
-              <a:latin typeface="Arial"/>
-            </a:endParaRPr>
-          </a:p>
-          <a:p>
-            <a:pPr marL="432000" indent="-324000">
-              <a:spcBef>
-                <a:spcPts val="1417"/>
-              </a:spcBef>
-              <a:buClr>
-                <a:srgbClr val="000000"/>
-              </a:buClr>
-              <a:buSzPct val="45000"/>
-              <a:buFont typeface="Wingdings" charset="2"/>
-              <a:buChar char=""/>
-            </a:pPr>
-            <a:r>
-              <a:rPr b="0" lang="en-US" sz="4550" spc="-1" strike="noStrike">
-                <a:solidFill>
-                  <a:srgbClr val="000000"/>
-                </a:solidFill>
-                <a:latin typeface="Arial"/>
-              </a:rPr>
-              <a:t>Exploratory analysis justified?</a:t>
-            </a:r>
-            <a:endParaRPr b="0" lang="en-US" sz="4550" spc="-1" strike="noStrike">
-              <a:solidFill>
-                <a:srgbClr val="000000"/>
-              </a:solidFill>
-              <a:latin typeface="Arial"/>
-            </a:endParaRPr>
-          </a:p>
-          <a:p>
-            <a:pPr marL="432000" indent="-324000">
-              <a:spcBef>
-                <a:spcPts val="1417"/>
-              </a:spcBef>
-              <a:buClr>
-                <a:srgbClr val="000000"/>
-              </a:buClr>
-              <a:buSzPct val="45000"/>
-              <a:buFont typeface="Wingdings" charset="2"/>
-              <a:buChar char=""/>
-            </a:pPr>
-            <a:r>
-              <a:rPr b="0" lang="en-US" sz="4550" spc="-1" strike="noStrike">
-                <a:solidFill>
-                  <a:srgbClr val="000000"/>
-                </a:solidFill>
-                <a:latin typeface="Arial"/>
-              </a:rPr>
-              <a:t>Is author’s interpretation consistent with data and findings?</a:t>
-            </a:r>
-            <a:endParaRPr b="0" lang="en-US" sz="4550" spc="-1" strike="noStrike">
-              <a:solidFill>
-                <a:srgbClr val="000000"/>
-              </a:solidFill>
-              <a:latin typeface="Arial"/>
-            </a:endParaRPr>
-          </a:p>
-          <a:p>
-            <a:pPr marL="432000" indent="-324000">
-              <a:spcBef>
-                <a:spcPts val="1417"/>
-              </a:spcBef>
-              <a:buClr>
-                <a:srgbClr val="000000"/>
-              </a:buClr>
-              <a:buSzPct val="45000"/>
-              <a:buFont typeface="Wingdings" charset="2"/>
-              <a:buChar char=""/>
-            </a:pPr>
-            <a:r>
-              <a:rPr b="0" lang="en-US" sz="4550" spc="-1" strike="noStrike">
-                <a:solidFill>
-                  <a:srgbClr val="000000"/>
-                </a:solidFill>
-                <a:latin typeface="Arial"/>
-              </a:rPr>
-              <a:t>Editorial Decisions will not be based on perceived importance, novelty or conlusiveness of results.</a:t>
-            </a:r>
-            <a:endParaRPr b="0" lang="en-US" sz="4550" spc="-1" strike="noStrike">
               <a:solidFill>
                 <a:srgbClr val="000000"/>
               </a:solidFill>
@@ -18448,13 +18162,13 @@
       </p:grpSpPr>
       <p:sp>
         <p:nvSpPr>
-          <p:cNvPr id="198" name="TextShape 1"/>
+          <p:cNvPr id="197" name="TextShape 1"/>
           <p:cNvSpPr txBox="1"/>
           <p:nvPr/>
         </p:nvSpPr>
         <p:spPr>
           <a:xfrm>
-            <a:off x="650160" y="390600"/>
+            <a:off x="640440" y="3495240"/>
             <a:ext cx="11703960" cy="1625400"/>
           </a:xfrm>
           <a:prstGeom prst="rect">
@@ -18478,114 +18192,13 @@
                 </a:solidFill>
                 <a:latin typeface="Helvetica Light"/>
               </a:rPr>
-              <a:t>Hands-on</a:t>
+              <a:t>Thank you!</a:t>
             </a:r>
             <a:endParaRPr b="0" lang="en-US" sz="3600" spc="-1" strike="noStrike">
               <a:solidFill>
                 <a:srgbClr val="000000"/>
               </a:solidFill>
               <a:latin typeface="Helvetica Light"/>
-            </a:endParaRPr>
-          </a:p>
-        </p:txBody>
-      </p:sp>
-      <p:sp>
-        <p:nvSpPr>
-          <p:cNvPr id="199" name="TextShape 2"/>
-          <p:cNvSpPr txBox="1"/>
-          <p:nvPr/>
-        </p:nvSpPr>
-        <p:spPr>
-          <a:xfrm>
-            <a:off x="650160" y="2275920"/>
-            <a:ext cx="11703960" cy="6436440"/>
-          </a:xfrm>
-          <a:prstGeom prst="rect">
-            <a:avLst/>
-          </a:prstGeom>
-          <a:noFill/>
-          <a:ln>
-            <a:noFill/>
-          </a:ln>
-        </p:spPr>
-        <p:txBody>
-          <a:bodyPr lIns="0" rIns="0" tIns="0" bIns="0">
-            <a:normAutofit/>
-          </a:bodyPr>
-          <a:p>
-            <a:pPr marL="432000" indent="-324000">
-              <a:spcBef>
-                <a:spcPts val="1417"/>
-              </a:spcBef>
-              <a:buClr>
-                <a:srgbClr val="000000"/>
-              </a:buClr>
-              <a:buSzPct val="45000"/>
-              <a:buFont typeface="Wingdings" charset="2"/>
-              <a:buChar char=""/>
-            </a:pPr>
-            <a:r>
-              <a:rPr b="0" lang="en-US" sz="4550" spc="-1" strike="noStrike">
-                <a:solidFill>
-                  <a:srgbClr val="000000"/>
-                </a:solidFill>
-                <a:latin typeface="Arial"/>
-              </a:rPr>
-              <a:t>To start a preregistration, go to:</a:t>
-            </a:r>
-            <a:endParaRPr b="0" lang="en-US" sz="4550" spc="-1" strike="noStrike">
-              <a:solidFill>
-                <a:srgbClr val="000000"/>
-              </a:solidFill>
-              <a:latin typeface="Arial"/>
-            </a:endParaRPr>
-          </a:p>
-          <a:p>
-            <a:pPr lvl="1" marL="864000" indent="-324000">
-              <a:spcBef>
-                <a:spcPts val="1134"/>
-              </a:spcBef>
-              <a:buClr>
-                <a:srgbClr val="000000"/>
-              </a:buClr>
-              <a:buSzPct val="75000"/>
-              <a:buFont typeface="Symbol" charset="2"/>
-              <a:buChar char=""/>
-            </a:pPr>
-            <a:r>
-              <a:rPr b="0" lang="en-US" sz="3420" spc="-1" strike="noStrike">
-                <a:solidFill>
-                  <a:srgbClr val="000000"/>
-                </a:solidFill>
-                <a:latin typeface="Arial"/>
-                <a:hlinkClick r:id="rId1"/>
-              </a:rPr>
-              <a:t>https://osf.io/prereg/</a:t>
-            </a:r>
-            <a:endParaRPr b="0" lang="en-US" sz="3420" spc="-1" strike="noStrike">
-              <a:solidFill>
-                <a:srgbClr val="000000"/>
-              </a:solidFill>
-              <a:latin typeface="Arial"/>
-            </a:endParaRPr>
-          </a:p>
-          <a:p>
-            <a:pPr marL="432000" indent="-324000">
-              <a:spcBef>
-                <a:spcPts val="1417"/>
-              </a:spcBef>
-              <a:buClr>
-                <a:srgbClr val="000000"/>
-              </a:buClr>
-              <a:buSzPct val="45000"/>
-              <a:buFont typeface="Wingdings" charset="2"/>
-              <a:buChar char=""/>
-            </a:pPr>
-            <a:endParaRPr b="0" lang="en-US" sz="3420" spc="-1" strike="noStrike">
-              <a:solidFill>
-                <a:srgbClr val="000000"/>
-              </a:solidFill>
-              <a:latin typeface="Arial"/>
             </a:endParaRPr>
           </a:p>
         </p:txBody>
@@ -18630,106 +18243,6 @@
 </p:sld>
 </file>
 
-<file path=ppt/slides/slide38.xml><?xml version="1.0" encoding="utf-8"?>
-<p:sld xmlns:a="http://schemas.openxmlformats.org/drawingml/2006/main" xmlns:p="http://schemas.openxmlformats.org/presentationml/2006/main" xmlns:r="http://schemas.openxmlformats.org/officeDocument/2006/relationships" xmlns:p14="http://schemas.microsoft.com/office/powerpoint/2010/main" xmlns:p15="http://schemas.microsoft.com/office/powerpoint/2012/main" xmlns:mc="http://schemas.openxmlformats.org/markup-compatibility/2006">
-  <p:cSld>
-    <p:spTree>
-      <p:nvGrpSpPr>
-        <p:cNvPr id="1" name=""/>
-        <p:cNvGrpSpPr/>
-        <p:nvPr/>
-      </p:nvGrpSpPr>
-      <p:grpSpPr>
-        <a:xfrm>
-          <a:off x="0" y="0"/>
-          <a:ext cx="0" cy="0"/>
-          <a:chOff x="0" y="0"/>
-          <a:chExt cx="0" cy="0"/>
-        </a:xfrm>
-      </p:grpSpPr>
-      <p:sp>
-        <p:nvSpPr>
-          <p:cNvPr id="200" name="TextShape 1"/>
-          <p:cNvSpPr txBox="1"/>
-          <p:nvPr/>
-        </p:nvSpPr>
-        <p:spPr>
-          <a:xfrm>
-            <a:off x="640440" y="3495240"/>
-            <a:ext cx="11703960" cy="1625400"/>
-          </a:xfrm>
-          <a:prstGeom prst="rect">
-            <a:avLst/>
-          </a:prstGeom>
-          <a:noFill/>
-          <a:ln>
-            <a:noFill/>
-          </a:ln>
-        </p:spPr>
-        <p:txBody>
-          <a:bodyPr lIns="0" rIns="0" tIns="0" bIns="0" anchor="ctr">
-            <a:spAutoFit/>
-          </a:bodyPr>
-          <a:p>
-            <a:pPr algn="ctr"/>
-            <a:r>
-              <a:rPr b="0" lang="en-US" sz="3600" spc="-1" strike="noStrike">
-                <a:solidFill>
-                  <a:srgbClr val="000000"/>
-                </a:solidFill>
-                <a:latin typeface="Helvetica Light"/>
-              </a:rPr>
-              <a:t>Thank you!</a:t>
-            </a:r>
-            <a:endParaRPr b="0" lang="en-US" sz="3600" spc="-1" strike="noStrike">
-              <a:solidFill>
-                <a:srgbClr val="000000"/>
-              </a:solidFill>
-              <a:latin typeface="Helvetica Light"/>
-            </a:endParaRPr>
-          </a:p>
-        </p:txBody>
-      </p:sp>
-    </p:spTree>
-  </p:cSld>
-  <mc:AlternateContent>
-    <mc:Choice Requires="p14">
-      <p:transition spd="slow" p14:dur="2000"/>
-    </mc:Choice>
-    <mc:Fallback>
-      <p:transition spd="slow"/>
-    </mc:Fallback>
-  </mc:AlternateContent>
-  <p:timing>
-    <p:tnLst>
-      <p:par>
-        <p:cTn id="75" dur="indefinite" restart="never" nodeType="tmRoot">
-          <p:childTnLst>
-            <p:seq>
-              <p:cTn id="76" dur="indefinite" nodeType="mainSeq"/>
-              <p:prevCondLst>
-                <p:cond delay="0" evt="onPrev">
-                  <p:tgtEl>
-                    <p:sldTgt/>
-                  </p:tgtEl>
-                </p:cond>
-              </p:prevCondLst>
-              <p:nextCondLst>
-                <p:cond delay="0" evt="onNext">
-                  <p:tgtEl>
-                    <p:sldTgt/>
-                  </p:tgtEl>
-                </p:cond>
-              </p:nextCondLst>
-            </p:seq>
-          </p:childTnLst>
-        </p:cTn>
-      </p:par>
-    </p:tnLst>
-  </p:timing>
-</p:sld>
-</file>
-
 <file path=ppt/slides/slide4.xml><?xml version="1.0" encoding="utf-8"?>
 <p:sld xmlns:a="http://schemas.openxmlformats.org/drawingml/2006/main" xmlns:p="http://schemas.openxmlformats.org/presentationml/2006/main" xmlns:r="http://schemas.openxmlformats.org/officeDocument/2006/relationships" xmlns:p14="http://schemas.microsoft.com/office/powerpoint/2010/main" xmlns:p15="http://schemas.microsoft.com/office/powerpoint/2012/main" xmlns:mc="http://schemas.openxmlformats.org/markup-compatibility/2006">
   <p:cSld>
@@ -18996,7 +18509,7 @@
                 <a:spcPct val="100000"/>
               </a:lnSpc>
             </a:pPr>
-            <a:fld id="{69F65B62-43B1-4C1D-BD6A-BD9DD832DABF}" type="slidenum">
+            <a:fld id="{C8F30906-DEA0-43D6-9992-77A23A968C89}" type="slidenum">
               <a:rPr b="0" lang="en-US" sz="1990" spc="-1" strike="noStrike">
                 <a:solidFill>
                   <a:srgbClr val="000000"/>
@@ -19250,7 +18763,7 @@
                 <a:spcPct val="100000"/>
               </a:lnSpc>
             </a:pPr>
-            <a:fld id="{617F7ECA-2C67-4175-BAEA-9E2D6B927542}" type="slidenum">
+            <a:fld id="{39DCFB00-970B-4982-B642-99FD8B578C4D}" type="slidenum">
               <a:rPr b="0" lang="en-US" sz="1990" spc="-1" strike="noStrike">
                 <a:solidFill>
                   <a:srgbClr val="000000"/>
@@ -19375,7 +18888,7 @@
                 <a:spcPct val="100000"/>
               </a:lnSpc>
             </a:pPr>
-            <a:fld id="{AE9D83D9-6A16-4E9F-98A6-B0771390EE3F}" type="slidenum">
+            <a:fld id="{3DFAC8EF-3129-417E-800D-4B2A5346F336}" type="slidenum">
               <a:rPr b="0" lang="en-US" sz="1990" spc="-1" strike="noStrike">
                 <a:solidFill>
                   <a:srgbClr val="000000"/>
@@ -19705,7 +19218,7 @@
                 <a:spcPct val="100000"/>
               </a:lnSpc>
             </a:pPr>
-            <a:fld id="{80683949-BC02-4213-831B-6A321F7F5760}" type="slidenum">
+            <a:fld id="{AC4DBA04-B526-4661-B918-75A4CFF64DD1}" type="slidenum">
               <a:rPr b="0" lang="en-US" sz="1990" spc="-1" strike="noStrike">
                 <a:solidFill>
                   <a:srgbClr val="000000"/>
@@ -19807,7 +19320,7 @@
                 <a:spcPct val="100000"/>
               </a:lnSpc>
             </a:pPr>
-            <a:fld id="{58859590-873A-45B6-A3F6-7C5534D402A9}" type="slidenum">
+            <a:fld id="{15D3B4FE-96CD-421D-8DC1-DA41CD0C6CCF}" type="slidenum">
               <a:rPr b="0" lang="en-US" sz="1990" spc="-1" strike="noStrike">
                 <a:solidFill>
                   <a:srgbClr val="000000"/>
@@ -20263,7 +19776,7 @@
                 <a:spcPct val="100000"/>
               </a:lnSpc>
             </a:pPr>
-            <a:fld id="{8266F41C-B025-4636-AA40-F01BD8F4BBA7}" type="slidenum">
+            <a:fld id="{1C20A060-E612-4EE3-A9E4-E363C570DC60}" type="slidenum">
               <a:rPr b="0" lang="en-US" sz="1990" spc="-1" strike="noStrike">
                 <a:solidFill>
                   <a:srgbClr val="000000"/>

--- a/PreRegistrationAnalysis/Pre-Registration and Pre-Analysis Plans.pptx
+++ b/PreRegistrationAnalysis/Pre-Registration and Pre-Analysis Plans.pptx
@@ -282,7 +282,7 @@
           </a:bodyPr>
           <a:p>
             <a:pPr algn="r"/>
-            <a:fld id="{29A77808-E585-45D4-BFDA-BC9DA3A6FCB1}" type="slidenum">
+            <a:fld id="{B550FF1C-06D6-4C26-92E7-31123483CA90}" type="slidenum">
               <a:rPr b="0" lang="en-US" sz="1400" spc="-1" strike="noStrike">
                 <a:latin typeface="Times New Roman"/>
               </a:rPr>
@@ -346,7 +346,7 @@
                 <a:spcPct val="100000"/>
               </a:lnSpc>
             </a:pPr>
-            <a:fld id="{6969D839-AE3B-470F-B6D6-5068B4E2B7FC}" type="slidenum">
+            <a:fld id="{14F93A11-877E-4E8B-A5C6-40A4042AA0ED}" type="slidenum">
               <a:rPr b="0" lang="en-US" sz="1200" spc="-1" strike="noStrike">
                 <a:solidFill>
                   <a:srgbClr val="000000"/>
@@ -490,7 +490,7 @@
                 <a:spcPct val="100000"/>
               </a:lnSpc>
             </a:pPr>
-            <a:fld id="{71584778-F17C-4B38-9699-C48686DCBE26}" type="slidenum">
+            <a:fld id="{D8049640-D106-4F71-85AA-19498813E6D6}" type="slidenum">
               <a:rPr b="0" lang="en-US" sz="1200" spc="-1" strike="noStrike">
                 <a:solidFill>
                   <a:srgbClr val="000000"/>
@@ -634,7 +634,7 @@
                 <a:spcPct val="100000"/>
               </a:lnSpc>
             </a:pPr>
-            <a:fld id="{DB7AA62F-5489-4575-8773-1F8BC77283B5}" type="slidenum">
+            <a:fld id="{4629BF27-16B0-4BA8-ADA8-8085977C7432}" type="slidenum">
               <a:rPr b="0" lang="en-US" sz="1200" spc="-1" strike="noStrike">
                 <a:solidFill>
                   <a:srgbClr val="000000"/>
@@ -778,7 +778,7 @@
                 <a:spcPct val="100000"/>
               </a:lnSpc>
             </a:pPr>
-            <a:fld id="{1071D76D-199D-4DD8-B726-82763D1ED2CE}" type="slidenum">
+            <a:fld id="{FF166E2F-7A8F-4DCA-A436-AD91A431C226}" type="slidenum">
               <a:rPr b="0" lang="en-US" sz="1200" spc="-1" strike="noStrike">
                 <a:solidFill>
                   <a:srgbClr val="000000"/>
@@ -922,7 +922,7 @@
                 <a:spcPct val="100000"/>
               </a:lnSpc>
             </a:pPr>
-            <a:fld id="{EAF2E87F-8A4B-4545-9448-D14F172A914A}" type="slidenum">
+            <a:fld id="{EF1A0FD7-CCB4-4F2A-93A6-D7BFFCEEE614}" type="slidenum">
               <a:rPr b="0" lang="en-US" sz="1200" spc="-1" strike="noStrike">
                 <a:solidFill>
                   <a:srgbClr val="000000"/>
@@ -1066,7 +1066,7 @@
                 <a:spcPct val="100000"/>
               </a:lnSpc>
             </a:pPr>
-            <a:fld id="{41E047D3-2767-4E95-95AA-405294D05984}" type="slidenum">
+            <a:fld id="{FDBB459C-F3AA-481C-8F2D-277FC28C871D}" type="slidenum">
               <a:rPr b="0" lang="en-US" sz="1200" spc="-1" strike="noStrike">
                 <a:solidFill>
                   <a:srgbClr val="000000"/>
@@ -1210,7 +1210,7 @@
                 <a:spcPct val="100000"/>
               </a:lnSpc>
             </a:pPr>
-            <a:fld id="{4449112F-FFB4-4AAE-B39F-26D148BA1DD7}" type="slidenum">
+            <a:fld id="{3585A794-D880-4AE8-B9BD-C4090A818F9F}" type="slidenum">
               <a:rPr b="0" lang="en-US" sz="1200" spc="-1" strike="noStrike">
                 <a:solidFill>
                   <a:srgbClr val="000000"/>
@@ -1354,7 +1354,7 @@
                 <a:spcPct val="100000"/>
               </a:lnSpc>
             </a:pPr>
-            <a:fld id="{32C8CF81-C6A1-4B7D-A298-9F9F882EF446}" type="slidenum">
+            <a:fld id="{C5E05104-25D2-4B32-ACC7-337A79BC5F7F}" type="slidenum">
               <a:rPr b="0" lang="en-US" sz="1200" spc="-1" strike="noStrike">
                 <a:solidFill>
                   <a:srgbClr val="000000"/>
@@ -1508,7 +1508,7 @@
                 <a:spcPct val="100000"/>
               </a:lnSpc>
             </a:pPr>
-            <a:fld id="{9BA483D7-067D-4DCA-857A-820606F043B7}" type="slidenum">
+            <a:fld id="{C08741FD-25E4-4908-B1A4-4912EB391D79}" type="slidenum">
               <a:rPr b="0" lang="en-US" sz="1200" spc="-1" strike="noStrike">
                 <a:solidFill>
                   <a:srgbClr val="000000"/>
@@ -1694,7 +1694,7 @@
                 <a:spcPct val="100000"/>
               </a:lnSpc>
             </a:pPr>
-            <a:fld id="{DFC84FE4-0A8C-4EEB-A131-A01215C35313}" type="slidenum">
+            <a:fld id="{299F1B2E-AADD-4390-83E4-08378A44C1CE}" type="slidenum">
               <a:rPr b="0" lang="en-US" sz="1200" spc="-1" strike="noStrike">
                 <a:solidFill>
                   <a:srgbClr val="000000"/>
@@ -1838,7 +1838,7 @@
                 <a:spcPct val="100000"/>
               </a:lnSpc>
             </a:pPr>
-            <a:fld id="{8F301F09-EE36-4F52-AE93-6119E061B60C}" type="slidenum">
+            <a:fld id="{62332DC7-8A27-4B46-9C0A-9DA7E92DA651}" type="slidenum">
               <a:rPr b="0" lang="en-US" sz="1200" spc="-1" strike="noStrike">
                 <a:solidFill>
                   <a:srgbClr val="000000"/>
@@ -1846,7 +1846,7 @@
                 <a:latin typeface="Arial"/>
                 <a:ea typeface="Helvetica Light"/>
               </a:rPr>
-              <a:t>&lt;number&gt;</a:t>
+              <a:t>36</a:t>
             </a:fld>
             <a:endParaRPr b="0" lang="en-US" sz="1200" spc="-1" strike="noStrike">
               <a:latin typeface="Times New Roman"/>
@@ -2040,7 +2040,7 @@
                 <a:spcPct val="100000"/>
               </a:lnSpc>
             </a:pPr>
-            <a:fld id="{53C9D742-F39A-4782-B1B0-52937CF8B730}" type="slidenum">
+            <a:fld id="{7867B59E-0239-4A25-87FA-ED4E2CCB5D97}" type="slidenum">
               <a:rPr b="0" lang="en-US" sz="1200" spc="-1" strike="noStrike">
                 <a:solidFill>
                   <a:srgbClr val="000000"/>
@@ -2048,7 +2048,7 @@
                 <a:latin typeface="Arial"/>
                 <a:ea typeface="Helvetica Light"/>
               </a:rPr>
-              <a:t>&lt;number&gt;</a:t>
+              <a:t>36</a:t>
             </a:fld>
             <a:endParaRPr b="0" lang="en-US" sz="1200" spc="-1" strike="noStrike">
               <a:latin typeface="Times New Roman"/>
@@ -2198,7 +2198,7 @@
                 <a:spcPct val="100000"/>
               </a:lnSpc>
             </a:pPr>
-            <a:fld id="{E73341E3-B769-4E26-8C58-537152258A5B}" type="slidenum">
+            <a:fld id="{FF43D411-6E4A-4215-A502-5918A4F7C442}" type="slidenum">
               <a:rPr b="0" lang="en-US" sz="1200" spc="-1" strike="noStrike">
                 <a:solidFill>
                   <a:srgbClr val="000000"/>
@@ -2206,7 +2206,7 @@
                 <a:latin typeface="Arial"/>
                 <a:ea typeface="Helvetica Light"/>
               </a:rPr>
-              <a:t>&lt;number&gt;</a:t>
+              <a:t>36</a:t>
             </a:fld>
             <a:endParaRPr b="0" lang="en-US" sz="1200" spc="-1" strike="noStrike">
               <a:latin typeface="Times New Roman"/>
@@ -2356,7 +2356,7 @@
                 <a:spcPct val="100000"/>
               </a:lnSpc>
             </a:pPr>
-            <a:fld id="{9DD0056B-B04B-4B4E-8B8D-CB5ADD9BEF95}" type="slidenum">
+            <a:fld id="{4FD922AA-6A2B-4827-8C03-0A4694DAC5DC}" type="slidenum">
               <a:rPr b="0" lang="en-US" sz="1200" spc="-1" strike="noStrike">
                 <a:solidFill>
                   <a:srgbClr val="000000"/>
@@ -2364,7 +2364,7 @@
                 <a:latin typeface="Arial"/>
                 <a:ea typeface="Helvetica Light"/>
               </a:rPr>
-              <a:t>&lt;number&gt;</a:t>
+              <a:t>36</a:t>
             </a:fld>
             <a:endParaRPr b="0" lang="en-US" sz="1200" spc="-1" strike="noStrike">
               <a:latin typeface="Times New Roman"/>
@@ -2435,7 +2435,37 @@
                 <a:latin typeface="Georgia"/>
                 <a:ea typeface="Georgia"/>
               </a:rPr>
-              <a:t>While pre-registration cannot be used in all cases, it can be used in many settings beyond field experiments (or lab experiments).</a:t>
+              <a:t>While pre-registration cannot be used in </a:t>
+            </a:r>
+            <a:r>
+              <a:rPr b="0" lang="en-US" sz="1100" spc="-1" strike="noStrike">
+                <a:solidFill>
+                  <a:srgbClr val="000000"/>
+                </a:solidFill>
+                <a:latin typeface="Georgia"/>
+                <a:ea typeface="Georgia"/>
+              </a:rPr>
+              <a:t>all cases, it can be used in many settings </a:t>
+            </a:r>
+            <a:r>
+              <a:rPr b="0" lang="en-US" sz="1100" spc="-1" strike="noStrike">
+                <a:solidFill>
+                  <a:srgbClr val="000000"/>
+                </a:solidFill>
+                <a:latin typeface="Georgia"/>
+                <a:ea typeface="Georgia"/>
+              </a:rPr>
+              <a:t>beyond field experiments (or lab </a:t>
+            </a:r>
+            <a:r>
+              <a:rPr b="0" lang="en-US" sz="1100" spc="-1" strike="noStrike">
+                <a:solidFill>
+                  <a:srgbClr val="000000"/>
+                </a:solidFill>
+                <a:latin typeface="Georgia"/>
+                <a:ea typeface="Georgia"/>
+              </a:rPr>
+              <a:t>experiments).</a:t>
             </a:r>
             <a:endParaRPr b="0" lang="en-US" sz="1100" spc="-1" strike="noStrike">
               <a:latin typeface="Arial"/>
@@ -2465,7 +2495,67 @@
                 <a:latin typeface="Arial"/>
                 <a:ea typeface="Georgia"/>
               </a:rPr>
-              <a:t>-- Mention the case of the electrification project in Kenya, and how we specified our priors on take-up, which lets us credibly claim that we were “surprised” by the findings (i.e., much lower demand for electricity connections among rural households than we had expected).</a:t>
+              <a:t>-- Mention the case of the electrification project </a:t>
+            </a:r>
+            <a:r>
+              <a:rPr b="0" lang="en-US" sz="1100" spc="-1" strike="noStrike">
+                <a:solidFill>
+                  <a:srgbClr val="000000"/>
+                </a:solidFill>
+                <a:latin typeface="Arial"/>
+                <a:ea typeface="Georgia"/>
+              </a:rPr>
+              <a:t>in Kenya, and how we specified our priors </a:t>
+            </a:r>
+            <a:r>
+              <a:rPr b="0" lang="en-US" sz="1100" spc="-1" strike="noStrike">
+                <a:solidFill>
+                  <a:srgbClr val="000000"/>
+                </a:solidFill>
+                <a:latin typeface="Arial"/>
+                <a:ea typeface="Georgia"/>
+              </a:rPr>
+              <a:t>on take-up, which lets us credibly claim </a:t>
+            </a:r>
+            <a:r>
+              <a:rPr b="0" lang="en-US" sz="1100" spc="-1" strike="noStrike">
+                <a:solidFill>
+                  <a:srgbClr val="000000"/>
+                </a:solidFill>
+                <a:latin typeface="Arial"/>
+                <a:ea typeface="Georgia"/>
+              </a:rPr>
+              <a:t>that we were “surprised” by the findings </a:t>
+            </a:r>
+            <a:r>
+              <a:rPr b="0" lang="en-US" sz="1100" spc="-1" strike="noStrike">
+                <a:solidFill>
+                  <a:srgbClr val="000000"/>
+                </a:solidFill>
+                <a:latin typeface="Arial"/>
+                <a:ea typeface="Georgia"/>
+              </a:rPr>
+              <a:t>(i.e., much lower demand for electricity </a:t>
+            </a:r>
+            <a:r>
+              <a:rPr b="0" lang="en-US" sz="1100" spc="-1" strike="noStrike">
+                <a:solidFill>
+                  <a:srgbClr val="000000"/>
+                </a:solidFill>
+                <a:latin typeface="Arial"/>
+                <a:ea typeface="Georgia"/>
+              </a:rPr>
+              <a:t>connections among rural households than </a:t>
+            </a:r>
+            <a:r>
+              <a:rPr b="0" lang="en-US" sz="1100" spc="-1" strike="noStrike">
+                <a:solidFill>
+                  <a:srgbClr val="000000"/>
+                </a:solidFill>
+                <a:latin typeface="Arial"/>
+                <a:ea typeface="Georgia"/>
+              </a:rPr>
+              <a:t>we had expected).</a:t>
             </a:r>
             <a:endParaRPr b="0" lang="en-US" sz="1100" spc="-1" strike="noStrike">
               <a:latin typeface="Arial"/>
@@ -2534,7 +2624,7 @@
                 <a:spcPct val="100000"/>
               </a:lnSpc>
             </a:pPr>
-            <a:fld id="{3FA9C54D-6B19-46D9-9FE9-E49FE8224283}" type="slidenum">
+            <a:fld id="{9544F958-4D96-461C-B9E0-CAF0F439B90A}" type="slidenum">
               <a:rPr b="0" lang="en-US" sz="1200" spc="-1" strike="noStrike">
                 <a:solidFill>
                   <a:srgbClr val="000000"/>
@@ -2542,7 +2632,7 @@
                 <a:latin typeface="Arial"/>
                 <a:ea typeface="Helvetica Light"/>
               </a:rPr>
-              <a:t>&lt;number&gt;</a:t>
+              <a:t>36</a:t>
             </a:fld>
             <a:endParaRPr b="0" lang="en-US" sz="1200" spc="-1" strike="noStrike">
               <a:latin typeface="Times New Roman"/>
@@ -2770,7 +2860,7 @@
                 <a:spcPct val="100000"/>
               </a:lnSpc>
             </a:pPr>
-            <a:fld id="{ECF1862D-4E39-44E8-9D8C-3C1F350BAFB1}" type="slidenum">
+            <a:fld id="{28549E59-B985-45C1-B36C-DBDA0BE3C31F}" type="slidenum">
               <a:rPr b="0" lang="en-US" sz="1200" spc="-1" strike="noStrike">
                 <a:solidFill>
                   <a:srgbClr val="000000"/>
@@ -2950,7 +3040,7 @@
                 <a:spcPct val="100000"/>
               </a:lnSpc>
             </a:pPr>
-            <a:fld id="{F80AD403-1039-4AAC-B69A-EA97E23BD3B6}" type="slidenum">
+            <a:fld id="{58083824-D1FB-45E7-A63C-C8F4FAE6E341}" type="slidenum">
               <a:rPr b="0" lang="en-US" sz="1200" spc="-1" strike="noStrike">
                 <a:solidFill>
                   <a:srgbClr val="000000"/>
@@ -3120,7 +3210,7 @@
                 <a:spcPct val="100000"/>
               </a:lnSpc>
             </a:pPr>
-            <a:fld id="{757FEC17-6B74-4A14-9AC3-79EFEDACEBC0}" type="slidenum">
+            <a:fld id="{E6149FBA-BFF2-4357-85CE-104E1BEB40B9}" type="slidenum">
               <a:rPr b="0" lang="en-US" sz="1200" spc="-1" strike="noStrike">
                 <a:solidFill>
                   <a:srgbClr val="000000"/>
@@ -3274,7 +3364,7 @@
                 <a:spcPct val="100000"/>
               </a:lnSpc>
             </a:pPr>
-            <a:fld id="{DE6FB6BC-7924-43C9-BF7D-37EB390EAA97}" type="slidenum">
+            <a:fld id="{3309B01A-C482-40DF-8009-0CFADDCA2343}" type="slidenum">
               <a:rPr b="0" lang="en-US" sz="1200" spc="-1" strike="noStrike">
                 <a:solidFill>
                   <a:srgbClr val="000000"/>
@@ -3470,7 +3560,7 @@
                 <a:spcPct val="100000"/>
               </a:lnSpc>
             </a:pPr>
-            <a:fld id="{99DEE317-CA80-4328-89A5-E50CB749FF5A}" type="slidenum">
+            <a:fld id="{89A8FA20-D540-4CDB-9AC4-2784CB178642}" type="slidenum">
               <a:rPr b="0" lang="en-US" sz="1200" spc="-1" strike="noStrike">
                 <a:solidFill>
                   <a:srgbClr val="000000"/>
@@ -3618,7 +3708,7 @@
                 <a:spcPct val="100000"/>
               </a:lnSpc>
             </a:pPr>
-            <a:fld id="{F00F40FC-74AE-4EA8-ADE1-9CF1CDF8B9B0}" type="slidenum">
+            <a:fld id="{F32E4631-3D03-4CF5-8256-E2945E242076}" type="slidenum">
               <a:rPr b="0" lang="en-US" sz="1200" spc="-1" strike="noStrike">
                 <a:solidFill>
                   <a:srgbClr val="000000"/>
@@ -3762,7 +3852,7 @@
                 <a:spcPct val="100000"/>
               </a:lnSpc>
             </a:pPr>
-            <a:fld id="{67E425CC-9901-4F23-9E51-906E4206B806}" type="slidenum">
+            <a:fld id="{C927AD0E-93E1-4D76-BB7C-C48D1FEDF16E}" type="slidenum">
               <a:rPr b="0" lang="en-US" sz="1200" spc="-1" strike="noStrike">
                 <a:solidFill>
                   <a:srgbClr val="000000"/>
@@ -3906,7 +3996,7 @@
                 <a:spcPct val="100000"/>
               </a:lnSpc>
             </a:pPr>
-            <a:fld id="{61632054-2949-41CE-BDCB-C5312B603C8D}" type="slidenum">
+            <a:fld id="{99C88519-698E-4682-9D7C-6C2A60B6AAAE}" type="slidenum">
               <a:rPr b="0" lang="en-US" sz="1200" spc="-1" strike="noStrike">
                 <a:solidFill>
                   <a:srgbClr val="000000"/>
@@ -4050,7 +4140,7 @@
                 <a:spcPct val="100000"/>
               </a:lnSpc>
             </a:pPr>
-            <a:fld id="{E96B3AA2-2B1F-41A8-AF07-D49DD6C755DB}" type="slidenum">
+            <a:fld id="{A5BD5EBE-E964-4710-B061-1C2B3A9FC1BE}" type="slidenum">
               <a:rPr b="0" lang="en-US" sz="1200" spc="-1" strike="noStrike">
                 <a:solidFill>
                   <a:srgbClr val="000000"/>
@@ -4194,7 +4284,7 @@
                 <a:spcPct val="100000"/>
               </a:lnSpc>
             </a:pPr>
-            <a:fld id="{6B8376AA-BC69-4E32-A10A-2192D8430668}" type="slidenum">
+            <a:fld id="{EE8D71CC-6ED5-4C3A-AB64-CE280A1DBE9C}" type="slidenum">
               <a:rPr b="0" lang="en-US" sz="1200" spc="-1" strike="noStrike">
                 <a:solidFill>
                   <a:srgbClr val="000000"/>
@@ -4338,7 +4428,7 @@
                 <a:spcPct val="100000"/>
               </a:lnSpc>
             </a:pPr>
-            <a:fld id="{0EC3A158-ED41-4784-8F2D-90ED8BB6BDF5}" type="slidenum">
+            <a:fld id="{A3AA9BCA-AC46-4879-AE53-E69497110919}" type="slidenum">
               <a:rPr b="0" lang="en-US" sz="1200" spc="-1" strike="noStrike">
                 <a:solidFill>
                   <a:srgbClr val="000000"/>
@@ -4482,7 +4572,7 @@
                 <a:spcPct val="100000"/>
               </a:lnSpc>
             </a:pPr>
-            <a:fld id="{0E69DDFB-D373-4785-A20A-7DEA8D68287A}" type="slidenum">
+            <a:fld id="{F741B78F-B20A-447E-89D9-FCCF4BE736E1}" type="slidenum">
               <a:rPr b="0" lang="en-US" sz="1200" spc="-1" strike="noStrike">
                 <a:solidFill>
                   <a:srgbClr val="000000"/>
@@ -7745,7 +7835,7 @@
                 <a:spcPct val="100000"/>
               </a:lnSpc>
             </a:pPr>
-            <a:fld id="{3F08836B-1727-4F7E-AD6C-9BE1B4E61135}" type="slidenum">
+            <a:fld id="{B5FF7163-A509-4689-B371-7EBC0E2DF67C}" type="slidenum">
               <a:rPr b="0" lang="en-US" sz="1800" spc="-1" strike="noStrike">
                 <a:solidFill>
                   <a:srgbClr val="000000"/>
@@ -8337,7 +8427,7 @@
                 <a:spcPct val="100000"/>
               </a:lnSpc>
             </a:pPr>
-            <a:fld id="{8B64BB02-2D1C-4BF3-BDEE-BB9B611E7191}" type="slidenum">
+            <a:fld id="{297BFD9B-6350-4DBF-AC5C-C62B38C2305E}" type="slidenum">
               <a:rPr b="0" lang="en-US" sz="1990" spc="-1" strike="noStrike">
                 <a:solidFill>
                   <a:srgbClr val="000000"/>
@@ -8422,7 +8512,7 @@
         <p:spPr>
           <a:xfrm>
             <a:off x="3816360" y="3071160"/>
-            <a:ext cx="9120240" cy="5524560"/>
+            <a:ext cx="9120240" cy="5525280"/>
           </a:xfrm>
           <a:prstGeom prst="rect">
             <a:avLst/>
@@ -8590,7 +8680,17 @@
             </a:pPr>
             <a:br/>
             <a:br/>
-            <a:endParaRPr b="0" lang="en-US" sz="3200" spc="-1" strike="noStrike">
+            <a:r>
+              <a:rPr b="0" lang="en-US" sz="2800" spc="-1" strike="noStrike">
+                <a:solidFill>
+                  <a:srgbClr val="53585f"/>
+                </a:solidFill>
+                <a:latin typeface="Arial"/>
+                <a:ea typeface="Arial"/>
+              </a:rPr>
+              <a:t>Thanks to Rachel Meager for her PreReg Presentation</a:t>
+            </a:r>
+            <a:endParaRPr b="0" lang="en-US" sz="2800" spc="-1" strike="noStrike">
               <a:latin typeface="Arial"/>
             </a:endParaRPr>
           </a:p>
@@ -8625,7 +8725,7 @@
                 <a:spcPct val="100000"/>
               </a:lnSpc>
             </a:pPr>
-            <a:fld id="{131896BF-5930-4E0A-9614-DF946CE32537}" type="slidenum">
+            <a:fld id="{EF02EFB6-614E-44D7-904C-9AA0155DD1F9}" type="slidenum">
               <a:rPr b="0" lang="en-US" sz="1800" spc="-1" strike="noStrike">
                 <a:solidFill>
                   <a:srgbClr val="000000"/>
@@ -8944,7 +9044,7 @@
                 <a:spcPct val="100000"/>
               </a:lnSpc>
             </a:pPr>
-            <a:fld id="{743FFBFC-3184-46C8-87A7-8AEFA71A5C3F}" type="slidenum">
+            <a:fld id="{EB17618C-D752-4324-8E59-D8C6ED4007F4}" type="slidenum">
               <a:rPr b="0" lang="en-US" sz="1990" spc="-1" strike="noStrike">
                 <a:solidFill>
                   <a:srgbClr val="000000"/>
@@ -9145,7 +9245,7 @@
                 </a:solidFill>
                 <a:latin typeface="Arial"/>
               </a:rPr>
-              <a:t> by creating a “paper trail” of unpublished studies in an area </a:t>
+              <a:t> by creating a “paper </a:t>
             </a:r>
             <a:r>
               <a:rPr b="0" lang="en-US" sz="3420" spc="-1" strike="noStrike">
@@ -9154,7 +9254,34 @@
                 </a:solidFill>
                 <a:latin typeface="Arial"/>
               </a:rPr>
-              <a:t>potentially helping to address publication bias (similar to Franco et al 2014) and improve meta-analysis.</a:t>
+              <a:t>trail” of unpublished studies in an area </a:t>
+            </a:r>
+            <a:r>
+              <a:rPr b="0" lang="en-US" sz="3420" spc="-1" strike="noStrike">
+                <a:solidFill>
+                  <a:srgbClr val="000000"/>
+                </a:solidFill>
+                <a:latin typeface="Arial"/>
+              </a:rPr>
+              <a:t>potentially helping </a:t>
+            </a:r>
+            <a:r>
+              <a:rPr b="0" lang="en-US" sz="3420" spc="-1" strike="noStrike">
+                <a:solidFill>
+                  <a:srgbClr val="000000"/>
+                </a:solidFill>
+                <a:latin typeface="Arial"/>
+              </a:rPr>
+              <a:t>to address publication bias (similar to Franco et al 2014) </a:t>
+            </a:r>
+            <a:r>
+              <a:rPr b="0" lang="en-US" sz="3420" spc="-1" strike="noStrike">
+                <a:solidFill>
+                  <a:srgbClr val="000000"/>
+                </a:solidFill>
+                <a:latin typeface="Arial"/>
+              </a:rPr>
+              <a:t>and improve meta-analysis.</a:t>
             </a:r>
             <a:endParaRPr b="0" lang="en-US" sz="3420" spc="-1" strike="noStrike">
               <a:solidFill>
@@ -9257,7 +9384,7 @@
                 <a:spcPct val="100000"/>
               </a:lnSpc>
             </a:pPr>
-            <a:fld id="{24CA653D-9AE4-4979-A36E-73553239DA5C}" type="slidenum">
+            <a:fld id="{BCDEECD9-B782-4B0C-937A-ADF026E72D97}" type="slidenum">
               <a:rPr b="0" lang="en-US" sz="1990" spc="-1" strike="noStrike">
                 <a:solidFill>
                   <a:srgbClr val="000000"/>
@@ -9413,16 +9540,7 @@
                 </a:solidFill>
                 <a:latin typeface="Arial"/>
               </a:rPr>
-              <a:t> by creating a “paper </a:t>
-            </a:r>
-            <a:r>
-              <a:rPr b="0" lang="en-US" sz="3420" spc="-1" strike="noStrike">
-                <a:solidFill>
-                  <a:srgbClr val="000000"/>
-                </a:solidFill>
-                <a:latin typeface="Arial"/>
-              </a:rPr>
-              <a:t>trail” of unpublished studies in an area</a:t>
+              <a:t> by creating a “paper trail” of unpublished studies in an area</a:t>
             </a:r>
             <a:endParaRPr b="0" lang="en-US" sz="3420" spc="-1" strike="noStrike">
               <a:solidFill>
@@ -9461,7 +9579,7 @@
                 </a:solidFill>
                 <a:latin typeface="Arial"/>
               </a:rPr>
-              <a:t> and other tendentious </a:t>
+              <a:t> and other tendentious presentation of results (“cherry-picking”) </a:t>
             </a:r>
             <a:r>
               <a:rPr b="0" lang="en-US" sz="3420" spc="-1" strike="noStrike">
@@ -9470,34 +9588,7 @@
                 </a:solidFill>
                 <a:latin typeface="Arial"/>
               </a:rPr>
-              <a:t>presentation of results (“cherry-picking”) </a:t>
-            </a:r>
-            <a:r>
-              <a:rPr b="0" lang="en-US" sz="3420" spc="-1" strike="noStrike">
-                <a:solidFill>
-                  <a:srgbClr val="000000"/>
-                </a:solidFill>
-                <a:latin typeface="Arial"/>
-              </a:rPr>
-              <a:t>by making clear </a:t>
-            </a:r>
-            <a:r>
-              <a:rPr b="0" lang="en-US" sz="3420" spc="-1" strike="noStrike">
-                <a:solidFill>
-                  <a:srgbClr val="000000"/>
-                </a:solidFill>
-                <a:latin typeface="Arial"/>
-              </a:rPr>
-              <a:t>what the authors’ original intentions and research </a:t>
-            </a:r>
-            <a:r>
-              <a:rPr b="0" lang="en-US" sz="3420" spc="-1" strike="noStrike">
-                <a:solidFill>
-                  <a:srgbClr val="000000"/>
-                </a:solidFill>
-                <a:latin typeface="Arial"/>
-              </a:rPr>
-              <a:t>hypotheses actually were.</a:t>
+              <a:t>by making clear what the authors’ original intentions and research hypotheses actually were.</a:t>
             </a:r>
             <a:endParaRPr b="0" lang="en-US" sz="3420" spc="-1" strike="noStrike">
               <a:solidFill>
@@ -9648,7 +9739,7 @@
                 <a:spcPct val="100000"/>
               </a:lnSpc>
             </a:pPr>
-            <a:fld id="{A31E649C-8E70-40E9-B5D6-3C9108C522FB}" type="slidenum">
+            <a:fld id="{5620F3E2-B597-44B1-8913-6F8AE5A7B0D0}" type="slidenum">
               <a:rPr b="0" lang="en-US" sz="1990" spc="-1" strike="noStrike">
                 <a:solidFill>
                   <a:srgbClr val="000000"/>
@@ -10059,7 +10150,7 @@
                 <a:spcPct val="100000"/>
               </a:lnSpc>
             </a:pPr>
-            <a:fld id="{58BF3BA8-F28E-4C6D-9D3B-81233C50B205}" type="slidenum">
+            <a:fld id="{8E774A5C-2A02-46CA-BBB0-25B4CB4C7E30}" type="slidenum">
               <a:rPr b="0" lang="en-US" sz="1990" spc="-1" strike="noStrike">
                 <a:solidFill>
                   <a:srgbClr val="000000"/>
@@ -10460,7 +10551,7 @@
                 <a:spcPct val="100000"/>
               </a:lnSpc>
             </a:pPr>
-            <a:fld id="{ED36E1B1-A14C-424A-A9DF-BA5CCDF1A811}" type="slidenum">
+            <a:fld id="{3519B379-88E1-4789-A629-6663B00132C2}" type="slidenum">
               <a:rPr b="0" lang="en-US" sz="1990" spc="-1" strike="noStrike">
                 <a:solidFill>
                   <a:srgbClr val="000000"/>
@@ -10909,7 +11000,7 @@
                 <a:spcPct val="100000"/>
               </a:lnSpc>
             </a:pPr>
-            <a:fld id="{239C44A3-7DA7-4D99-AC46-AE4016F09EE6}" type="slidenum">
+            <a:fld id="{0A083657-7D21-4350-A1FF-6C5F33435346}" type="slidenum">
               <a:rPr b="0" lang="en-US" sz="1990" spc="-1" strike="noStrike">
                 <a:solidFill>
                   <a:srgbClr val="000000"/>
@@ -11416,7 +11507,7 @@
                 <a:spcPct val="100000"/>
               </a:lnSpc>
             </a:pPr>
-            <a:fld id="{2583908E-8A8B-4A28-9D44-BE0A25C88AA1}" type="slidenum">
+            <a:fld id="{52BF1B59-2327-4126-870F-4E25B5026464}" type="slidenum">
               <a:rPr b="0" lang="en-US" sz="1990" spc="-1" strike="noStrike">
                 <a:solidFill>
                   <a:srgbClr val="000000"/>
@@ -11716,7 +11807,7 @@
                 <a:spcPct val="100000"/>
               </a:lnSpc>
             </a:pPr>
-            <a:fld id="{18EA2639-DEF7-468D-B8F5-97E7419471D4}" type="slidenum">
+            <a:fld id="{A6910267-1A9A-4DB2-A495-25F7DC0D7317}" type="slidenum">
               <a:rPr b="0" lang="en-US" sz="1990" spc="-1" strike="noStrike">
                 <a:solidFill>
                   <a:srgbClr val="000000"/>
@@ -12144,7 +12235,7 @@
                 <a:spcPct val="100000"/>
               </a:lnSpc>
             </a:pPr>
-            <a:fld id="{9009C22B-C1FA-46CB-A222-1E25789F9804}" type="slidenum">
+            <a:fld id="{0838BE74-0179-41C6-8E29-FF04F83FC82F}" type="slidenum">
               <a:rPr b="0" lang="en-US" sz="1990" spc="-1" strike="noStrike">
                 <a:solidFill>
                   <a:srgbClr val="000000"/>
@@ -12398,7 +12489,7 @@
                 <a:spcPct val="100000"/>
               </a:lnSpc>
             </a:pPr>
-            <a:fld id="{48D9E306-68C5-4D70-8B29-3C9F9855FE60}" type="slidenum">
+            <a:fld id="{D3AA5317-B6E9-431D-8F0A-3F8E5D5972BF}" type="slidenum">
               <a:rPr b="0" lang="en-US" sz="1990" spc="-1" strike="noStrike">
                 <a:solidFill>
                   <a:srgbClr val="000000"/>
@@ -12731,7 +12822,7 @@
                 <a:spcPct val="100000"/>
               </a:lnSpc>
             </a:pPr>
-            <a:fld id="{9908924F-3DFB-427A-AB36-B99AAE26D316}" type="slidenum">
+            <a:fld id="{965585C6-BEAD-4C96-95A0-6F083A33E8D8}" type="slidenum">
               <a:rPr b="0" lang="en-US" sz="1990" spc="-1" strike="noStrike">
                 <a:solidFill>
                   <a:srgbClr val="000000"/>
@@ -13100,7 +13191,7 @@
                 <a:spcPct val="100000"/>
               </a:lnSpc>
             </a:pPr>
-            <a:fld id="{C49BB363-D15A-47A0-A54B-6B6DC789FDA0}" type="slidenum">
+            <a:fld id="{31FA267F-E7F8-4646-ACE5-B7492C7A36D8}" type="slidenum">
               <a:rPr b="0" lang="en-US" sz="1990" spc="-1" strike="noStrike">
                 <a:solidFill>
                   <a:srgbClr val="000000"/>
@@ -13393,7 +13484,7 @@
                 <a:spcPct val="100000"/>
               </a:lnSpc>
             </a:pPr>
-            <a:fld id="{AA04C193-1DAA-40E6-8652-ADBF82195259}" type="slidenum">
+            <a:fld id="{1AFCE076-1805-4D2C-BA8D-573BAA2D7BED}" type="slidenum">
               <a:rPr b="0" lang="en-US" sz="1990" spc="-1" strike="noStrike">
                 <a:solidFill>
                   <a:srgbClr val="000000"/>
@@ -13773,7 +13864,7 @@
                 <a:spcPct val="100000"/>
               </a:lnSpc>
             </a:pPr>
-            <a:fld id="{F72B7D73-324E-4C2C-B504-8BBC9BDE8964}" type="slidenum">
+            <a:fld id="{98F42380-5C3D-4DB8-B7E8-7CDB4DB3AFCB}" type="slidenum">
               <a:rPr b="0" lang="en-US" sz="1990" spc="-1" strike="noStrike">
                 <a:solidFill>
                   <a:srgbClr val="000000"/>
@@ -14126,7 +14217,7 @@
                 <a:spcPct val="100000"/>
               </a:lnSpc>
             </a:pPr>
-            <a:fld id="{5169933C-7FFF-4C44-B7C9-836780891DB7}" type="slidenum">
+            <a:fld id="{777C6488-2D64-4DDE-9154-99CB72FB656D}" type="slidenum">
               <a:rPr b="0" lang="en-US" sz="1990" spc="-1" strike="noStrike">
                 <a:solidFill>
                   <a:srgbClr val="000000"/>
@@ -14252,7 +14343,16 @@
                 </a:solidFill>
                 <a:latin typeface="Arial"/>
               </a:rPr>
-              <a:t>milestone in social science</a:t>
+              <a:t>milestone in social </a:t>
+            </a:r>
+            <a:r>
+              <a:rPr b="1" lang="en-US" sz="3420" spc="-1" strike="noStrike">
+                <a:solidFill>
+                  <a:srgbClr val="000000"/>
+                </a:solidFill>
+                <a:latin typeface="Arial"/>
+              </a:rPr>
+              <a:t>science</a:t>
             </a:r>
             <a:r>
               <a:rPr b="0" lang="en-US" sz="3420" spc="-1" strike="noStrike">
@@ -14371,7 +14471,16 @@
                 </a:solidFill>
                 <a:latin typeface="Arial"/>
               </a:rPr>
-              <a:t>Study of the highly contentious (and politicized) issue of labor market impacts of minimum wage increases</a:t>
+              <a:t>Study of the highly contentious (and politicized) issue of </a:t>
+            </a:r>
+            <a:r>
+              <a:rPr b="0" lang="en-US" sz="3420" spc="-1" strike="noStrike">
+                <a:solidFill>
+                  <a:srgbClr val="000000"/>
+                </a:solidFill>
+                <a:latin typeface="Arial"/>
+              </a:rPr>
+              <a:t>labor market impacts of minimum wage increases</a:t>
             </a:r>
             <a:endParaRPr b="0" lang="en-US" sz="3420" spc="-1" strike="noStrike">
               <a:solidFill>
@@ -14511,7 +14620,7 @@
                 <a:spcPct val="100000"/>
               </a:lnSpc>
             </a:pPr>
-            <a:fld id="{BE188735-465E-4A7C-95AB-CD55B3BE1482}" type="slidenum">
+            <a:fld id="{2142EB05-7A9A-406F-97D1-3A03E5316EA3}" type="slidenum">
               <a:rPr b="0" lang="en-US" sz="1990" spc="-1" strike="noStrike">
                 <a:solidFill>
                   <a:srgbClr val="000000"/>
@@ -14866,7 +14975,7 @@
                 <a:spcPct val="100000"/>
               </a:lnSpc>
             </a:pPr>
-            <a:fld id="{846C9955-9B3E-497C-9FB0-FC663261B905}" type="slidenum">
+            <a:fld id="{DD83ED8F-DCF4-4CD9-8D01-E69740447E90}" type="slidenum">
               <a:rPr b="0" lang="en-US" sz="1990" spc="-1" strike="noStrike">
                 <a:solidFill>
                   <a:srgbClr val="000000"/>
@@ -15186,7 +15295,7 @@
                 <a:spcPct val="100000"/>
               </a:lnSpc>
             </a:pPr>
-            <a:fld id="{80BE98AF-878A-4ABE-9535-34EAE1827981}" type="slidenum">
+            <a:fld id="{F407A29B-6A2A-452E-AC1C-2B4A37748F38}" type="slidenum">
               <a:rPr b="0" lang="en-US" sz="1990" spc="-1" strike="noStrike">
                 <a:solidFill>
                   <a:srgbClr val="000000"/>
@@ -15479,7 +15588,7 @@
                 <a:spcPct val="100000"/>
               </a:lnSpc>
             </a:pPr>
-            <a:fld id="{2FB195DA-E6AE-4E30-984B-9C674621B50A}" type="slidenum">
+            <a:fld id="{22BC4B5B-45BB-4D81-9DE4-8BBD29BB9963}" type="slidenum">
               <a:rPr b="0" lang="en-US" sz="1990" spc="-1" strike="noStrike">
                 <a:solidFill>
                   <a:srgbClr val="000000"/>
@@ -15604,7 +15713,7 @@
                 <a:spcPct val="100000"/>
               </a:lnSpc>
             </a:pPr>
-            <a:fld id="{16D810EA-E1C6-4DC6-B786-A29B4BEF0661}" type="slidenum">
+            <a:fld id="{97CD56CB-65DF-485A-B150-A9D152419903}" type="slidenum">
               <a:rPr b="0" lang="en-US" sz="1990" spc="-1" strike="noStrike">
                 <a:solidFill>
                   <a:srgbClr val="000000"/>
@@ -15869,7 +15978,7 @@
                 <a:spcPct val="100000"/>
               </a:lnSpc>
             </a:pPr>
-            <a:fld id="{4C1BDE3D-9A17-4533-90BD-A2A8F348B503}" type="slidenum">
+            <a:fld id="{DA23D64F-4493-4EDE-9A85-FF4DC09DEB11}" type="slidenum">
               <a:rPr b="0" lang="en-US" sz="1990" spc="-1" strike="noStrike">
                 <a:solidFill>
                   <a:srgbClr val="000000"/>
@@ -16073,7 +16182,7 @@
                 <a:spcPct val="100000"/>
               </a:lnSpc>
             </a:pPr>
-            <a:fld id="{94C4B307-080A-42F0-B6DC-0A28836D3F40}" type="slidenum">
+            <a:fld id="{E564A583-5D43-48C8-B02D-D5628B360182}" type="slidenum">
               <a:rPr b="0" lang="en-US" sz="1990" spc="-1" strike="noStrike">
                 <a:solidFill>
                   <a:srgbClr val="000000"/>
@@ -18509,7 +18618,7 @@
                 <a:spcPct val="100000"/>
               </a:lnSpc>
             </a:pPr>
-            <a:fld id="{C8F30906-DEA0-43D6-9992-77A23A968C89}" type="slidenum">
+            <a:fld id="{800B6E84-C813-4FA9-8FC8-2EA36E7D856D}" type="slidenum">
               <a:rPr b="0" lang="en-US" sz="1990" spc="-1" strike="noStrike">
                 <a:solidFill>
                   <a:srgbClr val="000000"/>
@@ -18763,7 +18872,7 @@
                 <a:spcPct val="100000"/>
               </a:lnSpc>
             </a:pPr>
-            <a:fld id="{39DCFB00-970B-4982-B642-99FD8B578C4D}" type="slidenum">
+            <a:fld id="{FAA2DA57-4876-47E2-A0FB-7DC84D8199C4}" type="slidenum">
               <a:rPr b="0" lang="en-US" sz="1990" spc="-1" strike="noStrike">
                 <a:solidFill>
                   <a:srgbClr val="000000"/>
@@ -18888,7 +18997,7 @@
                 <a:spcPct val="100000"/>
               </a:lnSpc>
             </a:pPr>
-            <a:fld id="{3DFAC8EF-3129-417E-800D-4B2A5346F336}" type="slidenum">
+            <a:fld id="{1664C9A7-7258-47BF-9565-9C3FA3B1A686}" type="slidenum">
               <a:rPr b="0" lang="en-US" sz="1990" spc="-1" strike="noStrike">
                 <a:solidFill>
                   <a:srgbClr val="000000"/>
@@ -19023,7 +19132,16 @@
                 </a:solidFill>
                 <a:latin typeface="Arial"/>
               </a:rPr>
-              <a:t>, was founded in May 2013 with a focus on randomized control trials (RCTs).</a:t>
+              <a:t>, was founded in May 2013 </a:t>
+            </a:r>
+            <a:r>
+              <a:rPr b="0" lang="en-US" sz="3420" spc="-1" strike="noStrike">
+                <a:solidFill>
+                  <a:srgbClr val="000000"/>
+                </a:solidFill>
+                <a:latin typeface="Arial"/>
+              </a:rPr>
+              <a:t>with a focus on randomized control trials (RCTs).</a:t>
             </a:r>
             <a:endParaRPr b="0" lang="en-US" sz="3420" spc="-1" strike="noStrike">
               <a:solidFill>
@@ -19069,7 +19187,16 @@
                 </a:solidFill>
                 <a:latin typeface="Arial"/>
               </a:rPr>
-              <a:t>Since then over 1200 studies have been registered, and the numbers are increasing rapidly.</a:t>
+              <a:t>Since then over 1200 studies have been registered, and </a:t>
+            </a:r>
+            <a:r>
+              <a:rPr b="0" lang="en-US" sz="3420" spc="-1" strike="noStrike">
+                <a:solidFill>
+                  <a:srgbClr val="000000"/>
+                </a:solidFill>
+                <a:latin typeface="Arial"/>
+              </a:rPr>
+              <a:t>the numbers are increasing rapidly.</a:t>
             </a:r>
             <a:endParaRPr b="0" lang="en-US" sz="3420" spc="-1" strike="noStrike">
               <a:solidFill>
@@ -19099,7 +19226,16 @@
                 </a:solidFill>
                 <a:latin typeface="Arial"/>
               </a:rPr>
-              <a:t>Some of these are earlier projects that are being registered (for completeness), but most are new studies.</a:t>
+              <a:t>Some of these are earlier projects that are being </a:t>
+            </a:r>
+            <a:r>
+              <a:rPr b="0" lang="en-US" sz="3420" spc="-1" strike="noStrike">
+                <a:solidFill>
+                  <a:srgbClr val="000000"/>
+                </a:solidFill>
+                <a:latin typeface="Arial"/>
+              </a:rPr>
+              <a:t>registered (for completeness), but most are new studies.</a:t>
             </a:r>
             <a:endParaRPr b="0" lang="en-US" sz="3420" spc="-1" strike="noStrike">
               <a:solidFill>
@@ -19218,7 +19354,7 @@
                 <a:spcPct val="100000"/>
               </a:lnSpc>
             </a:pPr>
-            <a:fld id="{AC4DBA04-B526-4661-B918-75A4CFF64DD1}" type="slidenum">
+            <a:fld id="{25A8929C-C593-48C8-AF3B-D22C8FA95F0B}" type="slidenum">
               <a:rPr b="0" lang="en-US" sz="1990" spc="-1" strike="noStrike">
                 <a:solidFill>
                   <a:srgbClr val="000000"/>
@@ -19320,7 +19456,7 @@
                 <a:spcPct val="100000"/>
               </a:lnSpc>
             </a:pPr>
-            <a:fld id="{15D3B4FE-96CD-421D-8DC1-DA41CD0C6CCF}" type="slidenum">
+            <a:fld id="{111C702D-DFA0-4305-92D1-5B1A69EA7569}" type="slidenum">
               <a:rPr b="0" lang="en-US" sz="1990" spc="-1" strike="noStrike">
                 <a:solidFill>
                   <a:srgbClr val="000000"/>
@@ -19605,7 +19741,16 @@
                 </a:solidFill>
                 <a:latin typeface="Arial"/>
               </a:rPr>
-              <a:t>Trial Title; Country; Status (i.e., ongoing, completed); Keywords; </a:t>
+              <a:t>Trial Title; Country; Status (i.e., ongoing, completed); </a:t>
+            </a:r>
+            <a:r>
+              <a:rPr b="0" lang="en-US" sz="3420" spc="-1" strike="noStrike">
+                <a:solidFill>
+                  <a:srgbClr val="000000"/>
+                </a:solidFill>
+                <a:latin typeface="Arial"/>
+              </a:rPr>
+              <a:t>Keywords; </a:t>
             </a:r>
             <a:r>
               <a:rPr b="1" lang="en-US" sz="3420" spc="-1" strike="noStrike">
@@ -19623,7 +19768,16 @@
                 </a:solidFill>
                 <a:latin typeface="Arial"/>
               </a:rPr>
-              <a:t>; Trial Start Date; Intervention Start Date; Intervention End Date; Trial End Date; </a:t>
+              <a:t>; Trial Start Date; Intervention Start </a:t>
+            </a:r>
+            <a:r>
+              <a:rPr b="0" lang="en-US" sz="3420" spc="-1" strike="noStrike">
+                <a:solidFill>
+                  <a:srgbClr val="000000"/>
+                </a:solidFill>
+                <a:latin typeface="Arial"/>
+              </a:rPr>
+              <a:t>Date; Intervention End Date; Trial End Date; </a:t>
             </a:r>
             <a:r>
               <a:rPr b="1" lang="en-US" sz="3420" spc="-1" strike="noStrike">
@@ -19632,7 +19786,16 @@
                 </a:solidFill>
                 <a:latin typeface="Arial"/>
               </a:rPr>
-              <a:t>Outcomes (End Points); Experimental Design (Public)</a:t>
+              <a:t>Outcomes </a:t>
+            </a:r>
+            <a:r>
+              <a:rPr b="1" lang="en-US" sz="3420" spc="-1" strike="noStrike">
+                <a:solidFill>
+                  <a:srgbClr val="000000"/>
+                </a:solidFill>
+                <a:latin typeface="Arial"/>
+              </a:rPr>
+              <a:t>(End Points); Experimental Design (Public)</a:t>
             </a:r>
             <a:r>
               <a:rPr b="0" lang="en-US" sz="3420" spc="-1" strike="noStrike">
@@ -19641,7 +19804,25 @@
                 </a:solidFill>
                 <a:latin typeface="Arial"/>
               </a:rPr>
-              <a:t>; Was the treatment clustered?; Planned Number of Clusters; Planned Number of Observations; IRB approval info. </a:t>
+              <a:t>; Was the </a:t>
+            </a:r>
+            <a:r>
+              <a:rPr b="0" lang="en-US" sz="3420" spc="-1" strike="noStrike">
+                <a:solidFill>
+                  <a:srgbClr val="000000"/>
+                </a:solidFill>
+                <a:latin typeface="Arial"/>
+              </a:rPr>
+              <a:t>treatment clustered?; Planned Number of Clusters; </a:t>
+            </a:r>
+            <a:r>
+              <a:rPr b="0" lang="en-US" sz="3420" spc="-1" strike="noStrike">
+                <a:solidFill>
+                  <a:srgbClr val="000000"/>
+                </a:solidFill>
+                <a:latin typeface="Arial"/>
+              </a:rPr>
+              <a:t>Planned Number of Observations; IRB approval info. </a:t>
             </a:r>
             <a:endParaRPr b="0" lang="en-US" sz="3420" spc="-1" strike="noStrike">
               <a:solidFill>
@@ -19776,7 +19957,7 @@
                 <a:spcPct val="100000"/>
               </a:lnSpc>
             </a:pPr>
-            <a:fld id="{1C20A060-E612-4EE3-A9E4-E363C570DC60}" type="slidenum">
+            <a:fld id="{BE5B861B-2E19-4360-A52A-F5CCE360B049}" type="slidenum">
               <a:rPr b="0" lang="en-US" sz="1990" spc="-1" strike="noStrike">
                 <a:solidFill>
                   <a:srgbClr val="000000"/>
